--- a/v1/doc/ANY-1 Prog Model.pptx
+++ b/v1/doc/ANY-1 Prog Model.pptx
@@ -3430,7 +3430,7 @@
                 <a:ea typeface="+mn-ea"/>
                 <a:cs typeface="+mn-cs"/>
               </a:rPr>
-              <a:t>V31 64 elements</a:t>
+              <a:t>V64 64 elements</a:t>
             </a:r>
           </a:p>
         </p:txBody>
@@ -3807,10 +3807,10 @@
       </p:sp>
       <p:sp>
         <p:nvSpPr>
-          <p:cNvPr id="21" name="Rectangle 20">
-            <a:extLst>
-              <a:ext uri="{FF2B5EF4-FFF2-40B4-BE49-F238E27FC236}">
-                <a16:creationId xmlns:a16="http://schemas.microsoft.com/office/drawing/2014/main" id="{E5D44086-ACDD-481C-8B50-AD02A8D46519}"/>
+          <p:cNvPr id="32" name="Rectangle 31">
+            <a:extLst>
+              <a:ext uri="{FF2B5EF4-FFF2-40B4-BE49-F238E27FC236}">
+                <a16:creationId xmlns:a16="http://schemas.microsoft.com/office/drawing/2014/main" id="{97D72942-AB6C-461C-BDE0-140E320F95F4}"/>
               </a:ext>
             </a:extLst>
           </p:cNvPr>
@@ -3819,7 +3819,7 @@
         </p:nvSpPr>
         <p:spPr>
           <a:xfrm>
-            <a:off x="4258353" y="3945798"/>
+            <a:off x="4251145" y="2804372"/>
             <a:ext cx="2627080" cy="136384"/>
           </a:xfrm>
           <a:prstGeom prst="rect">
@@ -3884,17 +3884,17 @@
                 <a:ea typeface="+mn-ea"/>
                 <a:cs typeface="+mn-cs"/>
               </a:rPr>
-              <a:t>x16</a:t>
-            </a:r>
-          </a:p>
-        </p:txBody>
-      </p:sp>
-      <p:sp>
-        <p:nvSpPr>
-          <p:cNvPr id="22" name="Rectangle 21">
-            <a:extLst>
-              <a:ext uri="{FF2B5EF4-FFF2-40B4-BE49-F238E27FC236}">
-                <a16:creationId xmlns:a16="http://schemas.microsoft.com/office/drawing/2014/main" id="{EC16B33A-A10E-430E-905A-F2C00A66EA01}"/>
+              <a:t>x58</a:t>
+            </a:r>
+          </a:p>
+        </p:txBody>
+      </p:sp>
+      <p:sp>
+        <p:nvSpPr>
+          <p:cNvPr id="33" name="Rectangle 32">
+            <a:extLst>
+              <a:ext uri="{FF2B5EF4-FFF2-40B4-BE49-F238E27FC236}">
+                <a16:creationId xmlns:a16="http://schemas.microsoft.com/office/drawing/2014/main" id="{BF072212-6F8F-496E-910C-9EA47CA76473}"/>
               </a:ext>
             </a:extLst>
           </p:cNvPr>
@@ -3903,7 +3903,7 @@
         </p:nvSpPr>
         <p:spPr>
           <a:xfrm>
-            <a:off x="4258353" y="4088233"/>
+            <a:off x="4251145" y="2951269"/>
             <a:ext cx="2627080" cy="136384"/>
           </a:xfrm>
           <a:prstGeom prst="rect">
@@ -3954,37 +3954,31 @@
               <a:defRPr/>
             </a:pPr>
             <a:r>
-              <a:rPr lang="en-CA" sz="800" dirty="0">
+              <a:rPr kumimoji="0" lang="en-CA" sz="800" b="0" i="0" u="none" strike="noStrike" kern="1200" cap="none" spc="0" normalizeH="0" baseline="0" noProof="0" dirty="0">
+                <a:ln>
+                  <a:noFill/>
+                </a:ln>
                 <a:solidFill>
                   <a:prstClr val="black"/>
                 </a:solidFill>
+                <a:effectLst/>
+                <a:uLnTx/>
+                <a:uFillTx/>
                 <a:latin typeface="Calibri" panose="020F0502020204030204"/>
-              </a:rPr>
-              <a:t>x17</a:t>
-            </a:r>
-            <a:endParaRPr kumimoji="0" lang="en-CA" sz="800" b="0" i="0" u="none" strike="noStrike" kern="1200" cap="none" spc="0" normalizeH="0" baseline="0" noProof="0" dirty="0">
-              <a:ln>
-                <a:noFill/>
-              </a:ln>
-              <a:solidFill>
-                <a:prstClr val="black"/>
-              </a:solidFill>
-              <a:effectLst/>
-              <a:uLnTx/>
-              <a:uFillTx/>
-              <a:latin typeface="Calibri" panose="020F0502020204030204"/>
-              <a:ea typeface="+mn-ea"/>
-              <a:cs typeface="+mn-cs"/>
-            </a:endParaRPr>
-          </a:p>
-        </p:txBody>
-      </p:sp>
-      <p:sp>
-        <p:nvSpPr>
-          <p:cNvPr id="23" name="Rectangle 22">
-            <a:extLst>
-              <a:ext uri="{FF2B5EF4-FFF2-40B4-BE49-F238E27FC236}">
-                <a16:creationId xmlns:a16="http://schemas.microsoft.com/office/drawing/2014/main" id="{B2E134D6-2662-4918-80EC-3336D7B49A59}"/>
+                <a:ea typeface="+mn-ea"/>
+                <a:cs typeface="+mn-cs"/>
+              </a:rPr>
+              <a:t>x59 / DP</a:t>
+            </a:r>
+          </a:p>
+        </p:txBody>
+      </p:sp>
+      <p:sp>
+        <p:nvSpPr>
+          <p:cNvPr id="34" name="Rectangle 33">
+            <a:extLst>
+              <a:ext uri="{FF2B5EF4-FFF2-40B4-BE49-F238E27FC236}">
+                <a16:creationId xmlns:a16="http://schemas.microsoft.com/office/drawing/2014/main" id="{F467FE34-3972-4BC5-9B62-7F0FEA5C2953}"/>
               </a:ext>
             </a:extLst>
           </p:cNvPr>
@@ -3993,7 +3987,7 @@
         </p:nvSpPr>
         <p:spPr>
           <a:xfrm>
-            <a:off x="4258353" y="4234584"/>
+            <a:off x="4251145" y="3098166"/>
             <a:ext cx="2627080" cy="136384"/>
           </a:xfrm>
           <a:prstGeom prst="rect">
@@ -4044,37 +4038,31 @@
               <a:defRPr/>
             </a:pPr>
             <a:r>
-              <a:rPr lang="en-CA" sz="800" dirty="0">
+              <a:rPr kumimoji="0" lang="en-CA" sz="800" b="0" i="0" u="none" strike="noStrike" kern="1200" cap="none" spc="0" normalizeH="0" baseline="0" noProof="0" dirty="0">
+                <a:ln>
+                  <a:noFill/>
+                </a:ln>
                 <a:solidFill>
                   <a:prstClr val="black"/>
                 </a:solidFill>
+                <a:effectLst/>
+                <a:uLnTx/>
+                <a:uFillTx/>
                 <a:latin typeface="Calibri" panose="020F0502020204030204"/>
-              </a:rPr>
-              <a:t>x18</a:t>
-            </a:r>
-            <a:endParaRPr kumimoji="0" lang="en-CA" sz="800" b="0" i="0" u="none" strike="noStrike" kern="1200" cap="none" spc="0" normalizeH="0" baseline="0" noProof="0" dirty="0">
-              <a:ln>
-                <a:noFill/>
-              </a:ln>
-              <a:solidFill>
-                <a:prstClr val="black"/>
-              </a:solidFill>
-              <a:effectLst/>
-              <a:uLnTx/>
-              <a:uFillTx/>
-              <a:latin typeface="Calibri" panose="020F0502020204030204"/>
-              <a:ea typeface="+mn-ea"/>
-              <a:cs typeface="+mn-cs"/>
-            </a:endParaRPr>
-          </a:p>
-        </p:txBody>
-      </p:sp>
-      <p:sp>
-        <p:nvSpPr>
-          <p:cNvPr id="24" name="Rectangle 23">
-            <a:extLst>
-              <a:ext uri="{FF2B5EF4-FFF2-40B4-BE49-F238E27FC236}">
-                <a16:creationId xmlns:a16="http://schemas.microsoft.com/office/drawing/2014/main" id="{B03AAFCF-9FA8-4C40-B80E-D8F0F4FCE8C2}"/>
+                <a:ea typeface="+mn-ea"/>
+                <a:cs typeface="+mn-cs"/>
+              </a:rPr>
+              <a:t>x60 /RODP</a:t>
+            </a:r>
+          </a:p>
+        </p:txBody>
+      </p:sp>
+      <p:sp>
+        <p:nvSpPr>
+          <p:cNvPr id="35" name="Rectangle 34">
+            <a:extLst>
+              <a:ext uri="{FF2B5EF4-FFF2-40B4-BE49-F238E27FC236}">
+                <a16:creationId xmlns:a16="http://schemas.microsoft.com/office/drawing/2014/main" id="{F739719A-58DD-45CD-8580-A3EE5EBB858A}"/>
               </a:ext>
             </a:extLst>
           </p:cNvPr>
@@ -4083,7 +4071,7 @@
         </p:nvSpPr>
         <p:spPr>
           <a:xfrm>
-            <a:off x="4258353" y="4380935"/>
+            <a:off x="4251145" y="3232627"/>
             <a:ext cx="2627080" cy="136384"/>
           </a:xfrm>
           <a:prstGeom prst="rect">
@@ -4148,17 +4136,17 @@
                 <a:ea typeface="+mn-ea"/>
                 <a:cs typeface="+mn-cs"/>
               </a:rPr>
-              <a:t>x19</a:t>
-            </a:r>
-          </a:p>
-        </p:txBody>
-      </p:sp>
-      <p:sp>
-        <p:nvSpPr>
-          <p:cNvPr id="25" name="Rectangle 24">
-            <a:extLst>
-              <a:ext uri="{FF2B5EF4-FFF2-40B4-BE49-F238E27FC236}">
-                <a16:creationId xmlns:a16="http://schemas.microsoft.com/office/drawing/2014/main" id="{63F1BAD8-ACE2-4342-BE76-6B53E9D46A4F}"/>
+              <a:t>x61 / FP</a:t>
+            </a:r>
+          </a:p>
+        </p:txBody>
+      </p:sp>
+      <p:sp>
+        <p:nvSpPr>
+          <p:cNvPr id="36" name="Rectangle 35">
+            <a:extLst>
+              <a:ext uri="{FF2B5EF4-FFF2-40B4-BE49-F238E27FC236}">
+                <a16:creationId xmlns:a16="http://schemas.microsoft.com/office/drawing/2014/main" id="{53F18804-9945-4915-B9F7-F3BBA2C77FFA}"/>
               </a:ext>
             </a:extLst>
           </p:cNvPr>
@@ -4167,7 +4155,7 @@
         </p:nvSpPr>
         <p:spPr>
           <a:xfrm>
-            <a:off x="4258353" y="4527832"/>
+            <a:off x="4251145" y="3369011"/>
             <a:ext cx="2627080" cy="136384"/>
           </a:xfrm>
           <a:prstGeom prst="rect">
@@ -4232,17 +4220,17 @@
                 <a:ea typeface="+mn-ea"/>
                 <a:cs typeface="+mn-cs"/>
               </a:rPr>
-              <a:t>x20</a:t>
-            </a:r>
-          </a:p>
-        </p:txBody>
-      </p:sp>
-      <p:sp>
-        <p:nvSpPr>
-          <p:cNvPr id="26" name="Rectangle 25">
-            <a:extLst>
-              <a:ext uri="{FF2B5EF4-FFF2-40B4-BE49-F238E27FC236}">
-                <a16:creationId xmlns:a16="http://schemas.microsoft.com/office/drawing/2014/main" id="{83B12DEB-ABE1-4E25-BDAA-4100B11A2D9A}"/>
+              <a:t>x62 / SP</a:t>
+            </a:r>
+          </a:p>
+        </p:txBody>
+      </p:sp>
+      <p:sp>
+        <p:nvSpPr>
+          <p:cNvPr id="39" name="Rectangle 38">
+            <a:extLst>
+              <a:ext uri="{FF2B5EF4-FFF2-40B4-BE49-F238E27FC236}">
+                <a16:creationId xmlns:a16="http://schemas.microsoft.com/office/drawing/2014/main" id="{11E81895-0CD7-4875-84F6-D83FA7CFA54A}"/>
               </a:ext>
             </a:extLst>
           </p:cNvPr>
@@ -4251,14 +4239,14 @@
         </p:nvSpPr>
         <p:spPr>
           <a:xfrm>
-            <a:off x="4258353" y="4674729"/>
-            <a:ext cx="2627080" cy="136384"/>
-          </a:xfrm>
-          <a:prstGeom prst="rect">
-            <a:avLst/>
-          </a:prstGeom>
-          <a:solidFill>
-            <a:schemeClr val="accent1">
+            <a:off x="2673245" y="1378763"/>
+            <a:ext cx="1313540" cy="173736"/>
+          </a:xfrm>
+          <a:prstGeom prst="rect">
+            <a:avLst/>
+          </a:prstGeom>
+          <a:solidFill>
+            <a:schemeClr val="accent6">
               <a:lumMod val="40000"/>
               <a:lumOff val="60000"/>
             </a:schemeClr>
@@ -4316,17 +4304,17 @@
                 <a:ea typeface="+mn-ea"/>
                 <a:cs typeface="+mn-cs"/>
               </a:rPr>
-              <a:t>x21</a:t>
-            </a:r>
-          </a:p>
-        </p:txBody>
-      </p:sp>
-      <p:sp>
-        <p:nvSpPr>
-          <p:cNvPr id="27" name="Rectangle 26">
-            <a:extLst>
-              <a:ext uri="{FF2B5EF4-FFF2-40B4-BE49-F238E27FC236}">
-                <a16:creationId xmlns:a16="http://schemas.microsoft.com/office/drawing/2014/main" id="{682D2AAC-C105-4021-94DA-F14A87709AED}"/>
+              <a:t>31                                           0</a:t>
+            </a:r>
+          </a:p>
+        </p:txBody>
+      </p:sp>
+      <p:sp>
+        <p:nvSpPr>
+          <p:cNvPr id="40" name="Rectangle 39">
+            <a:extLst>
+              <a:ext uri="{FF2B5EF4-FFF2-40B4-BE49-F238E27FC236}">
+                <a16:creationId xmlns:a16="http://schemas.microsoft.com/office/drawing/2014/main" id="{844EC07A-89FE-4A28-8429-1ACB6DC1A5C7}"/>
               </a:ext>
             </a:extLst>
           </p:cNvPr>
@@ -4335,7 +4323,7 @@
         </p:nvSpPr>
         <p:spPr>
           <a:xfrm>
-            <a:off x="4258353" y="4809190"/>
+            <a:off x="4258353" y="1392761"/>
             <a:ext cx="2627080" cy="136384"/>
           </a:xfrm>
           <a:prstGeom prst="rect">
@@ -4400,17 +4388,17 @@
                 <a:ea typeface="+mn-ea"/>
                 <a:cs typeface="+mn-cs"/>
               </a:rPr>
-              <a:t>x22</a:t>
-            </a:r>
-          </a:p>
-        </p:txBody>
-      </p:sp>
-      <p:sp>
-        <p:nvSpPr>
-          <p:cNvPr id="28" name="Rectangle 27">
-            <a:extLst>
-              <a:ext uri="{FF2B5EF4-FFF2-40B4-BE49-F238E27FC236}">
-                <a16:creationId xmlns:a16="http://schemas.microsoft.com/office/drawing/2014/main" id="{926195A7-533F-44D7-89D0-B99AACABDE53}"/>
+              <a:t>63                                                                                                       0</a:t>
+            </a:r>
+          </a:p>
+        </p:txBody>
+      </p:sp>
+      <p:sp>
+        <p:nvSpPr>
+          <p:cNvPr id="41" name="Rectangle 40">
+            <a:extLst>
+              <a:ext uri="{FF2B5EF4-FFF2-40B4-BE49-F238E27FC236}">
+                <a16:creationId xmlns:a16="http://schemas.microsoft.com/office/drawing/2014/main" id="{401A8704-514B-4463-B5DB-AEE3B1A2669B}"/>
               </a:ext>
             </a:extLst>
           </p:cNvPr>
@@ -4419,14 +4407,14 @@
         </p:nvSpPr>
         <p:spPr>
           <a:xfrm>
-            <a:off x="4258353" y="4945574"/>
-            <a:ext cx="2627080" cy="136384"/>
-          </a:xfrm>
-          <a:prstGeom prst="rect">
-            <a:avLst/>
-          </a:prstGeom>
-          <a:solidFill>
-            <a:schemeClr val="accent1">
+            <a:off x="2029967" y="1860574"/>
+            <a:ext cx="442109" cy="173736"/>
+          </a:xfrm>
+          <a:prstGeom prst="rect">
+            <a:avLst/>
+          </a:prstGeom>
+          <a:solidFill>
+            <a:schemeClr val="accent2">
               <a:lumMod val="40000"/>
               <a:lumOff val="60000"/>
             </a:schemeClr>
@@ -4484,17 +4472,147 @@
                 <a:ea typeface="+mn-ea"/>
                 <a:cs typeface="+mn-cs"/>
               </a:rPr>
-              <a:t>x23</a:t>
-            </a:r>
-          </a:p>
-        </p:txBody>
-      </p:sp>
-      <p:sp>
-        <p:nvSpPr>
-          <p:cNvPr id="29" name="Rectangle 28">
-            <a:extLst>
-              <a:ext uri="{FF2B5EF4-FFF2-40B4-BE49-F238E27FC236}">
-                <a16:creationId xmlns:a16="http://schemas.microsoft.com/office/drawing/2014/main" id="{041EA3D6-422E-4BB5-AC25-AF5B16852935}"/>
+              <a:t>VL</a:t>
+            </a:r>
+          </a:p>
+        </p:txBody>
+      </p:sp>
+      <p:sp>
+        <p:nvSpPr>
+          <p:cNvPr id="43" name="TextBox 42">
+            <a:extLst>
+              <a:ext uri="{FF2B5EF4-FFF2-40B4-BE49-F238E27FC236}">
+                <a16:creationId xmlns:a16="http://schemas.microsoft.com/office/drawing/2014/main" id="{4D272DB6-8CF5-4A2E-B985-BD99C7408E04}"/>
+              </a:ext>
+            </a:extLst>
+          </p:cNvPr>
+          <p:cNvSpPr txBox="1"/>
+          <p:nvPr/>
+        </p:nvSpPr>
+        <p:spPr>
+          <a:xfrm>
+            <a:off x="1986493" y="1692305"/>
+            <a:ext cx="229550" cy="200055"/>
+          </a:xfrm>
+          <a:prstGeom prst="rect">
+            <a:avLst/>
+          </a:prstGeom>
+          <a:noFill/>
+        </p:spPr>
+        <p:txBody>
+          <a:bodyPr wrap="none" rtlCol="0">
+            <a:spAutoFit/>
+          </a:bodyPr>
+          <a:lstStyle/>
+          <a:p>
+            <a:pPr marL="0" marR="0" lvl="0" indent="0" algn="l" defTabSz="914400" rtl="0" eaLnBrk="1" fontAlgn="auto" latinLnBrk="0" hangingPunct="1">
+              <a:lnSpc>
+                <a:spcPct val="100000"/>
+              </a:lnSpc>
+              <a:spcBef>
+                <a:spcPts val="0"/>
+              </a:spcBef>
+              <a:spcAft>
+                <a:spcPts val="0"/>
+              </a:spcAft>
+              <a:buClrTx/>
+              <a:buSzTx/>
+              <a:buFontTx/>
+              <a:buNone/>
+              <a:tabLst/>
+              <a:defRPr/>
+            </a:pPr>
+            <a:r>
+              <a:rPr kumimoji="0" lang="en-CA" sz="700" b="0" i="0" u="none" strike="noStrike" kern="1200" cap="none" spc="0" normalizeH="0" baseline="0" noProof="0" dirty="0">
+                <a:ln>
+                  <a:noFill/>
+                </a:ln>
+                <a:solidFill>
+                  <a:prstClr val="black"/>
+                </a:solidFill>
+                <a:effectLst/>
+                <a:uLnTx/>
+                <a:uFillTx/>
+                <a:latin typeface="Calibri" panose="020F0502020204030204"/>
+                <a:ea typeface="+mn-ea"/>
+                <a:cs typeface="+mn-cs"/>
+              </a:rPr>
+              <a:t>7</a:t>
+            </a:r>
+          </a:p>
+        </p:txBody>
+      </p:sp>
+      <p:sp>
+        <p:nvSpPr>
+          <p:cNvPr id="44" name="TextBox 43">
+            <a:extLst>
+              <a:ext uri="{FF2B5EF4-FFF2-40B4-BE49-F238E27FC236}">
+                <a16:creationId xmlns:a16="http://schemas.microsoft.com/office/drawing/2014/main" id="{D720C8C6-3073-415B-A955-DC40A1B3B1EA}"/>
+              </a:ext>
+            </a:extLst>
+          </p:cNvPr>
+          <p:cNvSpPr txBox="1"/>
+          <p:nvPr/>
+        </p:nvSpPr>
+        <p:spPr>
+          <a:xfrm>
+            <a:off x="2365290" y="1680454"/>
+            <a:ext cx="229550" cy="200055"/>
+          </a:xfrm>
+          <a:prstGeom prst="rect">
+            <a:avLst/>
+          </a:prstGeom>
+          <a:noFill/>
+        </p:spPr>
+        <p:txBody>
+          <a:bodyPr wrap="none" rtlCol="0">
+            <a:spAutoFit/>
+          </a:bodyPr>
+          <a:lstStyle/>
+          <a:p>
+            <a:pPr marL="0" marR="0" lvl="0" indent="0" algn="l" defTabSz="914400" rtl="0" eaLnBrk="1" fontAlgn="auto" latinLnBrk="0" hangingPunct="1">
+              <a:lnSpc>
+                <a:spcPct val="100000"/>
+              </a:lnSpc>
+              <a:spcBef>
+                <a:spcPts val="0"/>
+              </a:spcBef>
+              <a:spcAft>
+                <a:spcPts val="0"/>
+              </a:spcAft>
+              <a:buClrTx/>
+              <a:buSzTx/>
+              <a:buFontTx/>
+              <a:buNone/>
+              <a:tabLst/>
+              <a:defRPr/>
+            </a:pPr>
+            <a:r>
+              <a:rPr kumimoji="0" lang="en-CA" sz="700" b="0" i="0" u="none" strike="noStrike" kern="1200" cap="none" spc="0" normalizeH="0" baseline="0" noProof="0" dirty="0">
+                <a:ln>
+                  <a:noFill/>
+                </a:ln>
+                <a:solidFill>
+                  <a:prstClr val="black"/>
+                </a:solidFill>
+                <a:effectLst/>
+                <a:uLnTx/>
+                <a:uFillTx/>
+                <a:latin typeface="Calibri" panose="020F0502020204030204"/>
+                <a:ea typeface="+mn-ea"/>
+                <a:cs typeface="+mn-cs"/>
+              </a:rPr>
+              <a:t>0</a:t>
+            </a:r>
+          </a:p>
+        </p:txBody>
+      </p:sp>
+      <p:sp>
+        <p:nvSpPr>
+          <p:cNvPr id="45" name="Rectangle 44">
+            <a:extLst>
+              <a:ext uri="{FF2B5EF4-FFF2-40B4-BE49-F238E27FC236}">
+                <a16:creationId xmlns:a16="http://schemas.microsoft.com/office/drawing/2014/main" id="{43D38D2E-DD55-46AE-BA09-6F0CA41CBB39}"/>
               </a:ext>
             </a:extLst>
           </p:cNvPr>
@@ -4503,14 +4621,14 @@
         </p:nvSpPr>
         <p:spPr>
           <a:xfrm>
-            <a:off x="4258353" y="5079668"/>
-            <a:ext cx="2627080" cy="136384"/>
-          </a:xfrm>
-          <a:prstGeom prst="rect">
-            <a:avLst/>
-          </a:prstGeom>
-          <a:solidFill>
-            <a:schemeClr val="accent1">
+            <a:off x="2027464" y="2221415"/>
+            <a:ext cx="442109" cy="173736"/>
+          </a:xfrm>
+          <a:prstGeom prst="rect">
+            <a:avLst/>
+          </a:prstGeom>
+          <a:solidFill>
+            <a:schemeClr val="accent2">
               <a:lumMod val="40000"/>
               <a:lumOff val="60000"/>
             </a:schemeClr>
@@ -4568,17 +4686,17 @@
                 <a:ea typeface="+mn-ea"/>
                 <a:cs typeface="+mn-cs"/>
               </a:rPr>
-              <a:t>x24</a:t>
-            </a:r>
-          </a:p>
-        </p:txBody>
-      </p:sp>
-      <p:sp>
-        <p:nvSpPr>
-          <p:cNvPr id="30" name="Rectangle 29">
-            <a:extLst>
-              <a:ext uri="{FF2B5EF4-FFF2-40B4-BE49-F238E27FC236}">
-                <a16:creationId xmlns:a16="http://schemas.microsoft.com/office/drawing/2014/main" id="{BAC81386-9373-4B18-A274-344F05F1113A}"/>
+              <a:t>VS</a:t>
+            </a:r>
+          </a:p>
+        </p:txBody>
+      </p:sp>
+      <p:sp>
+        <p:nvSpPr>
+          <p:cNvPr id="46" name="Rectangle 45">
+            <a:extLst>
+              <a:ext uri="{FF2B5EF4-FFF2-40B4-BE49-F238E27FC236}">
+                <a16:creationId xmlns:a16="http://schemas.microsoft.com/office/drawing/2014/main" id="{059AB39E-5228-4CC8-8AD7-2E1E93F93B30}"/>
               </a:ext>
             </a:extLst>
           </p:cNvPr>
@@ -4587,7 +4705,7 @@
         </p:nvSpPr>
         <p:spPr>
           <a:xfrm>
-            <a:off x="4258353" y="5222103"/>
+            <a:off x="7321593" y="1392931"/>
             <a:ext cx="2627080" cy="136384"/>
           </a:xfrm>
           <a:prstGeom prst="rect">
@@ -4652,17 +4770,17 @@
                 <a:ea typeface="+mn-ea"/>
                 <a:cs typeface="+mn-cs"/>
               </a:rPr>
-              <a:t>x25</a:t>
-            </a:r>
-          </a:p>
-        </p:txBody>
-      </p:sp>
-      <p:sp>
-        <p:nvSpPr>
-          <p:cNvPr id="31" name="Rectangle 30">
-            <a:extLst>
-              <a:ext uri="{FF2B5EF4-FFF2-40B4-BE49-F238E27FC236}">
-                <a16:creationId xmlns:a16="http://schemas.microsoft.com/office/drawing/2014/main" id="{B879B5A9-28D1-4760-A51C-A4FA4D9FE71A}"/>
+              <a:t>M0</a:t>
+            </a:r>
+          </a:p>
+        </p:txBody>
+      </p:sp>
+      <p:sp>
+        <p:nvSpPr>
+          <p:cNvPr id="47" name="Rectangle 46">
+            <a:extLst>
+              <a:ext uri="{FF2B5EF4-FFF2-40B4-BE49-F238E27FC236}">
+                <a16:creationId xmlns:a16="http://schemas.microsoft.com/office/drawing/2014/main" id="{354ED109-73E8-4F08-A761-0ECDDCFFCEC7}"/>
               </a:ext>
             </a:extLst>
           </p:cNvPr>
@@ -4671,7 +4789,7 @@
         </p:nvSpPr>
         <p:spPr>
           <a:xfrm>
-            <a:off x="4258353" y="5368454"/>
+            <a:off x="7321593" y="1537924"/>
             <a:ext cx="2627080" cy="136384"/>
           </a:xfrm>
           <a:prstGeom prst="rect">
@@ -4736,17 +4854,17 @@
                 <a:ea typeface="+mn-ea"/>
                 <a:cs typeface="+mn-cs"/>
               </a:rPr>
-              <a:t>x26</a:t>
-            </a:r>
-          </a:p>
-        </p:txBody>
-      </p:sp>
-      <p:sp>
-        <p:nvSpPr>
-          <p:cNvPr id="32" name="Rectangle 31">
-            <a:extLst>
-              <a:ext uri="{FF2B5EF4-FFF2-40B4-BE49-F238E27FC236}">
-                <a16:creationId xmlns:a16="http://schemas.microsoft.com/office/drawing/2014/main" id="{97D72942-AB6C-461C-BDE0-140E320F95F4}"/>
+              <a:t>M1</a:t>
+            </a:r>
+          </a:p>
+        </p:txBody>
+      </p:sp>
+      <p:sp>
+        <p:nvSpPr>
+          <p:cNvPr id="48" name="Rectangle 47">
+            <a:extLst>
+              <a:ext uri="{FF2B5EF4-FFF2-40B4-BE49-F238E27FC236}">
+                <a16:creationId xmlns:a16="http://schemas.microsoft.com/office/drawing/2014/main" id="{89445957-D156-4107-B316-686D00E7B323}"/>
               </a:ext>
             </a:extLst>
           </p:cNvPr>
@@ -4755,7 +4873,7 @@
         </p:nvSpPr>
         <p:spPr>
           <a:xfrm>
-            <a:off x="4258353" y="5514805"/>
+            <a:off x="7321593" y="1685439"/>
             <a:ext cx="2627080" cy="136384"/>
           </a:xfrm>
           <a:prstGeom prst="rect">
@@ -4820,17 +4938,17 @@
                 <a:ea typeface="+mn-ea"/>
                 <a:cs typeface="+mn-cs"/>
               </a:rPr>
-              <a:t>x27</a:t>
-            </a:r>
-          </a:p>
-        </p:txBody>
-      </p:sp>
-      <p:sp>
-        <p:nvSpPr>
-          <p:cNvPr id="33" name="Rectangle 32">
-            <a:extLst>
-              <a:ext uri="{FF2B5EF4-FFF2-40B4-BE49-F238E27FC236}">
-                <a16:creationId xmlns:a16="http://schemas.microsoft.com/office/drawing/2014/main" id="{BF072212-6F8F-496E-910C-9EA47CA76473}"/>
+              <a:t>M2</a:t>
+            </a:r>
+          </a:p>
+        </p:txBody>
+      </p:sp>
+      <p:sp>
+        <p:nvSpPr>
+          <p:cNvPr id="49" name="Rectangle 48">
+            <a:extLst>
+              <a:ext uri="{FF2B5EF4-FFF2-40B4-BE49-F238E27FC236}">
+                <a16:creationId xmlns:a16="http://schemas.microsoft.com/office/drawing/2014/main" id="{8A1B716B-0E60-4503-801F-DB62357C544E}"/>
               </a:ext>
             </a:extLst>
           </p:cNvPr>
@@ -4839,7 +4957,7 @@
         </p:nvSpPr>
         <p:spPr>
           <a:xfrm>
-            <a:off x="4258353" y="5661702"/>
+            <a:off x="7321593" y="1821823"/>
             <a:ext cx="2627080" cy="136384"/>
           </a:xfrm>
           <a:prstGeom prst="rect">
@@ -4904,17 +5022,17 @@
                 <a:ea typeface="+mn-ea"/>
                 <a:cs typeface="+mn-cs"/>
               </a:rPr>
-              <a:t>X28 / DP</a:t>
-            </a:r>
-          </a:p>
-        </p:txBody>
-      </p:sp>
-      <p:sp>
-        <p:nvSpPr>
-          <p:cNvPr id="34" name="Rectangle 33">
-            <a:extLst>
-              <a:ext uri="{FF2B5EF4-FFF2-40B4-BE49-F238E27FC236}">
-                <a16:creationId xmlns:a16="http://schemas.microsoft.com/office/drawing/2014/main" id="{F467FE34-3972-4BC5-9B62-7F0FEA5C2953}"/>
+              <a:t>M3</a:t>
+            </a:r>
+          </a:p>
+        </p:txBody>
+      </p:sp>
+      <p:sp>
+        <p:nvSpPr>
+          <p:cNvPr id="50" name="Rectangle 49">
+            <a:extLst>
+              <a:ext uri="{FF2B5EF4-FFF2-40B4-BE49-F238E27FC236}">
+                <a16:creationId xmlns:a16="http://schemas.microsoft.com/office/drawing/2014/main" id="{4F718CBD-1693-4A4E-9BE6-D10240DBDBBC}"/>
               </a:ext>
             </a:extLst>
           </p:cNvPr>
@@ -4923,7 +5041,7 @@
         </p:nvSpPr>
         <p:spPr>
           <a:xfrm>
-            <a:off x="4258353" y="5808599"/>
+            <a:off x="7321593" y="1970943"/>
             <a:ext cx="2627080" cy="136384"/>
           </a:xfrm>
           <a:prstGeom prst="rect">
@@ -4988,17 +5106,17 @@
                 <a:ea typeface="+mn-ea"/>
                 <a:cs typeface="+mn-cs"/>
               </a:rPr>
-              <a:t>X29 /RODP</a:t>
-            </a:r>
-          </a:p>
-        </p:txBody>
-      </p:sp>
-      <p:sp>
-        <p:nvSpPr>
-          <p:cNvPr id="35" name="Rectangle 34">
-            <a:extLst>
-              <a:ext uri="{FF2B5EF4-FFF2-40B4-BE49-F238E27FC236}">
-                <a16:creationId xmlns:a16="http://schemas.microsoft.com/office/drawing/2014/main" id="{F739719A-58DD-45CD-8580-A3EE5EBB858A}"/>
+              <a:t>M4</a:t>
+            </a:r>
+          </a:p>
+        </p:txBody>
+      </p:sp>
+      <p:sp>
+        <p:nvSpPr>
+          <p:cNvPr id="51" name="Rectangle 50">
+            <a:extLst>
+              <a:ext uri="{FF2B5EF4-FFF2-40B4-BE49-F238E27FC236}">
+                <a16:creationId xmlns:a16="http://schemas.microsoft.com/office/drawing/2014/main" id="{162D6B75-A5E6-4D63-814E-561E1AB0E497}"/>
               </a:ext>
             </a:extLst>
           </p:cNvPr>
@@ -5007,7 +5125,7 @@
         </p:nvSpPr>
         <p:spPr>
           <a:xfrm>
-            <a:off x="4258353" y="5943060"/>
+            <a:off x="7321593" y="2122585"/>
             <a:ext cx="2627080" cy="136384"/>
           </a:xfrm>
           <a:prstGeom prst="rect">
@@ -5072,17 +5190,17 @@
                 <a:ea typeface="+mn-ea"/>
                 <a:cs typeface="+mn-cs"/>
               </a:rPr>
-              <a:t>X30 / FP</a:t>
-            </a:r>
-          </a:p>
-        </p:txBody>
-      </p:sp>
-      <p:sp>
-        <p:nvSpPr>
-          <p:cNvPr id="36" name="Rectangle 35">
-            <a:extLst>
-              <a:ext uri="{FF2B5EF4-FFF2-40B4-BE49-F238E27FC236}">
-                <a16:creationId xmlns:a16="http://schemas.microsoft.com/office/drawing/2014/main" id="{53F18804-9945-4915-B9F7-F3BBA2C77FFA}"/>
+              <a:t>M5</a:t>
+            </a:r>
+          </a:p>
+        </p:txBody>
+      </p:sp>
+      <p:sp>
+        <p:nvSpPr>
+          <p:cNvPr id="52" name="Rectangle 51">
+            <a:extLst>
+              <a:ext uri="{FF2B5EF4-FFF2-40B4-BE49-F238E27FC236}">
+                <a16:creationId xmlns:a16="http://schemas.microsoft.com/office/drawing/2014/main" id="{2135B147-B656-4AF8-9F5D-8CD2232BBB47}"/>
               </a:ext>
             </a:extLst>
           </p:cNvPr>
@@ -5091,7 +5209,7 @@
         </p:nvSpPr>
         <p:spPr>
           <a:xfrm>
-            <a:off x="4258353" y="6079444"/>
+            <a:off x="7321593" y="2262561"/>
             <a:ext cx="2627080" cy="136384"/>
           </a:xfrm>
           <a:prstGeom prst="rect">
@@ -5156,17 +5274,17 @@
                 <a:ea typeface="+mn-ea"/>
                 <a:cs typeface="+mn-cs"/>
               </a:rPr>
-              <a:t>X31 / SP</a:t>
-            </a:r>
-          </a:p>
-        </p:txBody>
-      </p:sp>
-      <p:sp>
-        <p:nvSpPr>
-          <p:cNvPr id="39" name="Rectangle 38">
-            <a:extLst>
-              <a:ext uri="{FF2B5EF4-FFF2-40B4-BE49-F238E27FC236}">
-                <a16:creationId xmlns:a16="http://schemas.microsoft.com/office/drawing/2014/main" id="{11E81895-0CD7-4875-84F6-D83FA7CFA54A}"/>
+              <a:t>M6</a:t>
+            </a:r>
+          </a:p>
+        </p:txBody>
+      </p:sp>
+      <p:sp>
+        <p:nvSpPr>
+          <p:cNvPr id="53" name="Rectangle 52">
+            <a:extLst>
+              <a:ext uri="{FF2B5EF4-FFF2-40B4-BE49-F238E27FC236}">
+                <a16:creationId xmlns:a16="http://schemas.microsoft.com/office/drawing/2014/main" id="{737FF1E7-46C5-436B-85EB-F4A22755E5CE}"/>
               </a:ext>
             </a:extLst>
           </p:cNvPr>
@@ -5175,14 +5293,14 @@
         </p:nvSpPr>
         <p:spPr>
           <a:xfrm>
-            <a:off x="2673245" y="1378763"/>
-            <a:ext cx="1313540" cy="173736"/>
-          </a:xfrm>
-          <a:prstGeom prst="rect">
-            <a:avLst/>
-          </a:prstGeom>
-          <a:solidFill>
-            <a:schemeClr val="accent6">
+            <a:off x="7321593" y="2400397"/>
+            <a:ext cx="2627080" cy="136384"/>
+          </a:xfrm>
+          <a:prstGeom prst="rect">
+            <a:avLst/>
+          </a:prstGeom>
+          <a:solidFill>
+            <a:schemeClr val="accent1">
               <a:lumMod val="40000"/>
               <a:lumOff val="60000"/>
             </a:schemeClr>
@@ -5240,17 +5358,82 @@
                 <a:ea typeface="+mn-ea"/>
                 <a:cs typeface="+mn-cs"/>
               </a:rPr>
-              <a:t>31                                           0</a:t>
-            </a:r>
-          </a:p>
-        </p:txBody>
-      </p:sp>
-      <p:sp>
-        <p:nvSpPr>
-          <p:cNvPr id="40" name="Rectangle 39">
-            <a:extLst>
-              <a:ext uri="{FF2B5EF4-FFF2-40B4-BE49-F238E27FC236}">
-                <a16:creationId xmlns:a16="http://schemas.microsoft.com/office/drawing/2014/main" id="{844EC07A-89FE-4A28-8429-1ACB6DC1A5C7}"/>
+              <a:t>M7</a:t>
+            </a:r>
+          </a:p>
+        </p:txBody>
+      </p:sp>
+      <p:sp>
+        <p:nvSpPr>
+          <p:cNvPr id="54" name="TextBox 53">
+            <a:extLst>
+              <a:ext uri="{FF2B5EF4-FFF2-40B4-BE49-F238E27FC236}">
+                <a16:creationId xmlns:a16="http://schemas.microsoft.com/office/drawing/2014/main" id="{8059BE3F-A958-469A-B8CB-756964D86F9E}"/>
+              </a:ext>
+            </a:extLst>
+          </p:cNvPr>
+          <p:cNvSpPr txBox="1"/>
+          <p:nvPr/>
+        </p:nvSpPr>
+        <p:spPr>
+          <a:xfrm>
+            <a:off x="8216588" y="1201629"/>
+            <a:ext cx="931665" cy="246221"/>
+          </a:xfrm>
+          <a:prstGeom prst="rect">
+            <a:avLst/>
+          </a:prstGeom>
+          <a:noFill/>
+        </p:spPr>
+        <p:txBody>
+          <a:bodyPr wrap="none" rtlCol="0">
+            <a:spAutoFit/>
+          </a:bodyPr>
+          <a:lstStyle/>
+          <a:p>
+            <a:pPr marL="0" marR="0" lvl="0" indent="0" algn="l" defTabSz="914400" rtl="0" eaLnBrk="1" fontAlgn="auto" latinLnBrk="0" hangingPunct="1">
+              <a:lnSpc>
+                <a:spcPct val="100000"/>
+              </a:lnSpc>
+              <a:spcBef>
+                <a:spcPts val="0"/>
+              </a:spcBef>
+              <a:spcAft>
+                <a:spcPts val="0"/>
+              </a:spcAft>
+              <a:buClrTx/>
+              <a:buSzTx/>
+              <a:buFontTx/>
+              <a:buNone/>
+              <a:tabLst/>
+              <a:defRPr/>
+            </a:pPr>
+            <a:r>
+              <a:rPr kumimoji="0" lang="en-CA" sz="1000" b="0" i="0" u="none" strike="noStrike" kern="1200" cap="none" spc="0" normalizeH="0" baseline="0" noProof="0" dirty="0">
+                <a:ln>
+                  <a:noFill/>
+                </a:ln>
+                <a:solidFill>
+                  <a:prstClr val="black"/>
+                </a:solidFill>
+                <a:effectLst/>
+                <a:uLnTx/>
+                <a:uFillTx/>
+                <a:latin typeface="Calibri" panose="020F0502020204030204"/>
+                <a:ea typeface="+mn-ea"/>
+                <a:cs typeface="+mn-cs"/>
+              </a:rPr>
+              <a:t>8 Vector Mask</a:t>
+            </a:r>
+          </a:p>
+        </p:txBody>
+      </p:sp>
+      <p:sp>
+        <p:nvSpPr>
+          <p:cNvPr id="57" name="Rectangle 56">
+            <a:extLst>
+              <a:ext uri="{FF2B5EF4-FFF2-40B4-BE49-F238E27FC236}">
+                <a16:creationId xmlns:a16="http://schemas.microsoft.com/office/drawing/2014/main" id="{710F9F72-192F-4045-8519-768C78E568B8}"/>
               </a:ext>
             </a:extLst>
           </p:cNvPr>
@@ -5259,8 +5442,8 @@
         </p:nvSpPr>
         <p:spPr>
           <a:xfrm>
-            <a:off x="4258353" y="1392761"/>
-            <a:ext cx="2627080" cy="136384"/>
+            <a:off x="7214913" y="4270168"/>
+            <a:ext cx="2627080" cy="1333263"/>
           </a:xfrm>
           <a:prstGeom prst="rect">
             <a:avLst/>
@@ -5289,7 +5472,7 @@
           </a:fontRef>
         </p:style>
         <p:txBody>
-          <a:bodyPr rtlCol="0" anchor="ctr"/>
+          <a:bodyPr rtlCol="0" anchor="t"/>
           <a:lstStyle/>
           <a:p>
             <a:pPr marL="0" marR="0" lvl="0" indent="0" algn="ctr" defTabSz="914400" rtl="0" eaLnBrk="1" fontAlgn="auto" latinLnBrk="0" hangingPunct="1">
@@ -5324,17 +5507,126 @@
                 <a:ea typeface="+mn-ea"/>
                 <a:cs typeface="+mn-cs"/>
               </a:rPr>
-              <a:t>63                                                                                                       0</a:t>
-            </a:r>
-          </a:p>
-        </p:txBody>
-      </p:sp>
-      <p:sp>
-        <p:nvSpPr>
-          <p:cNvPr id="41" name="Rectangle 40">
-            <a:extLst>
-              <a:ext uri="{FF2B5EF4-FFF2-40B4-BE49-F238E27FC236}">
-                <a16:creationId xmlns:a16="http://schemas.microsoft.com/office/drawing/2014/main" id="{401A8704-514B-4463-B5DB-AEE3B1A2669B}"/>
+              <a:t>V0 64 elements</a:t>
+            </a:r>
+          </a:p>
+        </p:txBody>
+      </p:sp>
+      <p:cxnSp>
+        <p:nvCxnSpPr>
+          <p:cNvPr id="63" name="Straight Connector 62">
+            <a:extLst>
+              <a:ext uri="{FF2B5EF4-FFF2-40B4-BE49-F238E27FC236}">
+                <a16:creationId xmlns:a16="http://schemas.microsoft.com/office/drawing/2014/main" id="{180169E3-5A05-44FC-AC27-84E6573B02CF}"/>
+              </a:ext>
+            </a:extLst>
+          </p:cNvPr>
+          <p:cNvCxnSpPr>
+            <a:cxnSpLocks/>
+          </p:cNvCxnSpPr>
+          <p:nvPr/>
+        </p:nvCxnSpPr>
+        <p:spPr>
+          <a:xfrm flipV="1">
+            <a:off x="8861130" y="3262102"/>
+            <a:ext cx="368363" cy="552688"/>
+          </a:xfrm>
+          <a:prstGeom prst="line">
+            <a:avLst/>
+          </a:prstGeom>
+          <a:ln>
+            <a:solidFill>
+              <a:schemeClr val="tx1"/>
+            </a:solidFill>
+            <a:prstDash val="dash"/>
+          </a:ln>
+        </p:spPr>
+        <p:style>
+          <a:lnRef idx="1">
+            <a:schemeClr val="accent1"/>
+          </a:lnRef>
+          <a:fillRef idx="0">
+            <a:schemeClr val="accent1"/>
+          </a:fillRef>
+          <a:effectRef idx="0">
+            <a:schemeClr val="accent1"/>
+          </a:effectRef>
+          <a:fontRef idx="minor">
+            <a:schemeClr val="tx1"/>
+          </a:fontRef>
+        </p:style>
+      </p:cxnSp>
+      <p:sp>
+        <p:nvSpPr>
+          <p:cNvPr id="68" name="TextBox 67">
+            <a:extLst>
+              <a:ext uri="{FF2B5EF4-FFF2-40B4-BE49-F238E27FC236}">
+                <a16:creationId xmlns:a16="http://schemas.microsoft.com/office/drawing/2014/main" id="{3541EB03-4703-4AD7-A8F8-403451902F20}"/>
+              </a:ext>
+            </a:extLst>
+          </p:cNvPr>
+          <p:cNvSpPr txBox="1"/>
+          <p:nvPr/>
+        </p:nvSpPr>
+        <p:spPr>
+          <a:xfrm>
+            <a:off x="8891970" y="2791184"/>
+            <a:ext cx="1194558" cy="246221"/>
+          </a:xfrm>
+          <a:prstGeom prst="rect">
+            <a:avLst/>
+          </a:prstGeom>
+          <a:noFill/>
+        </p:spPr>
+        <p:txBody>
+          <a:bodyPr wrap="none" rtlCol="0">
+            <a:spAutoFit/>
+          </a:bodyPr>
+          <a:lstStyle/>
+          <a:p>
+            <a:pPr marL="0" marR="0" lvl="0" indent="0" algn="l" defTabSz="914400" rtl="0" eaLnBrk="1" fontAlgn="auto" latinLnBrk="0" hangingPunct="1">
+              <a:lnSpc>
+                <a:spcPct val="100000"/>
+              </a:lnSpc>
+              <a:spcBef>
+                <a:spcPts val="0"/>
+              </a:spcBef>
+              <a:spcAft>
+                <a:spcPts val="0"/>
+              </a:spcAft>
+              <a:buClrTx/>
+              <a:buSzTx/>
+              <a:buFontTx/>
+              <a:buNone/>
+              <a:tabLst/>
+              <a:defRPr/>
+            </a:pPr>
+            <a:r>
+              <a:rPr kumimoji="0" lang="en-CA" sz="1000" b="0" i="0" u="none" strike="noStrike" kern="1200" cap="none" spc="0" normalizeH="0" baseline="0" noProof="0" dirty="0">
+                <a:ln>
+                  <a:noFill/>
+                </a:ln>
+                <a:solidFill>
+                  <a:prstClr val="black"/>
+                </a:solidFill>
+                <a:effectLst/>
+                <a:uLnTx/>
+                <a:uFillTx/>
+                <a:latin typeface="Calibri" panose="020F0502020204030204"/>
+                <a:ea typeface="+mn-ea"/>
+                <a:cs typeface="+mn-cs"/>
+              </a:rPr>
+              <a:t>64 Vector Registers</a:t>
+            </a:r>
+          </a:p>
+        </p:txBody>
+      </p:sp>
+      <p:sp>
+        <p:nvSpPr>
+          <p:cNvPr id="69" name="Rectangle 68">
+            <a:extLst>
+              <a:ext uri="{FF2B5EF4-FFF2-40B4-BE49-F238E27FC236}">
+                <a16:creationId xmlns:a16="http://schemas.microsoft.com/office/drawing/2014/main" id="{363DF02D-4E10-48D4-8F6D-338D2ACFE707}"/>
               </a:ext>
             </a:extLst>
           </p:cNvPr>
@@ -5343,8 +5635,8 @@
         </p:nvSpPr>
         <p:spPr>
           <a:xfrm>
-            <a:off x="2029967" y="1860574"/>
-            <a:ext cx="442109" cy="173736"/>
+            <a:off x="2673245" y="1801006"/>
+            <a:ext cx="1313540" cy="145442"/>
           </a:xfrm>
           <a:prstGeom prst="rect">
             <a:avLst/>
@@ -5408,147 +5700,17 @@
                 <a:ea typeface="+mn-ea"/>
                 <a:cs typeface="+mn-cs"/>
               </a:rPr>
-              <a:t>VL</a:t>
-            </a:r>
-          </a:p>
-        </p:txBody>
-      </p:sp>
-      <p:sp>
-        <p:nvSpPr>
-          <p:cNvPr id="43" name="TextBox 42">
-            <a:extLst>
-              <a:ext uri="{FF2B5EF4-FFF2-40B4-BE49-F238E27FC236}">
-                <a16:creationId xmlns:a16="http://schemas.microsoft.com/office/drawing/2014/main" id="{4D272DB6-8CF5-4A2E-B985-BD99C7408E04}"/>
-              </a:ext>
-            </a:extLst>
-          </p:cNvPr>
-          <p:cNvSpPr txBox="1"/>
-          <p:nvPr/>
-        </p:nvSpPr>
-        <p:spPr>
-          <a:xfrm>
-            <a:off x="1986493" y="1692305"/>
-            <a:ext cx="229550" cy="200055"/>
-          </a:xfrm>
-          <a:prstGeom prst="rect">
-            <a:avLst/>
-          </a:prstGeom>
-          <a:noFill/>
-        </p:spPr>
-        <p:txBody>
-          <a:bodyPr wrap="none" rtlCol="0">
-            <a:spAutoFit/>
-          </a:bodyPr>
-          <a:lstStyle/>
-          <a:p>
-            <a:pPr marL="0" marR="0" lvl="0" indent="0" algn="l" defTabSz="914400" rtl="0" eaLnBrk="1" fontAlgn="auto" latinLnBrk="0" hangingPunct="1">
-              <a:lnSpc>
-                <a:spcPct val="100000"/>
-              </a:lnSpc>
-              <a:spcBef>
-                <a:spcPts val="0"/>
-              </a:spcBef>
-              <a:spcAft>
-                <a:spcPts val="0"/>
-              </a:spcAft>
-              <a:buClrTx/>
-              <a:buSzTx/>
-              <a:buFontTx/>
-              <a:buNone/>
-              <a:tabLst/>
-              <a:defRPr/>
-            </a:pPr>
-            <a:r>
-              <a:rPr kumimoji="0" lang="en-CA" sz="700" b="0" i="0" u="none" strike="noStrike" kern="1200" cap="none" spc="0" normalizeH="0" baseline="0" noProof="0" dirty="0">
-                <a:ln>
-                  <a:noFill/>
-                </a:ln>
-                <a:solidFill>
-                  <a:prstClr val="black"/>
-                </a:solidFill>
-                <a:effectLst/>
-                <a:uLnTx/>
-                <a:uFillTx/>
-                <a:latin typeface="Calibri" panose="020F0502020204030204"/>
-                <a:ea typeface="+mn-ea"/>
-                <a:cs typeface="+mn-cs"/>
-              </a:rPr>
-              <a:t>7</a:t>
-            </a:r>
-          </a:p>
-        </p:txBody>
-      </p:sp>
-      <p:sp>
-        <p:nvSpPr>
-          <p:cNvPr id="44" name="TextBox 43">
-            <a:extLst>
-              <a:ext uri="{FF2B5EF4-FFF2-40B4-BE49-F238E27FC236}">
-                <a16:creationId xmlns:a16="http://schemas.microsoft.com/office/drawing/2014/main" id="{D720C8C6-3073-415B-A955-DC40A1B3B1EA}"/>
-              </a:ext>
-            </a:extLst>
-          </p:cNvPr>
-          <p:cNvSpPr txBox="1"/>
-          <p:nvPr/>
-        </p:nvSpPr>
-        <p:spPr>
-          <a:xfrm>
-            <a:off x="2365290" y="1680454"/>
-            <a:ext cx="229550" cy="200055"/>
-          </a:xfrm>
-          <a:prstGeom prst="rect">
-            <a:avLst/>
-          </a:prstGeom>
-          <a:noFill/>
-        </p:spPr>
-        <p:txBody>
-          <a:bodyPr wrap="none" rtlCol="0">
-            <a:spAutoFit/>
-          </a:bodyPr>
-          <a:lstStyle/>
-          <a:p>
-            <a:pPr marL="0" marR="0" lvl="0" indent="0" algn="l" defTabSz="914400" rtl="0" eaLnBrk="1" fontAlgn="auto" latinLnBrk="0" hangingPunct="1">
-              <a:lnSpc>
-                <a:spcPct val="100000"/>
-              </a:lnSpc>
-              <a:spcBef>
-                <a:spcPts val="0"/>
-              </a:spcBef>
-              <a:spcAft>
-                <a:spcPts val="0"/>
-              </a:spcAft>
-              <a:buClrTx/>
-              <a:buSzTx/>
-              <a:buFontTx/>
-              <a:buNone/>
-              <a:tabLst/>
-              <a:defRPr/>
-            </a:pPr>
-            <a:r>
-              <a:rPr kumimoji="0" lang="en-CA" sz="700" b="0" i="0" u="none" strike="noStrike" kern="1200" cap="none" spc="0" normalizeH="0" baseline="0" noProof="0" dirty="0">
-                <a:ln>
-                  <a:noFill/>
-                </a:ln>
-                <a:solidFill>
-                  <a:prstClr val="black"/>
-                </a:solidFill>
-                <a:effectLst/>
-                <a:uLnTx/>
-                <a:uFillTx/>
-                <a:latin typeface="Calibri" panose="020F0502020204030204"/>
-                <a:ea typeface="+mn-ea"/>
-                <a:cs typeface="+mn-cs"/>
-              </a:rPr>
-              <a:t>0</a:t>
-            </a:r>
-          </a:p>
-        </p:txBody>
-      </p:sp>
-      <p:sp>
-        <p:nvSpPr>
-          <p:cNvPr id="45" name="Rectangle 44">
-            <a:extLst>
-              <a:ext uri="{FF2B5EF4-FFF2-40B4-BE49-F238E27FC236}">
-                <a16:creationId xmlns:a16="http://schemas.microsoft.com/office/drawing/2014/main" id="{43D38D2E-DD55-46AE-BA09-6F0CA41CBB39}"/>
+              <a:t>TCBA</a:t>
+            </a:r>
+          </a:p>
+        </p:txBody>
+      </p:sp>
+      <p:sp>
+        <p:nvSpPr>
+          <p:cNvPr id="70" name="Rectangle 69">
+            <a:extLst>
+              <a:ext uri="{FF2B5EF4-FFF2-40B4-BE49-F238E27FC236}">
+                <a16:creationId xmlns:a16="http://schemas.microsoft.com/office/drawing/2014/main" id="{18B98B44-3F8C-4043-95F9-C39AAE56CE6F}"/>
               </a:ext>
             </a:extLst>
           </p:cNvPr>
@@ -5557,8 +5719,8 @@
         </p:nvSpPr>
         <p:spPr>
           <a:xfrm>
-            <a:off x="2027464" y="2221415"/>
-            <a:ext cx="442109" cy="173736"/>
+            <a:off x="2673245" y="1953181"/>
+            <a:ext cx="1313540" cy="145442"/>
           </a:xfrm>
           <a:prstGeom prst="rect">
             <a:avLst/>
@@ -5622,1104 +5784,6 @@
                 <a:ea typeface="+mn-ea"/>
                 <a:cs typeface="+mn-cs"/>
               </a:rPr>
-              <a:t>VS</a:t>
-            </a:r>
-          </a:p>
-        </p:txBody>
-      </p:sp>
-      <p:sp>
-        <p:nvSpPr>
-          <p:cNvPr id="46" name="Rectangle 45">
-            <a:extLst>
-              <a:ext uri="{FF2B5EF4-FFF2-40B4-BE49-F238E27FC236}">
-                <a16:creationId xmlns:a16="http://schemas.microsoft.com/office/drawing/2014/main" id="{059AB39E-5228-4CC8-8AD7-2E1E93F93B30}"/>
-              </a:ext>
-            </a:extLst>
-          </p:cNvPr>
-          <p:cNvSpPr/>
-          <p:nvPr/>
-        </p:nvSpPr>
-        <p:spPr>
-          <a:xfrm>
-            <a:off x="7321593" y="1392931"/>
-            <a:ext cx="2627080" cy="136384"/>
-          </a:xfrm>
-          <a:prstGeom prst="rect">
-            <a:avLst/>
-          </a:prstGeom>
-          <a:solidFill>
-            <a:schemeClr val="accent1">
-              <a:lumMod val="40000"/>
-              <a:lumOff val="60000"/>
-            </a:schemeClr>
-          </a:solidFill>
-        </p:spPr>
-        <p:style>
-          <a:lnRef idx="2">
-            <a:schemeClr val="accent1">
-              <a:shade val="50000"/>
-            </a:schemeClr>
-          </a:lnRef>
-          <a:fillRef idx="1">
-            <a:schemeClr val="accent1"/>
-          </a:fillRef>
-          <a:effectRef idx="0">
-            <a:schemeClr val="accent1"/>
-          </a:effectRef>
-          <a:fontRef idx="minor">
-            <a:schemeClr val="lt1"/>
-          </a:fontRef>
-        </p:style>
-        <p:txBody>
-          <a:bodyPr rtlCol="0" anchor="ctr"/>
-          <a:lstStyle/>
-          <a:p>
-            <a:pPr marL="0" marR="0" lvl="0" indent="0" algn="ctr" defTabSz="914400" rtl="0" eaLnBrk="1" fontAlgn="auto" latinLnBrk="0" hangingPunct="1">
-              <a:lnSpc>
-                <a:spcPct val="100000"/>
-              </a:lnSpc>
-              <a:spcBef>
-                <a:spcPts val="0"/>
-              </a:spcBef>
-              <a:spcAft>
-                <a:spcPts val="0"/>
-              </a:spcAft>
-              <a:buClrTx/>
-              <a:buSzTx/>
-              <a:buFontTx/>
-              <a:buNone/>
-              <a:tabLst/>
-              <a:defRPr/>
-            </a:pPr>
-            <a:r>
-              <a:rPr kumimoji="0" lang="en-CA" sz="800" b="0" i="0" u="none" strike="noStrike" kern="1200" cap="none" spc="0" normalizeH="0" baseline="0" noProof="0" dirty="0">
-                <a:ln>
-                  <a:noFill/>
-                </a:ln>
-                <a:solidFill>
-                  <a:prstClr val="black"/>
-                </a:solidFill>
-                <a:effectLst/>
-                <a:uLnTx/>
-                <a:uFillTx/>
-                <a:latin typeface="Calibri" panose="020F0502020204030204"/>
-                <a:ea typeface="+mn-ea"/>
-                <a:cs typeface="+mn-cs"/>
-              </a:rPr>
-              <a:t>M0</a:t>
-            </a:r>
-          </a:p>
-        </p:txBody>
-      </p:sp>
-      <p:sp>
-        <p:nvSpPr>
-          <p:cNvPr id="47" name="Rectangle 46">
-            <a:extLst>
-              <a:ext uri="{FF2B5EF4-FFF2-40B4-BE49-F238E27FC236}">
-                <a16:creationId xmlns:a16="http://schemas.microsoft.com/office/drawing/2014/main" id="{354ED109-73E8-4F08-A761-0ECDDCFFCEC7}"/>
-              </a:ext>
-            </a:extLst>
-          </p:cNvPr>
-          <p:cNvSpPr/>
-          <p:nvPr/>
-        </p:nvSpPr>
-        <p:spPr>
-          <a:xfrm>
-            <a:off x="7321593" y="1537924"/>
-            <a:ext cx="2627080" cy="136384"/>
-          </a:xfrm>
-          <a:prstGeom prst="rect">
-            <a:avLst/>
-          </a:prstGeom>
-          <a:solidFill>
-            <a:schemeClr val="accent1">
-              <a:lumMod val="40000"/>
-              <a:lumOff val="60000"/>
-            </a:schemeClr>
-          </a:solidFill>
-        </p:spPr>
-        <p:style>
-          <a:lnRef idx="2">
-            <a:schemeClr val="accent1">
-              <a:shade val="50000"/>
-            </a:schemeClr>
-          </a:lnRef>
-          <a:fillRef idx="1">
-            <a:schemeClr val="accent1"/>
-          </a:fillRef>
-          <a:effectRef idx="0">
-            <a:schemeClr val="accent1"/>
-          </a:effectRef>
-          <a:fontRef idx="minor">
-            <a:schemeClr val="lt1"/>
-          </a:fontRef>
-        </p:style>
-        <p:txBody>
-          <a:bodyPr rtlCol="0" anchor="ctr"/>
-          <a:lstStyle/>
-          <a:p>
-            <a:pPr marL="0" marR="0" lvl="0" indent="0" algn="ctr" defTabSz="914400" rtl="0" eaLnBrk="1" fontAlgn="auto" latinLnBrk="0" hangingPunct="1">
-              <a:lnSpc>
-                <a:spcPct val="100000"/>
-              </a:lnSpc>
-              <a:spcBef>
-                <a:spcPts val="0"/>
-              </a:spcBef>
-              <a:spcAft>
-                <a:spcPts val="0"/>
-              </a:spcAft>
-              <a:buClrTx/>
-              <a:buSzTx/>
-              <a:buFontTx/>
-              <a:buNone/>
-              <a:tabLst/>
-              <a:defRPr/>
-            </a:pPr>
-            <a:r>
-              <a:rPr kumimoji="0" lang="en-CA" sz="800" b="0" i="0" u="none" strike="noStrike" kern="1200" cap="none" spc="0" normalizeH="0" baseline="0" noProof="0" dirty="0">
-                <a:ln>
-                  <a:noFill/>
-                </a:ln>
-                <a:solidFill>
-                  <a:prstClr val="black"/>
-                </a:solidFill>
-                <a:effectLst/>
-                <a:uLnTx/>
-                <a:uFillTx/>
-                <a:latin typeface="Calibri" panose="020F0502020204030204"/>
-                <a:ea typeface="+mn-ea"/>
-                <a:cs typeface="+mn-cs"/>
-              </a:rPr>
-              <a:t>M1</a:t>
-            </a:r>
-          </a:p>
-        </p:txBody>
-      </p:sp>
-      <p:sp>
-        <p:nvSpPr>
-          <p:cNvPr id="48" name="Rectangle 47">
-            <a:extLst>
-              <a:ext uri="{FF2B5EF4-FFF2-40B4-BE49-F238E27FC236}">
-                <a16:creationId xmlns:a16="http://schemas.microsoft.com/office/drawing/2014/main" id="{89445957-D156-4107-B316-686D00E7B323}"/>
-              </a:ext>
-            </a:extLst>
-          </p:cNvPr>
-          <p:cNvSpPr/>
-          <p:nvPr/>
-        </p:nvSpPr>
-        <p:spPr>
-          <a:xfrm>
-            <a:off x="7321593" y="1685439"/>
-            <a:ext cx="2627080" cy="136384"/>
-          </a:xfrm>
-          <a:prstGeom prst="rect">
-            <a:avLst/>
-          </a:prstGeom>
-          <a:solidFill>
-            <a:schemeClr val="accent1">
-              <a:lumMod val="40000"/>
-              <a:lumOff val="60000"/>
-            </a:schemeClr>
-          </a:solidFill>
-        </p:spPr>
-        <p:style>
-          <a:lnRef idx="2">
-            <a:schemeClr val="accent1">
-              <a:shade val="50000"/>
-            </a:schemeClr>
-          </a:lnRef>
-          <a:fillRef idx="1">
-            <a:schemeClr val="accent1"/>
-          </a:fillRef>
-          <a:effectRef idx="0">
-            <a:schemeClr val="accent1"/>
-          </a:effectRef>
-          <a:fontRef idx="minor">
-            <a:schemeClr val="lt1"/>
-          </a:fontRef>
-        </p:style>
-        <p:txBody>
-          <a:bodyPr rtlCol="0" anchor="ctr"/>
-          <a:lstStyle/>
-          <a:p>
-            <a:pPr marL="0" marR="0" lvl="0" indent="0" algn="ctr" defTabSz="914400" rtl="0" eaLnBrk="1" fontAlgn="auto" latinLnBrk="0" hangingPunct="1">
-              <a:lnSpc>
-                <a:spcPct val="100000"/>
-              </a:lnSpc>
-              <a:spcBef>
-                <a:spcPts val="0"/>
-              </a:spcBef>
-              <a:spcAft>
-                <a:spcPts val="0"/>
-              </a:spcAft>
-              <a:buClrTx/>
-              <a:buSzTx/>
-              <a:buFontTx/>
-              <a:buNone/>
-              <a:tabLst/>
-              <a:defRPr/>
-            </a:pPr>
-            <a:r>
-              <a:rPr kumimoji="0" lang="en-CA" sz="800" b="0" i="0" u="none" strike="noStrike" kern="1200" cap="none" spc="0" normalizeH="0" baseline="0" noProof="0" dirty="0">
-                <a:ln>
-                  <a:noFill/>
-                </a:ln>
-                <a:solidFill>
-                  <a:prstClr val="black"/>
-                </a:solidFill>
-                <a:effectLst/>
-                <a:uLnTx/>
-                <a:uFillTx/>
-                <a:latin typeface="Calibri" panose="020F0502020204030204"/>
-                <a:ea typeface="+mn-ea"/>
-                <a:cs typeface="+mn-cs"/>
-              </a:rPr>
-              <a:t>M2</a:t>
-            </a:r>
-          </a:p>
-        </p:txBody>
-      </p:sp>
-      <p:sp>
-        <p:nvSpPr>
-          <p:cNvPr id="49" name="Rectangle 48">
-            <a:extLst>
-              <a:ext uri="{FF2B5EF4-FFF2-40B4-BE49-F238E27FC236}">
-                <a16:creationId xmlns:a16="http://schemas.microsoft.com/office/drawing/2014/main" id="{8A1B716B-0E60-4503-801F-DB62357C544E}"/>
-              </a:ext>
-            </a:extLst>
-          </p:cNvPr>
-          <p:cNvSpPr/>
-          <p:nvPr/>
-        </p:nvSpPr>
-        <p:spPr>
-          <a:xfrm>
-            <a:off x="7321593" y="1821823"/>
-            <a:ext cx="2627080" cy="136384"/>
-          </a:xfrm>
-          <a:prstGeom prst="rect">
-            <a:avLst/>
-          </a:prstGeom>
-          <a:solidFill>
-            <a:schemeClr val="accent1">
-              <a:lumMod val="40000"/>
-              <a:lumOff val="60000"/>
-            </a:schemeClr>
-          </a:solidFill>
-        </p:spPr>
-        <p:style>
-          <a:lnRef idx="2">
-            <a:schemeClr val="accent1">
-              <a:shade val="50000"/>
-            </a:schemeClr>
-          </a:lnRef>
-          <a:fillRef idx="1">
-            <a:schemeClr val="accent1"/>
-          </a:fillRef>
-          <a:effectRef idx="0">
-            <a:schemeClr val="accent1"/>
-          </a:effectRef>
-          <a:fontRef idx="minor">
-            <a:schemeClr val="lt1"/>
-          </a:fontRef>
-        </p:style>
-        <p:txBody>
-          <a:bodyPr rtlCol="0" anchor="ctr"/>
-          <a:lstStyle/>
-          <a:p>
-            <a:pPr marL="0" marR="0" lvl="0" indent="0" algn="ctr" defTabSz="914400" rtl="0" eaLnBrk="1" fontAlgn="auto" latinLnBrk="0" hangingPunct="1">
-              <a:lnSpc>
-                <a:spcPct val="100000"/>
-              </a:lnSpc>
-              <a:spcBef>
-                <a:spcPts val="0"/>
-              </a:spcBef>
-              <a:spcAft>
-                <a:spcPts val="0"/>
-              </a:spcAft>
-              <a:buClrTx/>
-              <a:buSzTx/>
-              <a:buFontTx/>
-              <a:buNone/>
-              <a:tabLst/>
-              <a:defRPr/>
-            </a:pPr>
-            <a:r>
-              <a:rPr kumimoji="0" lang="en-CA" sz="800" b="0" i="0" u="none" strike="noStrike" kern="1200" cap="none" spc="0" normalizeH="0" baseline="0" noProof="0" dirty="0">
-                <a:ln>
-                  <a:noFill/>
-                </a:ln>
-                <a:solidFill>
-                  <a:prstClr val="black"/>
-                </a:solidFill>
-                <a:effectLst/>
-                <a:uLnTx/>
-                <a:uFillTx/>
-                <a:latin typeface="Calibri" panose="020F0502020204030204"/>
-                <a:ea typeface="+mn-ea"/>
-                <a:cs typeface="+mn-cs"/>
-              </a:rPr>
-              <a:t>M3</a:t>
-            </a:r>
-          </a:p>
-        </p:txBody>
-      </p:sp>
-      <p:sp>
-        <p:nvSpPr>
-          <p:cNvPr id="50" name="Rectangle 49">
-            <a:extLst>
-              <a:ext uri="{FF2B5EF4-FFF2-40B4-BE49-F238E27FC236}">
-                <a16:creationId xmlns:a16="http://schemas.microsoft.com/office/drawing/2014/main" id="{4F718CBD-1693-4A4E-9BE6-D10240DBDBBC}"/>
-              </a:ext>
-            </a:extLst>
-          </p:cNvPr>
-          <p:cNvSpPr/>
-          <p:nvPr/>
-        </p:nvSpPr>
-        <p:spPr>
-          <a:xfrm>
-            <a:off x="7321593" y="1970943"/>
-            <a:ext cx="2627080" cy="136384"/>
-          </a:xfrm>
-          <a:prstGeom prst="rect">
-            <a:avLst/>
-          </a:prstGeom>
-          <a:solidFill>
-            <a:schemeClr val="accent1">
-              <a:lumMod val="40000"/>
-              <a:lumOff val="60000"/>
-            </a:schemeClr>
-          </a:solidFill>
-        </p:spPr>
-        <p:style>
-          <a:lnRef idx="2">
-            <a:schemeClr val="accent1">
-              <a:shade val="50000"/>
-            </a:schemeClr>
-          </a:lnRef>
-          <a:fillRef idx="1">
-            <a:schemeClr val="accent1"/>
-          </a:fillRef>
-          <a:effectRef idx="0">
-            <a:schemeClr val="accent1"/>
-          </a:effectRef>
-          <a:fontRef idx="minor">
-            <a:schemeClr val="lt1"/>
-          </a:fontRef>
-        </p:style>
-        <p:txBody>
-          <a:bodyPr rtlCol="0" anchor="ctr"/>
-          <a:lstStyle/>
-          <a:p>
-            <a:pPr marL="0" marR="0" lvl="0" indent="0" algn="ctr" defTabSz="914400" rtl="0" eaLnBrk="1" fontAlgn="auto" latinLnBrk="0" hangingPunct="1">
-              <a:lnSpc>
-                <a:spcPct val="100000"/>
-              </a:lnSpc>
-              <a:spcBef>
-                <a:spcPts val="0"/>
-              </a:spcBef>
-              <a:spcAft>
-                <a:spcPts val="0"/>
-              </a:spcAft>
-              <a:buClrTx/>
-              <a:buSzTx/>
-              <a:buFontTx/>
-              <a:buNone/>
-              <a:tabLst/>
-              <a:defRPr/>
-            </a:pPr>
-            <a:r>
-              <a:rPr kumimoji="0" lang="en-CA" sz="800" b="0" i="0" u="none" strike="noStrike" kern="1200" cap="none" spc="0" normalizeH="0" baseline="0" noProof="0" dirty="0">
-                <a:ln>
-                  <a:noFill/>
-                </a:ln>
-                <a:solidFill>
-                  <a:prstClr val="black"/>
-                </a:solidFill>
-                <a:effectLst/>
-                <a:uLnTx/>
-                <a:uFillTx/>
-                <a:latin typeface="Calibri" panose="020F0502020204030204"/>
-                <a:ea typeface="+mn-ea"/>
-                <a:cs typeface="+mn-cs"/>
-              </a:rPr>
-              <a:t>M4</a:t>
-            </a:r>
-          </a:p>
-        </p:txBody>
-      </p:sp>
-      <p:sp>
-        <p:nvSpPr>
-          <p:cNvPr id="51" name="Rectangle 50">
-            <a:extLst>
-              <a:ext uri="{FF2B5EF4-FFF2-40B4-BE49-F238E27FC236}">
-                <a16:creationId xmlns:a16="http://schemas.microsoft.com/office/drawing/2014/main" id="{162D6B75-A5E6-4D63-814E-561E1AB0E497}"/>
-              </a:ext>
-            </a:extLst>
-          </p:cNvPr>
-          <p:cNvSpPr/>
-          <p:nvPr/>
-        </p:nvSpPr>
-        <p:spPr>
-          <a:xfrm>
-            <a:off x="7321593" y="2122585"/>
-            <a:ext cx="2627080" cy="136384"/>
-          </a:xfrm>
-          <a:prstGeom prst="rect">
-            <a:avLst/>
-          </a:prstGeom>
-          <a:solidFill>
-            <a:schemeClr val="accent1">
-              <a:lumMod val="40000"/>
-              <a:lumOff val="60000"/>
-            </a:schemeClr>
-          </a:solidFill>
-        </p:spPr>
-        <p:style>
-          <a:lnRef idx="2">
-            <a:schemeClr val="accent1">
-              <a:shade val="50000"/>
-            </a:schemeClr>
-          </a:lnRef>
-          <a:fillRef idx="1">
-            <a:schemeClr val="accent1"/>
-          </a:fillRef>
-          <a:effectRef idx="0">
-            <a:schemeClr val="accent1"/>
-          </a:effectRef>
-          <a:fontRef idx="minor">
-            <a:schemeClr val="lt1"/>
-          </a:fontRef>
-        </p:style>
-        <p:txBody>
-          <a:bodyPr rtlCol="0" anchor="ctr"/>
-          <a:lstStyle/>
-          <a:p>
-            <a:pPr marL="0" marR="0" lvl="0" indent="0" algn="ctr" defTabSz="914400" rtl="0" eaLnBrk="1" fontAlgn="auto" latinLnBrk="0" hangingPunct="1">
-              <a:lnSpc>
-                <a:spcPct val="100000"/>
-              </a:lnSpc>
-              <a:spcBef>
-                <a:spcPts val="0"/>
-              </a:spcBef>
-              <a:spcAft>
-                <a:spcPts val="0"/>
-              </a:spcAft>
-              <a:buClrTx/>
-              <a:buSzTx/>
-              <a:buFontTx/>
-              <a:buNone/>
-              <a:tabLst/>
-              <a:defRPr/>
-            </a:pPr>
-            <a:r>
-              <a:rPr kumimoji="0" lang="en-CA" sz="800" b="0" i="0" u="none" strike="noStrike" kern="1200" cap="none" spc="0" normalizeH="0" baseline="0" noProof="0" dirty="0">
-                <a:ln>
-                  <a:noFill/>
-                </a:ln>
-                <a:solidFill>
-                  <a:prstClr val="black"/>
-                </a:solidFill>
-                <a:effectLst/>
-                <a:uLnTx/>
-                <a:uFillTx/>
-                <a:latin typeface="Calibri" panose="020F0502020204030204"/>
-                <a:ea typeface="+mn-ea"/>
-                <a:cs typeface="+mn-cs"/>
-              </a:rPr>
-              <a:t>M5</a:t>
-            </a:r>
-          </a:p>
-        </p:txBody>
-      </p:sp>
-      <p:sp>
-        <p:nvSpPr>
-          <p:cNvPr id="52" name="Rectangle 51">
-            <a:extLst>
-              <a:ext uri="{FF2B5EF4-FFF2-40B4-BE49-F238E27FC236}">
-                <a16:creationId xmlns:a16="http://schemas.microsoft.com/office/drawing/2014/main" id="{2135B147-B656-4AF8-9F5D-8CD2232BBB47}"/>
-              </a:ext>
-            </a:extLst>
-          </p:cNvPr>
-          <p:cNvSpPr/>
-          <p:nvPr/>
-        </p:nvSpPr>
-        <p:spPr>
-          <a:xfrm>
-            <a:off x="7321593" y="2262561"/>
-            <a:ext cx="2627080" cy="136384"/>
-          </a:xfrm>
-          <a:prstGeom prst="rect">
-            <a:avLst/>
-          </a:prstGeom>
-          <a:solidFill>
-            <a:schemeClr val="accent1">
-              <a:lumMod val="40000"/>
-              <a:lumOff val="60000"/>
-            </a:schemeClr>
-          </a:solidFill>
-        </p:spPr>
-        <p:style>
-          <a:lnRef idx="2">
-            <a:schemeClr val="accent1">
-              <a:shade val="50000"/>
-            </a:schemeClr>
-          </a:lnRef>
-          <a:fillRef idx="1">
-            <a:schemeClr val="accent1"/>
-          </a:fillRef>
-          <a:effectRef idx="0">
-            <a:schemeClr val="accent1"/>
-          </a:effectRef>
-          <a:fontRef idx="minor">
-            <a:schemeClr val="lt1"/>
-          </a:fontRef>
-        </p:style>
-        <p:txBody>
-          <a:bodyPr rtlCol="0" anchor="ctr"/>
-          <a:lstStyle/>
-          <a:p>
-            <a:pPr marL="0" marR="0" lvl="0" indent="0" algn="ctr" defTabSz="914400" rtl="0" eaLnBrk="1" fontAlgn="auto" latinLnBrk="0" hangingPunct="1">
-              <a:lnSpc>
-                <a:spcPct val="100000"/>
-              </a:lnSpc>
-              <a:spcBef>
-                <a:spcPts val="0"/>
-              </a:spcBef>
-              <a:spcAft>
-                <a:spcPts val="0"/>
-              </a:spcAft>
-              <a:buClrTx/>
-              <a:buSzTx/>
-              <a:buFontTx/>
-              <a:buNone/>
-              <a:tabLst/>
-              <a:defRPr/>
-            </a:pPr>
-            <a:r>
-              <a:rPr kumimoji="0" lang="en-CA" sz="800" b="0" i="0" u="none" strike="noStrike" kern="1200" cap="none" spc="0" normalizeH="0" baseline="0" noProof="0" dirty="0">
-                <a:ln>
-                  <a:noFill/>
-                </a:ln>
-                <a:solidFill>
-                  <a:prstClr val="black"/>
-                </a:solidFill>
-                <a:effectLst/>
-                <a:uLnTx/>
-                <a:uFillTx/>
-                <a:latin typeface="Calibri" panose="020F0502020204030204"/>
-                <a:ea typeface="+mn-ea"/>
-                <a:cs typeface="+mn-cs"/>
-              </a:rPr>
-              <a:t>M6</a:t>
-            </a:r>
-          </a:p>
-        </p:txBody>
-      </p:sp>
-      <p:sp>
-        <p:nvSpPr>
-          <p:cNvPr id="53" name="Rectangle 52">
-            <a:extLst>
-              <a:ext uri="{FF2B5EF4-FFF2-40B4-BE49-F238E27FC236}">
-                <a16:creationId xmlns:a16="http://schemas.microsoft.com/office/drawing/2014/main" id="{737FF1E7-46C5-436B-85EB-F4A22755E5CE}"/>
-              </a:ext>
-            </a:extLst>
-          </p:cNvPr>
-          <p:cNvSpPr/>
-          <p:nvPr/>
-        </p:nvSpPr>
-        <p:spPr>
-          <a:xfrm>
-            <a:off x="7321593" y="2400397"/>
-            <a:ext cx="2627080" cy="136384"/>
-          </a:xfrm>
-          <a:prstGeom prst="rect">
-            <a:avLst/>
-          </a:prstGeom>
-          <a:solidFill>
-            <a:schemeClr val="accent1">
-              <a:lumMod val="40000"/>
-              <a:lumOff val="60000"/>
-            </a:schemeClr>
-          </a:solidFill>
-        </p:spPr>
-        <p:style>
-          <a:lnRef idx="2">
-            <a:schemeClr val="accent1">
-              <a:shade val="50000"/>
-            </a:schemeClr>
-          </a:lnRef>
-          <a:fillRef idx="1">
-            <a:schemeClr val="accent1"/>
-          </a:fillRef>
-          <a:effectRef idx="0">
-            <a:schemeClr val="accent1"/>
-          </a:effectRef>
-          <a:fontRef idx="minor">
-            <a:schemeClr val="lt1"/>
-          </a:fontRef>
-        </p:style>
-        <p:txBody>
-          <a:bodyPr rtlCol="0" anchor="ctr"/>
-          <a:lstStyle/>
-          <a:p>
-            <a:pPr marL="0" marR="0" lvl="0" indent="0" algn="ctr" defTabSz="914400" rtl="0" eaLnBrk="1" fontAlgn="auto" latinLnBrk="0" hangingPunct="1">
-              <a:lnSpc>
-                <a:spcPct val="100000"/>
-              </a:lnSpc>
-              <a:spcBef>
-                <a:spcPts val="0"/>
-              </a:spcBef>
-              <a:spcAft>
-                <a:spcPts val="0"/>
-              </a:spcAft>
-              <a:buClrTx/>
-              <a:buSzTx/>
-              <a:buFontTx/>
-              <a:buNone/>
-              <a:tabLst/>
-              <a:defRPr/>
-            </a:pPr>
-            <a:r>
-              <a:rPr kumimoji="0" lang="en-CA" sz="800" b="0" i="0" u="none" strike="noStrike" kern="1200" cap="none" spc="0" normalizeH="0" baseline="0" noProof="0" dirty="0">
-                <a:ln>
-                  <a:noFill/>
-                </a:ln>
-                <a:solidFill>
-                  <a:prstClr val="black"/>
-                </a:solidFill>
-                <a:effectLst/>
-                <a:uLnTx/>
-                <a:uFillTx/>
-                <a:latin typeface="Calibri" panose="020F0502020204030204"/>
-                <a:ea typeface="+mn-ea"/>
-                <a:cs typeface="+mn-cs"/>
-              </a:rPr>
-              <a:t>M7</a:t>
-            </a:r>
-          </a:p>
-        </p:txBody>
-      </p:sp>
-      <p:sp>
-        <p:nvSpPr>
-          <p:cNvPr id="54" name="TextBox 53">
-            <a:extLst>
-              <a:ext uri="{FF2B5EF4-FFF2-40B4-BE49-F238E27FC236}">
-                <a16:creationId xmlns:a16="http://schemas.microsoft.com/office/drawing/2014/main" id="{8059BE3F-A958-469A-B8CB-756964D86F9E}"/>
-              </a:ext>
-            </a:extLst>
-          </p:cNvPr>
-          <p:cNvSpPr txBox="1"/>
-          <p:nvPr/>
-        </p:nvSpPr>
-        <p:spPr>
-          <a:xfrm>
-            <a:off x="8216588" y="1201629"/>
-            <a:ext cx="837089" cy="246221"/>
-          </a:xfrm>
-          <a:prstGeom prst="rect">
-            <a:avLst/>
-          </a:prstGeom>
-          <a:noFill/>
-        </p:spPr>
-        <p:txBody>
-          <a:bodyPr wrap="none" rtlCol="0">
-            <a:spAutoFit/>
-          </a:bodyPr>
-          <a:lstStyle/>
-          <a:p>
-            <a:pPr marL="0" marR="0" lvl="0" indent="0" algn="l" defTabSz="914400" rtl="0" eaLnBrk="1" fontAlgn="auto" latinLnBrk="0" hangingPunct="1">
-              <a:lnSpc>
-                <a:spcPct val="100000"/>
-              </a:lnSpc>
-              <a:spcBef>
-                <a:spcPts val="0"/>
-              </a:spcBef>
-              <a:spcAft>
-                <a:spcPts val="0"/>
-              </a:spcAft>
-              <a:buClrTx/>
-              <a:buSzTx/>
-              <a:buFontTx/>
-              <a:buNone/>
-              <a:tabLst/>
-              <a:defRPr/>
-            </a:pPr>
-            <a:r>
-              <a:rPr kumimoji="0" lang="en-CA" sz="1000" b="0" i="0" u="none" strike="noStrike" kern="1200" cap="none" spc="0" normalizeH="0" baseline="0" noProof="0" dirty="0">
-                <a:ln>
-                  <a:noFill/>
-                </a:ln>
-                <a:solidFill>
-                  <a:prstClr val="black"/>
-                </a:solidFill>
-                <a:effectLst/>
-                <a:uLnTx/>
-                <a:uFillTx/>
-                <a:latin typeface="Calibri" panose="020F0502020204030204"/>
-                <a:ea typeface="+mn-ea"/>
-                <a:cs typeface="+mn-cs"/>
-              </a:rPr>
-              <a:t>Vector Mask</a:t>
-            </a:r>
-          </a:p>
-        </p:txBody>
-      </p:sp>
-      <p:sp>
-        <p:nvSpPr>
-          <p:cNvPr id="57" name="Rectangle 56">
-            <a:extLst>
-              <a:ext uri="{FF2B5EF4-FFF2-40B4-BE49-F238E27FC236}">
-                <a16:creationId xmlns:a16="http://schemas.microsoft.com/office/drawing/2014/main" id="{710F9F72-192F-4045-8519-768C78E568B8}"/>
-              </a:ext>
-            </a:extLst>
-          </p:cNvPr>
-          <p:cNvSpPr/>
-          <p:nvPr/>
-        </p:nvSpPr>
-        <p:spPr>
-          <a:xfrm>
-            <a:off x="7214913" y="4270168"/>
-            <a:ext cx="2627080" cy="1333263"/>
-          </a:xfrm>
-          <a:prstGeom prst="rect">
-            <a:avLst/>
-          </a:prstGeom>
-          <a:solidFill>
-            <a:schemeClr val="accent1">
-              <a:lumMod val="40000"/>
-              <a:lumOff val="60000"/>
-            </a:schemeClr>
-          </a:solidFill>
-        </p:spPr>
-        <p:style>
-          <a:lnRef idx="2">
-            <a:schemeClr val="accent1">
-              <a:shade val="50000"/>
-            </a:schemeClr>
-          </a:lnRef>
-          <a:fillRef idx="1">
-            <a:schemeClr val="accent1"/>
-          </a:fillRef>
-          <a:effectRef idx="0">
-            <a:schemeClr val="accent1"/>
-          </a:effectRef>
-          <a:fontRef idx="minor">
-            <a:schemeClr val="lt1"/>
-          </a:fontRef>
-        </p:style>
-        <p:txBody>
-          <a:bodyPr rtlCol="0" anchor="t"/>
-          <a:lstStyle/>
-          <a:p>
-            <a:pPr marL="0" marR="0" lvl="0" indent="0" algn="ctr" defTabSz="914400" rtl="0" eaLnBrk="1" fontAlgn="auto" latinLnBrk="0" hangingPunct="1">
-              <a:lnSpc>
-                <a:spcPct val="100000"/>
-              </a:lnSpc>
-              <a:spcBef>
-                <a:spcPts val="0"/>
-              </a:spcBef>
-              <a:spcAft>
-                <a:spcPts val="0"/>
-              </a:spcAft>
-              <a:buClrTx/>
-              <a:buSzTx/>
-              <a:buFontTx/>
-              <a:buNone/>
-              <a:tabLst/>
-              <a:defRPr/>
-            </a:pPr>
-            <a:r>
-              <a:rPr kumimoji="0" lang="en-CA" sz="800" b="0" i="0" u="none" strike="noStrike" kern="1200" cap="none" spc="0" normalizeH="0" baseline="0" noProof="0" dirty="0">
-                <a:ln>
-                  <a:noFill/>
-                </a:ln>
-                <a:solidFill>
-                  <a:prstClr val="black"/>
-                </a:solidFill>
-                <a:effectLst/>
-                <a:uLnTx/>
-                <a:uFillTx/>
-                <a:latin typeface="Calibri" panose="020F0502020204030204"/>
-                <a:ea typeface="+mn-ea"/>
-                <a:cs typeface="+mn-cs"/>
-              </a:rPr>
-              <a:t>V0 64 elements</a:t>
-            </a:r>
-          </a:p>
-        </p:txBody>
-      </p:sp>
-      <p:cxnSp>
-        <p:nvCxnSpPr>
-          <p:cNvPr id="63" name="Straight Connector 62">
-            <a:extLst>
-              <a:ext uri="{FF2B5EF4-FFF2-40B4-BE49-F238E27FC236}">
-                <a16:creationId xmlns:a16="http://schemas.microsoft.com/office/drawing/2014/main" id="{180169E3-5A05-44FC-AC27-84E6573B02CF}"/>
-              </a:ext>
-            </a:extLst>
-          </p:cNvPr>
-          <p:cNvCxnSpPr>
-            <a:cxnSpLocks/>
-          </p:cNvCxnSpPr>
-          <p:nvPr/>
-        </p:nvCxnSpPr>
-        <p:spPr>
-          <a:xfrm flipV="1">
-            <a:off x="8861130" y="3262102"/>
-            <a:ext cx="368363" cy="552688"/>
-          </a:xfrm>
-          <a:prstGeom prst="line">
-            <a:avLst/>
-          </a:prstGeom>
-          <a:ln>
-            <a:solidFill>
-              <a:schemeClr val="tx1"/>
-            </a:solidFill>
-            <a:prstDash val="dash"/>
-          </a:ln>
-        </p:spPr>
-        <p:style>
-          <a:lnRef idx="1">
-            <a:schemeClr val="accent1"/>
-          </a:lnRef>
-          <a:fillRef idx="0">
-            <a:schemeClr val="accent1"/>
-          </a:fillRef>
-          <a:effectRef idx="0">
-            <a:schemeClr val="accent1"/>
-          </a:effectRef>
-          <a:fontRef idx="minor">
-            <a:schemeClr val="tx1"/>
-          </a:fontRef>
-        </p:style>
-      </p:cxnSp>
-      <p:sp>
-        <p:nvSpPr>
-          <p:cNvPr id="68" name="TextBox 67">
-            <a:extLst>
-              <a:ext uri="{FF2B5EF4-FFF2-40B4-BE49-F238E27FC236}">
-                <a16:creationId xmlns:a16="http://schemas.microsoft.com/office/drawing/2014/main" id="{3541EB03-4703-4AD7-A8F8-403451902F20}"/>
-              </a:ext>
-            </a:extLst>
-          </p:cNvPr>
-          <p:cNvSpPr txBox="1"/>
-          <p:nvPr/>
-        </p:nvSpPr>
-        <p:spPr>
-          <a:xfrm>
-            <a:off x="9130707" y="2804372"/>
-            <a:ext cx="530915" cy="246221"/>
-          </a:xfrm>
-          <a:prstGeom prst="rect">
-            <a:avLst/>
-          </a:prstGeom>
-          <a:noFill/>
-        </p:spPr>
-        <p:txBody>
-          <a:bodyPr wrap="none" rtlCol="0">
-            <a:spAutoFit/>
-          </a:bodyPr>
-          <a:lstStyle/>
-          <a:p>
-            <a:pPr marL="0" marR="0" lvl="0" indent="0" algn="l" defTabSz="914400" rtl="0" eaLnBrk="1" fontAlgn="auto" latinLnBrk="0" hangingPunct="1">
-              <a:lnSpc>
-                <a:spcPct val="100000"/>
-              </a:lnSpc>
-              <a:spcBef>
-                <a:spcPts val="0"/>
-              </a:spcBef>
-              <a:spcAft>
-                <a:spcPts val="0"/>
-              </a:spcAft>
-              <a:buClrTx/>
-              <a:buSzTx/>
-              <a:buFontTx/>
-              <a:buNone/>
-              <a:tabLst/>
-              <a:defRPr/>
-            </a:pPr>
-            <a:r>
-              <a:rPr kumimoji="0" lang="en-CA" sz="1000" b="0" i="0" u="none" strike="noStrike" kern="1200" cap="none" spc="0" normalizeH="0" baseline="0" noProof="0" dirty="0">
-                <a:ln>
-                  <a:noFill/>
-                </a:ln>
-                <a:solidFill>
-                  <a:prstClr val="black"/>
-                </a:solidFill>
-                <a:effectLst/>
-                <a:uLnTx/>
-                <a:uFillTx/>
-                <a:latin typeface="Calibri" panose="020F0502020204030204"/>
-                <a:ea typeface="+mn-ea"/>
-                <a:cs typeface="+mn-cs"/>
-              </a:rPr>
-              <a:t>Vector</a:t>
-            </a:r>
-          </a:p>
-        </p:txBody>
-      </p:sp>
-      <p:sp>
-        <p:nvSpPr>
-          <p:cNvPr id="69" name="Rectangle 68">
-            <a:extLst>
-              <a:ext uri="{FF2B5EF4-FFF2-40B4-BE49-F238E27FC236}">
-                <a16:creationId xmlns:a16="http://schemas.microsoft.com/office/drawing/2014/main" id="{363DF02D-4E10-48D4-8F6D-338D2ACFE707}"/>
-              </a:ext>
-            </a:extLst>
-          </p:cNvPr>
-          <p:cNvSpPr/>
-          <p:nvPr/>
-        </p:nvSpPr>
-        <p:spPr>
-          <a:xfrm>
-            <a:off x="2673245" y="1801006"/>
-            <a:ext cx="1313540" cy="145442"/>
-          </a:xfrm>
-          <a:prstGeom prst="rect">
-            <a:avLst/>
-          </a:prstGeom>
-          <a:solidFill>
-            <a:schemeClr val="accent2">
-              <a:lumMod val="40000"/>
-              <a:lumOff val="60000"/>
-            </a:schemeClr>
-          </a:solidFill>
-        </p:spPr>
-        <p:style>
-          <a:lnRef idx="2">
-            <a:schemeClr val="accent1">
-              <a:shade val="50000"/>
-            </a:schemeClr>
-          </a:lnRef>
-          <a:fillRef idx="1">
-            <a:schemeClr val="accent1"/>
-          </a:fillRef>
-          <a:effectRef idx="0">
-            <a:schemeClr val="accent1"/>
-          </a:effectRef>
-          <a:fontRef idx="minor">
-            <a:schemeClr val="lt1"/>
-          </a:fontRef>
-        </p:style>
-        <p:txBody>
-          <a:bodyPr rtlCol="0" anchor="ctr"/>
-          <a:lstStyle/>
-          <a:p>
-            <a:pPr marL="0" marR="0" lvl="0" indent="0" algn="ctr" defTabSz="914400" rtl="0" eaLnBrk="1" fontAlgn="auto" latinLnBrk="0" hangingPunct="1">
-              <a:lnSpc>
-                <a:spcPct val="100000"/>
-              </a:lnSpc>
-              <a:spcBef>
-                <a:spcPts val="0"/>
-              </a:spcBef>
-              <a:spcAft>
-                <a:spcPts val="0"/>
-              </a:spcAft>
-              <a:buClrTx/>
-              <a:buSzTx/>
-              <a:buFontTx/>
-              <a:buNone/>
-              <a:tabLst/>
-              <a:defRPr/>
-            </a:pPr>
-            <a:r>
-              <a:rPr kumimoji="0" lang="en-CA" sz="800" b="0" i="0" u="none" strike="noStrike" kern="1200" cap="none" spc="0" normalizeH="0" baseline="0" noProof="0" dirty="0">
-                <a:ln>
-                  <a:noFill/>
-                </a:ln>
-                <a:solidFill>
-                  <a:prstClr val="black"/>
-                </a:solidFill>
-                <a:effectLst/>
-                <a:uLnTx/>
-                <a:uFillTx/>
-                <a:latin typeface="Calibri" panose="020F0502020204030204"/>
-                <a:ea typeface="+mn-ea"/>
-                <a:cs typeface="+mn-cs"/>
-              </a:rPr>
-              <a:t>TCBA</a:t>
-            </a:r>
-          </a:p>
-        </p:txBody>
-      </p:sp>
-      <p:sp>
-        <p:nvSpPr>
-          <p:cNvPr id="70" name="Rectangle 69">
-            <a:extLst>
-              <a:ext uri="{FF2B5EF4-FFF2-40B4-BE49-F238E27FC236}">
-                <a16:creationId xmlns:a16="http://schemas.microsoft.com/office/drawing/2014/main" id="{18B98B44-3F8C-4043-95F9-C39AAE56CE6F}"/>
-              </a:ext>
-            </a:extLst>
-          </p:cNvPr>
-          <p:cNvSpPr/>
-          <p:nvPr/>
-        </p:nvSpPr>
-        <p:spPr>
-          <a:xfrm>
-            <a:off x="2673245" y="1953181"/>
-            <a:ext cx="1313540" cy="145442"/>
-          </a:xfrm>
-          <a:prstGeom prst="rect">
-            <a:avLst/>
-          </a:prstGeom>
-          <a:solidFill>
-            <a:schemeClr val="accent2">
-              <a:lumMod val="40000"/>
-              <a:lumOff val="60000"/>
-            </a:schemeClr>
-          </a:solidFill>
-        </p:spPr>
-        <p:style>
-          <a:lnRef idx="2">
-            <a:schemeClr val="accent1">
-              <a:shade val="50000"/>
-            </a:schemeClr>
-          </a:lnRef>
-          <a:fillRef idx="1">
-            <a:schemeClr val="accent1"/>
-          </a:fillRef>
-          <a:effectRef idx="0">
-            <a:schemeClr val="accent1"/>
-          </a:effectRef>
-          <a:fontRef idx="minor">
-            <a:schemeClr val="lt1"/>
-          </a:fontRef>
-        </p:style>
-        <p:txBody>
-          <a:bodyPr rtlCol="0" anchor="ctr"/>
-          <a:lstStyle/>
-          <a:p>
-            <a:pPr marL="0" marR="0" lvl="0" indent="0" algn="ctr" defTabSz="914400" rtl="0" eaLnBrk="1" fontAlgn="auto" latinLnBrk="0" hangingPunct="1">
-              <a:lnSpc>
-                <a:spcPct val="100000"/>
-              </a:lnSpc>
-              <a:spcBef>
-                <a:spcPts val="0"/>
-              </a:spcBef>
-              <a:spcAft>
-                <a:spcPts val="0"/>
-              </a:spcAft>
-              <a:buClrTx/>
-              <a:buSzTx/>
-              <a:buFontTx/>
-              <a:buNone/>
-              <a:tabLst/>
-              <a:defRPr/>
-            </a:pPr>
-            <a:r>
-              <a:rPr kumimoji="0" lang="en-CA" sz="800" b="0" i="0" u="none" strike="noStrike" kern="1200" cap="none" spc="0" normalizeH="0" baseline="0" noProof="0" dirty="0">
-                <a:ln>
-                  <a:noFill/>
-                </a:ln>
-                <a:solidFill>
-                  <a:prstClr val="black"/>
-                </a:solidFill>
-                <a:effectLst/>
-                <a:uLnTx/>
-                <a:uFillTx/>
-                <a:latin typeface="Calibri" panose="020F0502020204030204"/>
-                <a:ea typeface="+mn-ea"/>
-                <a:cs typeface="+mn-cs"/>
-              </a:rPr>
               <a:t>BADA</a:t>
             </a:r>
           </a:p>
@@ -6740,7 +5804,7 @@
         <p:spPr>
           <a:xfrm flipH="1">
             <a:off x="307303" y="1381551"/>
-            <a:ext cx="1521492" cy="1938992"/>
+            <a:ext cx="1521492" cy="2708434"/>
           </a:xfrm>
           <a:prstGeom prst="rect">
             <a:avLst/>
@@ -7109,6 +6173,134 @@
               <a:t>CAUSE = exception cause</a:t>
             </a:r>
           </a:p>
+          <a:p>
+            <a:pPr marL="0" marR="0" lvl="0" indent="0" algn="l" defTabSz="914400" rtl="0" eaLnBrk="1" fontAlgn="auto" latinLnBrk="0" hangingPunct="1">
+              <a:lnSpc>
+                <a:spcPct val="100000"/>
+              </a:lnSpc>
+              <a:spcBef>
+                <a:spcPts val="0"/>
+              </a:spcBef>
+              <a:spcAft>
+                <a:spcPts val="0"/>
+              </a:spcAft>
+              <a:buClrTx/>
+              <a:buSzTx/>
+              <a:buFontTx/>
+              <a:buNone/>
+              <a:tabLst/>
+              <a:defRPr/>
+            </a:pPr>
+            <a:endParaRPr lang="en-CA" sz="1000" dirty="0">
+              <a:solidFill>
+                <a:prstClr val="black"/>
+              </a:solidFill>
+              <a:latin typeface="Calibri" panose="020F0502020204030204"/>
+            </a:endParaRPr>
+          </a:p>
+          <a:p>
+            <a:pPr marL="0" marR="0" lvl="0" indent="0" algn="l" defTabSz="914400" rtl="0" eaLnBrk="1" fontAlgn="auto" latinLnBrk="0" hangingPunct="1">
+              <a:lnSpc>
+                <a:spcPct val="100000"/>
+              </a:lnSpc>
+              <a:spcBef>
+                <a:spcPts val="0"/>
+              </a:spcBef>
+              <a:spcAft>
+                <a:spcPts val="0"/>
+              </a:spcAft>
+              <a:buClrTx/>
+              <a:buSzTx/>
+              <a:buFontTx/>
+              <a:buNone/>
+              <a:tabLst/>
+              <a:defRPr/>
+            </a:pPr>
+            <a:endParaRPr lang="en-CA" sz="1000" dirty="0">
+              <a:solidFill>
+                <a:prstClr val="black"/>
+              </a:solidFill>
+              <a:latin typeface="Calibri" panose="020F0502020204030204"/>
+            </a:endParaRPr>
+          </a:p>
+          <a:p>
+            <a:pPr marL="0" marR="0" lvl="0" indent="0" algn="l" defTabSz="914400" rtl="0" eaLnBrk="1" fontAlgn="auto" latinLnBrk="0" hangingPunct="1">
+              <a:lnSpc>
+                <a:spcPct val="100000"/>
+              </a:lnSpc>
+              <a:spcBef>
+                <a:spcPts val="0"/>
+              </a:spcBef>
+              <a:spcAft>
+                <a:spcPts val="0"/>
+              </a:spcAft>
+              <a:buClrTx/>
+              <a:buSzTx/>
+              <a:buFontTx/>
+              <a:buNone/>
+              <a:tabLst/>
+              <a:defRPr/>
+            </a:pPr>
+            <a:endParaRPr lang="en-CA" sz="1000" dirty="0">
+              <a:solidFill>
+                <a:prstClr val="black"/>
+              </a:solidFill>
+              <a:latin typeface="Calibri" panose="020F0502020204030204"/>
+            </a:endParaRPr>
+          </a:p>
+          <a:p>
+            <a:pPr marL="0" marR="0" lvl="0" indent="0" algn="l" defTabSz="914400" rtl="0" eaLnBrk="1" fontAlgn="auto" latinLnBrk="0" hangingPunct="1">
+              <a:lnSpc>
+                <a:spcPct val="100000"/>
+              </a:lnSpc>
+              <a:spcBef>
+                <a:spcPts val="0"/>
+              </a:spcBef>
+              <a:spcAft>
+                <a:spcPts val="0"/>
+              </a:spcAft>
+              <a:buClrTx/>
+              <a:buSzTx/>
+              <a:buFontTx/>
+              <a:buNone/>
+              <a:tabLst/>
+              <a:defRPr/>
+            </a:pPr>
+            <a:r>
+              <a:rPr kumimoji="0" lang="en-CA" sz="1000" b="0" i="0" u="none" strike="noStrike" kern="1200" cap="none" spc="0" normalizeH="0" baseline="0" noProof="0" dirty="0" err="1">
+                <a:ln>
+                  <a:noFill/>
+                </a:ln>
+                <a:solidFill>
+                  <a:prstClr val="black"/>
+                </a:solidFill>
+                <a:effectLst/>
+                <a:uLnTx/>
+                <a:uFillTx/>
+                <a:latin typeface="Calibri" panose="020F0502020204030204"/>
+                <a:ea typeface="+mn-ea"/>
+                <a:cs typeface="+mn-cs"/>
+              </a:rPr>
+              <a:t>RENx</a:t>
+            </a:r>
+            <a:r>
+              <a:rPr kumimoji="0" lang="en-CA" sz="1000" b="0" i="0" u="none" strike="noStrike" kern="1200" cap="none" spc="0" normalizeH="0" baseline="0" noProof="0" dirty="0">
+                <a:ln>
+                  <a:noFill/>
+                </a:ln>
+                <a:solidFill>
+                  <a:prstClr val="black"/>
+                </a:solidFill>
+                <a:effectLst/>
+                <a:uLnTx/>
+                <a:uFillTx/>
+                <a:latin typeface="Calibri" panose="020F0502020204030204"/>
+                <a:ea typeface="+mn-ea"/>
+                <a:cs typeface="+mn-cs"/>
+              </a:rPr>
+              <a:t> = Restart Element Number (One per chain)</a:t>
+            </a:r>
+          </a:p>
         </p:txBody>
       </p:sp>
       <p:sp>
@@ -7274,7 +6466,7 @@
                 <a:ea typeface="+mn-ea"/>
                 <a:cs typeface="+mn-cs"/>
               </a:rPr>
-              <a:t>x0</a:t>
+              <a:t>x0 (zero)</a:t>
             </a:r>
           </a:p>
         </p:txBody>
@@ -7629,10 +6821,10 @@
       </p:sp>
       <p:sp>
         <p:nvSpPr>
-          <p:cNvPr id="76" name="Rectangle 75">
-            <a:extLst>
-              <a:ext uri="{FF2B5EF4-FFF2-40B4-BE49-F238E27FC236}">
-                <a16:creationId xmlns:a16="http://schemas.microsoft.com/office/drawing/2014/main" id="{5C3BC1D1-75C9-4867-8FED-266BAF6EDA20}"/>
+          <p:cNvPr id="87" name="Rectangle 86">
+            <a:extLst>
+              <a:ext uri="{FF2B5EF4-FFF2-40B4-BE49-F238E27FC236}">
+                <a16:creationId xmlns:a16="http://schemas.microsoft.com/office/drawing/2014/main" id="{1E1256BC-EAF2-4759-8B07-1C23BCA91C76}"/>
               </a:ext>
             </a:extLst>
           </p:cNvPr>
@@ -7641,14 +6833,14 @@
         </p:nvSpPr>
         <p:spPr>
           <a:xfrm>
-            <a:off x="4265561" y="2380437"/>
-            <a:ext cx="2627080" cy="136384"/>
-          </a:xfrm>
-          <a:prstGeom prst="rect">
-            <a:avLst/>
-          </a:prstGeom>
-          <a:solidFill>
-            <a:schemeClr val="accent1">
+            <a:off x="2029964" y="2040892"/>
+            <a:ext cx="442109" cy="173736"/>
+          </a:xfrm>
+          <a:prstGeom prst="rect">
+            <a:avLst/>
+          </a:prstGeom>
+          <a:solidFill>
+            <a:schemeClr val="accent2">
               <a:lumMod val="40000"/>
               <a:lumOff val="60000"/>
             </a:schemeClr>
@@ -7706,17 +6898,82 @@
                 <a:ea typeface="+mn-ea"/>
                 <a:cs typeface="+mn-cs"/>
               </a:rPr>
-              <a:t>x5</a:t>
-            </a:r>
-          </a:p>
-        </p:txBody>
-      </p:sp>
-      <p:sp>
-        <p:nvSpPr>
-          <p:cNvPr id="77" name="Rectangle 76">
-            <a:extLst>
-              <a:ext uri="{FF2B5EF4-FFF2-40B4-BE49-F238E27FC236}">
-                <a16:creationId xmlns:a16="http://schemas.microsoft.com/office/drawing/2014/main" id="{B87E27E9-6C91-4146-8106-661B9661A658}"/>
+              <a:t>VP</a:t>
+            </a:r>
+          </a:p>
+        </p:txBody>
+      </p:sp>
+      <p:sp>
+        <p:nvSpPr>
+          <p:cNvPr id="88" name="TextBox 87">
+            <a:extLst>
+              <a:ext uri="{FF2B5EF4-FFF2-40B4-BE49-F238E27FC236}">
+                <a16:creationId xmlns:a16="http://schemas.microsoft.com/office/drawing/2014/main" id="{8B89DF7C-D457-480B-A2D3-DDE2884192D8}"/>
+              </a:ext>
+            </a:extLst>
+          </p:cNvPr>
+          <p:cNvSpPr txBox="1"/>
+          <p:nvPr/>
+        </p:nvSpPr>
+        <p:spPr>
+          <a:xfrm>
+            <a:off x="4831235" y="1160336"/>
+            <a:ext cx="1713931" cy="246221"/>
+          </a:xfrm>
+          <a:prstGeom prst="rect">
+            <a:avLst/>
+          </a:prstGeom>
+          <a:noFill/>
+        </p:spPr>
+        <p:txBody>
+          <a:bodyPr wrap="none" rtlCol="0">
+            <a:spAutoFit/>
+          </a:bodyPr>
+          <a:lstStyle/>
+          <a:p>
+            <a:pPr marL="0" marR="0" lvl="0" indent="0" algn="l" defTabSz="914400" rtl="0" eaLnBrk="1" fontAlgn="auto" latinLnBrk="0" hangingPunct="1">
+              <a:lnSpc>
+                <a:spcPct val="100000"/>
+              </a:lnSpc>
+              <a:spcBef>
+                <a:spcPts val="0"/>
+              </a:spcBef>
+              <a:spcAft>
+                <a:spcPts val="0"/>
+              </a:spcAft>
+              <a:buClrTx/>
+              <a:buSzTx/>
+              <a:buFontTx/>
+              <a:buNone/>
+              <a:tabLst/>
+              <a:defRPr/>
+            </a:pPr>
+            <a:r>
+              <a:rPr kumimoji="0" lang="en-CA" sz="1000" b="0" i="0" u="none" strike="noStrike" kern="1200" cap="none" spc="0" normalizeH="0" baseline="0" noProof="0" dirty="0">
+                <a:ln>
+                  <a:noFill/>
+                </a:ln>
+                <a:solidFill>
+                  <a:prstClr val="black"/>
+                </a:solidFill>
+                <a:effectLst/>
+                <a:uLnTx/>
+                <a:uFillTx/>
+                <a:latin typeface="Calibri" panose="020F0502020204030204"/>
+                <a:ea typeface="+mn-ea"/>
+                <a:cs typeface="+mn-cs"/>
+              </a:rPr>
+              <a:t>64 General Purpose Registers</a:t>
+            </a:r>
+          </a:p>
+        </p:txBody>
+      </p:sp>
+      <p:sp>
+        <p:nvSpPr>
+          <p:cNvPr id="64" name="Rectangle 63">
+            <a:extLst>
+              <a:ext uri="{FF2B5EF4-FFF2-40B4-BE49-F238E27FC236}">
+                <a16:creationId xmlns:a16="http://schemas.microsoft.com/office/drawing/2014/main" id="{B60678BF-CE4E-4C74-8807-8238DF5F8673}"/>
               </a:ext>
             </a:extLst>
           </p:cNvPr>
@@ -7725,7 +6982,7 @@
         </p:nvSpPr>
         <p:spPr>
           <a:xfrm>
-            <a:off x="4265561" y="2514898"/>
+            <a:off x="4258353" y="3503472"/>
             <a:ext cx="2627080" cy="136384"/>
           </a:xfrm>
           <a:prstGeom prst="rect">
@@ -7790,17 +7047,62 @@
                 <a:ea typeface="+mn-ea"/>
                 <a:cs typeface="+mn-cs"/>
               </a:rPr>
-              <a:t>x6</a:t>
-            </a:r>
-          </a:p>
-        </p:txBody>
-      </p:sp>
-      <p:sp>
-        <p:nvSpPr>
-          <p:cNvPr id="78" name="Rectangle 77">
-            <a:extLst>
-              <a:ext uri="{FF2B5EF4-FFF2-40B4-BE49-F238E27FC236}">
-                <a16:creationId xmlns:a16="http://schemas.microsoft.com/office/drawing/2014/main" id="{0492FC00-F564-43EE-82C1-303B068A2A6A}"/>
+              <a:t>x63 / PC</a:t>
+            </a:r>
+          </a:p>
+        </p:txBody>
+      </p:sp>
+      <p:cxnSp>
+        <p:nvCxnSpPr>
+          <p:cNvPr id="4" name="Straight Connector 3">
+            <a:extLst>
+              <a:ext uri="{FF2B5EF4-FFF2-40B4-BE49-F238E27FC236}">
+                <a16:creationId xmlns:a16="http://schemas.microsoft.com/office/drawing/2014/main" id="{0E4DAA3A-633F-4D32-8F24-1AC3AC689BEA}"/>
+              </a:ext>
+            </a:extLst>
+          </p:cNvPr>
+          <p:cNvCxnSpPr>
+            <a:stCxn id="75" idx="2"/>
+            <a:endCxn id="32" idx="0"/>
+          </p:cNvCxnSpPr>
+          <p:nvPr/>
+        </p:nvCxnSpPr>
+        <p:spPr>
+          <a:xfrm flipH="1">
+            <a:off x="5564685" y="2369924"/>
+            <a:ext cx="14416" cy="434448"/>
+          </a:xfrm>
+          <a:prstGeom prst="line">
+            <a:avLst/>
+          </a:prstGeom>
+          <a:ln>
+            <a:solidFill>
+              <a:schemeClr val="tx1"/>
+            </a:solidFill>
+            <a:prstDash val="dash"/>
+          </a:ln>
+        </p:spPr>
+        <p:style>
+          <a:lnRef idx="1">
+            <a:schemeClr val="accent1"/>
+          </a:lnRef>
+          <a:fillRef idx="0">
+            <a:schemeClr val="accent1"/>
+          </a:fillRef>
+          <a:effectRef idx="0">
+            <a:schemeClr val="accent1"/>
+          </a:effectRef>
+          <a:fontRef idx="minor">
+            <a:schemeClr val="tx1"/>
+          </a:fontRef>
+        </p:style>
+      </p:cxnSp>
+      <p:sp>
+        <p:nvSpPr>
+          <p:cNvPr id="72" name="Rectangle 71">
+            <a:extLst>
+              <a:ext uri="{FF2B5EF4-FFF2-40B4-BE49-F238E27FC236}">
+                <a16:creationId xmlns:a16="http://schemas.microsoft.com/office/drawing/2014/main" id="{582EFB66-5D8E-4E87-99D2-3742BC004459}"/>
               </a:ext>
             </a:extLst>
           </p:cNvPr>
@@ -7809,14 +7111,14 @@
         </p:nvSpPr>
         <p:spPr>
           <a:xfrm>
-            <a:off x="4265561" y="2651282"/>
+            <a:off x="1342011" y="3479659"/>
             <a:ext cx="2627080" cy="136384"/>
           </a:xfrm>
           <a:prstGeom prst="rect">
             <a:avLst/>
           </a:prstGeom>
           <a:solidFill>
-            <a:schemeClr val="accent1">
+            <a:schemeClr val="accent2">
               <a:lumMod val="40000"/>
               <a:lumOff val="60000"/>
             </a:schemeClr>
@@ -7874,17 +7176,17 @@
                 <a:ea typeface="+mn-ea"/>
                 <a:cs typeface="+mn-cs"/>
               </a:rPr>
-              <a:t>x7</a:t>
-            </a:r>
-          </a:p>
-        </p:txBody>
-      </p:sp>
-      <p:sp>
-        <p:nvSpPr>
-          <p:cNvPr id="79" name="Rectangle 78">
-            <a:extLst>
-              <a:ext uri="{FF2B5EF4-FFF2-40B4-BE49-F238E27FC236}">
-                <a16:creationId xmlns:a16="http://schemas.microsoft.com/office/drawing/2014/main" id="{35E0E3A3-338F-4E97-B793-C22C1707AE00}"/>
+              <a:t>TICK</a:t>
+            </a:r>
+          </a:p>
+        </p:txBody>
+      </p:sp>
+      <p:sp>
+        <p:nvSpPr>
+          <p:cNvPr id="89" name="Rectangle 88">
+            <a:extLst>
+              <a:ext uri="{FF2B5EF4-FFF2-40B4-BE49-F238E27FC236}">
+                <a16:creationId xmlns:a16="http://schemas.microsoft.com/office/drawing/2014/main" id="{1BAA84C7-FD9B-4EB6-9407-F736E1749CAB}"/>
               </a:ext>
             </a:extLst>
           </p:cNvPr>
@@ -7893,14 +7195,14 @@
         </p:nvSpPr>
         <p:spPr>
           <a:xfrm>
-            <a:off x="4265561" y="2785376"/>
-            <a:ext cx="2627080" cy="136384"/>
-          </a:xfrm>
-          <a:prstGeom prst="rect">
-            <a:avLst/>
-          </a:prstGeom>
-          <a:solidFill>
-            <a:schemeClr val="accent1">
+            <a:off x="2658674" y="3327380"/>
+            <a:ext cx="1313540" cy="145442"/>
+          </a:xfrm>
+          <a:prstGeom prst="rect">
+            <a:avLst/>
+          </a:prstGeom>
+          <a:solidFill>
+            <a:schemeClr val="accent2">
               <a:lumMod val="40000"/>
               <a:lumOff val="60000"/>
             </a:schemeClr>
@@ -7958,17 +7260,17 @@
                 <a:ea typeface="+mn-ea"/>
                 <a:cs typeface="+mn-cs"/>
               </a:rPr>
-              <a:t>x8</a:t>
-            </a:r>
-          </a:p>
-        </p:txBody>
-      </p:sp>
-      <p:sp>
-        <p:nvSpPr>
-          <p:cNvPr id="80" name="Rectangle 79">
-            <a:extLst>
-              <a:ext uri="{FF2B5EF4-FFF2-40B4-BE49-F238E27FC236}">
-                <a16:creationId xmlns:a16="http://schemas.microsoft.com/office/drawing/2014/main" id="{0CA1E62D-3F98-4A4C-A5AE-A8017A2F0A38}"/>
+              <a:t>CORE Number</a:t>
+            </a:r>
+          </a:p>
+        </p:txBody>
+      </p:sp>
+      <p:sp>
+        <p:nvSpPr>
+          <p:cNvPr id="90" name="Rectangle 89">
+            <a:extLst>
+              <a:ext uri="{FF2B5EF4-FFF2-40B4-BE49-F238E27FC236}">
+                <a16:creationId xmlns:a16="http://schemas.microsoft.com/office/drawing/2014/main" id="{5222574B-811E-4FAF-8223-805BA0765D4B}"/>
               </a:ext>
             </a:extLst>
           </p:cNvPr>
@@ -7977,14 +7279,14 @@
         </p:nvSpPr>
         <p:spPr>
           <a:xfrm>
-            <a:off x="4265561" y="2927811"/>
-            <a:ext cx="2627080" cy="136384"/>
-          </a:xfrm>
-          <a:prstGeom prst="rect">
-            <a:avLst/>
-          </a:prstGeom>
-          <a:solidFill>
-            <a:schemeClr val="accent1">
+            <a:off x="3547431" y="3714339"/>
+            <a:ext cx="439354" cy="136384"/>
+          </a:xfrm>
+          <a:prstGeom prst="rect">
+            <a:avLst/>
+          </a:prstGeom>
+          <a:solidFill>
+            <a:schemeClr val="accent2">
               <a:lumMod val="40000"/>
               <a:lumOff val="60000"/>
             </a:schemeClr>
@@ -8042,17 +7344,17 @@
                 <a:ea typeface="+mn-ea"/>
                 <a:cs typeface="+mn-cs"/>
               </a:rPr>
-              <a:t>x9</a:t>
-            </a:r>
-          </a:p>
-        </p:txBody>
-      </p:sp>
-      <p:sp>
-        <p:nvSpPr>
-          <p:cNvPr id="81" name="Rectangle 80">
-            <a:extLst>
-              <a:ext uri="{FF2B5EF4-FFF2-40B4-BE49-F238E27FC236}">
-                <a16:creationId xmlns:a16="http://schemas.microsoft.com/office/drawing/2014/main" id="{CB8415F4-7539-4391-B509-907C5A157630}"/>
+              <a:t>REN0</a:t>
+            </a:r>
+          </a:p>
+        </p:txBody>
+      </p:sp>
+      <p:sp>
+        <p:nvSpPr>
+          <p:cNvPr id="91" name="Rectangle 90">
+            <a:extLst>
+              <a:ext uri="{FF2B5EF4-FFF2-40B4-BE49-F238E27FC236}">
+                <a16:creationId xmlns:a16="http://schemas.microsoft.com/office/drawing/2014/main" id="{32C99882-D311-44F3-8B4D-48195AE61B95}"/>
               </a:ext>
             </a:extLst>
           </p:cNvPr>
@@ -8061,14 +7363,14 @@
         </p:nvSpPr>
         <p:spPr>
           <a:xfrm>
-            <a:off x="4265561" y="3074162"/>
-            <a:ext cx="2627080" cy="136384"/>
-          </a:xfrm>
-          <a:prstGeom prst="rect">
-            <a:avLst/>
-          </a:prstGeom>
-          <a:solidFill>
-            <a:schemeClr val="accent1">
+            <a:off x="3110338" y="3714339"/>
+            <a:ext cx="439354" cy="136384"/>
+          </a:xfrm>
+          <a:prstGeom prst="rect">
+            <a:avLst/>
+          </a:prstGeom>
+          <a:solidFill>
+            <a:schemeClr val="accent2">
               <a:lumMod val="40000"/>
               <a:lumOff val="60000"/>
             </a:schemeClr>
@@ -8126,17 +7428,17 @@
                 <a:ea typeface="+mn-ea"/>
                 <a:cs typeface="+mn-cs"/>
               </a:rPr>
-              <a:t>x10</a:t>
-            </a:r>
-          </a:p>
-        </p:txBody>
-      </p:sp>
-      <p:sp>
-        <p:nvSpPr>
-          <p:cNvPr id="82" name="Rectangle 81">
-            <a:extLst>
-              <a:ext uri="{FF2B5EF4-FFF2-40B4-BE49-F238E27FC236}">
-                <a16:creationId xmlns:a16="http://schemas.microsoft.com/office/drawing/2014/main" id="{29194469-1A15-4F4C-B805-F0D649A4969A}"/>
+              <a:t>REN1</a:t>
+            </a:r>
+          </a:p>
+        </p:txBody>
+      </p:sp>
+      <p:sp>
+        <p:nvSpPr>
+          <p:cNvPr id="92" name="Rectangle 91">
+            <a:extLst>
+              <a:ext uri="{FF2B5EF4-FFF2-40B4-BE49-F238E27FC236}">
+                <a16:creationId xmlns:a16="http://schemas.microsoft.com/office/drawing/2014/main" id="{E39BD730-4A1D-4E6E-B94A-74B9AD491DD2}"/>
               </a:ext>
             </a:extLst>
           </p:cNvPr>
@@ -8145,14 +7447,14 @@
         </p:nvSpPr>
         <p:spPr>
           <a:xfrm>
-            <a:off x="4265561" y="3220513"/>
-            <a:ext cx="2627080" cy="136384"/>
-          </a:xfrm>
-          <a:prstGeom prst="rect">
-            <a:avLst/>
-          </a:prstGeom>
-          <a:solidFill>
-            <a:schemeClr val="accent1">
+            <a:off x="2664259" y="3713248"/>
+            <a:ext cx="439354" cy="136384"/>
+          </a:xfrm>
+          <a:prstGeom prst="rect">
+            <a:avLst/>
+          </a:prstGeom>
+          <a:solidFill>
+            <a:schemeClr val="accent2">
               <a:lumMod val="40000"/>
               <a:lumOff val="60000"/>
             </a:schemeClr>
@@ -8210,17 +7512,17 @@
                 <a:ea typeface="+mn-ea"/>
                 <a:cs typeface="+mn-cs"/>
               </a:rPr>
-              <a:t>x11</a:t>
-            </a:r>
-          </a:p>
-        </p:txBody>
-      </p:sp>
-      <p:sp>
-        <p:nvSpPr>
-          <p:cNvPr id="83" name="Rectangle 82">
-            <a:extLst>
-              <a:ext uri="{FF2B5EF4-FFF2-40B4-BE49-F238E27FC236}">
-                <a16:creationId xmlns:a16="http://schemas.microsoft.com/office/drawing/2014/main" id="{91C4875E-C564-40BC-8388-38BC37D25252}"/>
+              <a:t>REN2</a:t>
+            </a:r>
+          </a:p>
+        </p:txBody>
+      </p:sp>
+      <p:sp>
+        <p:nvSpPr>
+          <p:cNvPr id="93" name="Rectangle 92">
+            <a:extLst>
+              <a:ext uri="{FF2B5EF4-FFF2-40B4-BE49-F238E27FC236}">
+                <a16:creationId xmlns:a16="http://schemas.microsoft.com/office/drawing/2014/main" id="{6D751887-19B9-4D40-810C-17AED8EB133E}"/>
               </a:ext>
             </a:extLst>
           </p:cNvPr>
@@ -8229,14 +7531,14 @@
         </p:nvSpPr>
         <p:spPr>
           <a:xfrm>
-            <a:off x="4265561" y="3367410"/>
-            <a:ext cx="2627080" cy="136384"/>
-          </a:xfrm>
-          <a:prstGeom prst="rect">
-            <a:avLst/>
-          </a:prstGeom>
-          <a:solidFill>
-            <a:schemeClr val="accent1">
+            <a:off x="2233036" y="3713248"/>
+            <a:ext cx="439354" cy="136384"/>
+          </a:xfrm>
+          <a:prstGeom prst="rect">
+            <a:avLst/>
+          </a:prstGeom>
+          <a:solidFill>
+            <a:schemeClr val="accent2">
               <a:lumMod val="40000"/>
               <a:lumOff val="60000"/>
             </a:schemeClr>
@@ -8294,408 +7596,93 @@
                 <a:ea typeface="+mn-ea"/>
                 <a:cs typeface="+mn-cs"/>
               </a:rPr>
-              <a:t>x12</a:t>
-            </a:r>
-          </a:p>
-        </p:txBody>
-      </p:sp>
-      <p:sp>
-        <p:nvSpPr>
-          <p:cNvPr id="84" name="Rectangle 83">
-            <a:extLst>
-              <a:ext uri="{FF2B5EF4-FFF2-40B4-BE49-F238E27FC236}">
-                <a16:creationId xmlns:a16="http://schemas.microsoft.com/office/drawing/2014/main" id="{757990EA-A207-4B6E-AB55-0C65FFA15A0A}"/>
-              </a:ext>
-            </a:extLst>
-          </p:cNvPr>
-          <p:cNvSpPr/>
-          <p:nvPr/>
-        </p:nvSpPr>
-        <p:spPr>
-          <a:xfrm>
-            <a:off x="4265561" y="3514307"/>
-            <a:ext cx="2627080" cy="136384"/>
-          </a:xfrm>
-          <a:prstGeom prst="rect">
-            <a:avLst/>
-          </a:prstGeom>
-          <a:solidFill>
-            <a:schemeClr val="accent1">
-              <a:lumMod val="40000"/>
-              <a:lumOff val="60000"/>
-            </a:schemeClr>
-          </a:solidFill>
-        </p:spPr>
-        <p:style>
-          <a:lnRef idx="2">
-            <a:schemeClr val="accent1">
-              <a:shade val="50000"/>
-            </a:schemeClr>
-          </a:lnRef>
-          <a:fillRef idx="1">
-            <a:schemeClr val="accent1"/>
-          </a:fillRef>
-          <a:effectRef idx="0">
-            <a:schemeClr val="accent1"/>
-          </a:effectRef>
-          <a:fontRef idx="minor">
-            <a:schemeClr val="lt1"/>
-          </a:fontRef>
-        </p:style>
-        <p:txBody>
-          <a:bodyPr rtlCol="0" anchor="ctr"/>
-          <a:lstStyle/>
-          <a:p>
-            <a:pPr marL="0" marR="0" lvl="0" indent="0" algn="ctr" defTabSz="914400" rtl="0" eaLnBrk="1" fontAlgn="auto" latinLnBrk="0" hangingPunct="1">
-              <a:lnSpc>
-                <a:spcPct val="100000"/>
-              </a:lnSpc>
-              <a:spcBef>
-                <a:spcPts val="0"/>
-              </a:spcBef>
-              <a:spcAft>
-                <a:spcPts val="0"/>
-              </a:spcAft>
-              <a:buClrTx/>
-              <a:buSzTx/>
-              <a:buFontTx/>
-              <a:buNone/>
-              <a:tabLst/>
-              <a:defRPr/>
-            </a:pPr>
-            <a:r>
-              <a:rPr kumimoji="0" lang="en-CA" sz="800" b="0" i="0" u="none" strike="noStrike" kern="1200" cap="none" spc="0" normalizeH="0" baseline="0" noProof="0" dirty="0">
-                <a:ln>
-                  <a:noFill/>
-                </a:ln>
-                <a:solidFill>
-                  <a:prstClr val="black"/>
-                </a:solidFill>
-                <a:effectLst/>
-                <a:uLnTx/>
-                <a:uFillTx/>
-                <a:latin typeface="Calibri" panose="020F0502020204030204"/>
-                <a:ea typeface="+mn-ea"/>
-                <a:cs typeface="+mn-cs"/>
-              </a:rPr>
-              <a:t>x13</a:t>
-            </a:r>
-          </a:p>
-        </p:txBody>
-      </p:sp>
-      <p:sp>
-        <p:nvSpPr>
-          <p:cNvPr id="85" name="Rectangle 84">
-            <a:extLst>
-              <a:ext uri="{FF2B5EF4-FFF2-40B4-BE49-F238E27FC236}">
-                <a16:creationId xmlns:a16="http://schemas.microsoft.com/office/drawing/2014/main" id="{B34F8E6E-E3AD-4012-9583-2A2C7B9D2F3D}"/>
-              </a:ext>
-            </a:extLst>
-          </p:cNvPr>
-          <p:cNvSpPr/>
-          <p:nvPr/>
-        </p:nvSpPr>
-        <p:spPr>
-          <a:xfrm>
-            <a:off x="4265561" y="3648768"/>
-            <a:ext cx="2627080" cy="136384"/>
-          </a:xfrm>
-          <a:prstGeom prst="rect">
-            <a:avLst/>
-          </a:prstGeom>
-          <a:solidFill>
-            <a:schemeClr val="accent1">
-              <a:lumMod val="40000"/>
-              <a:lumOff val="60000"/>
-            </a:schemeClr>
-          </a:solidFill>
-        </p:spPr>
-        <p:style>
-          <a:lnRef idx="2">
-            <a:schemeClr val="accent1">
-              <a:shade val="50000"/>
-            </a:schemeClr>
-          </a:lnRef>
-          <a:fillRef idx="1">
-            <a:schemeClr val="accent1"/>
-          </a:fillRef>
-          <a:effectRef idx="0">
-            <a:schemeClr val="accent1"/>
-          </a:effectRef>
-          <a:fontRef idx="minor">
-            <a:schemeClr val="lt1"/>
-          </a:fontRef>
-        </p:style>
-        <p:txBody>
-          <a:bodyPr rtlCol="0" anchor="ctr"/>
-          <a:lstStyle/>
-          <a:p>
-            <a:pPr marL="0" marR="0" lvl="0" indent="0" algn="ctr" defTabSz="914400" rtl="0" eaLnBrk="1" fontAlgn="auto" latinLnBrk="0" hangingPunct="1">
-              <a:lnSpc>
-                <a:spcPct val="100000"/>
-              </a:lnSpc>
-              <a:spcBef>
-                <a:spcPts val="0"/>
-              </a:spcBef>
-              <a:spcAft>
-                <a:spcPts val="0"/>
-              </a:spcAft>
-              <a:buClrTx/>
-              <a:buSzTx/>
-              <a:buFontTx/>
-              <a:buNone/>
-              <a:tabLst/>
-              <a:defRPr/>
-            </a:pPr>
-            <a:r>
-              <a:rPr kumimoji="0" lang="en-CA" sz="800" b="0" i="0" u="none" strike="noStrike" kern="1200" cap="none" spc="0" normalizeH="0" baseline="0" noProof="0" dirty="0">
-                <a:ln>
-                  <a:noFill/>
-                </a:ln>
-                <a:solidFill>
-                  <a:prstClr val="black"/>
-                </a:solidFill>
-                <a:effectLst/>
-                <a:uLnTx/>
-                <a:uFillTx/>
-                <a:latin typeface="Calibri" panose="020F0502020204030204"/>
-                <a:ea typeface="+mn-ea"/>
-                <a:cs typeface="+mn-cs"/>
-              </a:rPr>
-              <a:t>x14</a:t>
-            </a:r>
-          </a:p>
-        </p:txBody>
-      </p:sp>
-      <p:sp>
-        <p:nvSpPr>
-          <p:cNvPr id="86" name="Rectangle 85">
-            <a:extLst>
-              <a:ext uri="{FF2B5EF4-FFF2-40B4-BE49-F238E27FC236}">
-                <a16:creationId xmlns:a16="http://schemas.microsoft.com/office/drawing/2014/main" id="{E78F7B30-CE35-4376-97E8-53F98E28D99A}"/>
-              </a:ext>
-            </a:extLst>
-          </p:cNvPr>
-          <p:cNvSpPr/>
-          <p:nvPr/>
-        </p:nvSpPr>
-        <p:spPr>
-          <a:xfrm>
-            <a:off x="4265561" y="3785152"/>
-            <a:ext cx="2627080" cy="136384"/>
-          </a:xfrm>
-          <a:prstGeom prst="rect">
-            <a:avLst/>
-          </a:prstGeom>
-          <a:solidFill>
-            <a:schemeClr val="accent1">
-              <a:lumMod val="40000"/>
-              <a:lumOff val="60000"/>
-            </a:schemeClr>
-          </a:solidFill>
-        </p:spPr>
-        <p:style>
-          <a:lnRef idx="2">
-            <a:schemeClr val="accent1">
-              <a:shade val="50000"/>
-            </a:schemeClr>
-          </a:lnRef>
-          <a:fillRef idx="1">
-            <a:schemeClr val="accent1"/>
-          </a:fillRef>
-          <a:effectRef idx="0">
-            <a:schemeClr val="accent1"/>
-          </a:effectRef>
-          <a:fontRef idx="minor">
-            <a:schemeClr val="lt1"/>
-          </a:fontRef>
-        </p:style>
-        <p:txBody>
-          <a:bodyPr rtlCol="0" anchor="ctr"/>
-          <a:lstStyle/>
-          <a:p>
-            <a:pPr marL="0" marR="0" lvl="0" indent="0" algn="ctr" defTabSz="914400" rtl="0" eaLnBrk="1" fontAlgn="auto" latinLnBrk="0" hangingPunct="1">
-              <a:lnSpc>
-                <a:spcPct val="100000"/>
-              </a:lnSpc>
-              <a:spcBef>
-                <a:spcPts val="0"/>
-              </a:spcBef>
-              <a:spcAft>
-                <a:spcPts val="0"/>
-              </a:spcAft>
-              <a:buClrTx/>
-              <a:buSzTx/>
-              <a:buFontTx/>
-              <a:buNone/>
-              <a:tabLst/>
-              <a:defRPr/>
-            </a:pPr>
-            <a:r>
-              <a:rPr kumimoji="0" lang="en-CA" sz="800" b="0" i="0" u="none" strike="noStrike" kern="1200" cap="none" spc="0" normalizeH="0" baseline="0" noProof="0" dirty="0">
-                <a:ln>
-                  <a:noFill/>
-                </a:ln>
-                <a:solidFill>
-                  <a:prstClr val="black"/>
-                </a:solidFill>
-                <a:effectLst/>
-                <a:uLnTx/>
-                <a:uFillTx/>
-                <a:latin typeface="Calibri" panose="020F0502020204030204"/>
-                <a:ea typeface="+mn-ea"/>
-                <a:cs typeface="+mn-cs"/>
-              </a:rPr>
-              <a:t>x15</a:t>
-            </a:r>
-          </a:p>
-        </p:txBody>
-      </p:sp>
-      <p:sp>
-        <p:nvSpPr>
-          <p:cNvPr id="87" name="Rectangle 86">
-            <a:extLst>
-              <a:ext uri="{FF2B5EF4-FFF2-40B4-BE49-F238E27FC236}">
-                <a16:creationId xmlns:a16="http://schemas.microsoft.com/office/drawing/2014/main" id="{1E1256BC-EAF2-4759-8B07-1C23BCA91C76}"/>
-              </a:ext>
-            </a:extLst>
-          </p:cNvPr>
-          <p:cNvSpPr/>
-          <p:nvPr/>
-        </p:nvSpPr>
-        <p:spPr>
-          <a:xfrm>
-            <a:off x="2029964" y="2040892"/>
-            <a:ext cx="442109" cy="173736"/>
+              <a:t>REN3</a:t>
+            </a:r>
+          </a:p>
+        </p:txBody>
+      </p:sp>
+      <p:sp>
+        <p:nvSpPr>
+          <p:cNvPr id="5" name="TextBox 4">
+            <a:extLst>
+              <a:ext uri="{FF2B5EF4-FFF2-40B4-BE49-F238E27FC236}">
+                <a16:creationId xmlns:a16="http://schemas.microsoft.com/office/drawing/2014/main" id="{538100A1-0EC2-4D09-95A3-C711CFF4C2B2}"/>
+              </a:ext>
+            </a:extLst>
+          </p:cNvPr>
+          <p:cNvSpPr txBox="1"/>
+          <p:nvPr/>
+        </p:nvSpPr>
+        <p:spPr>
+          <a:xfrm>
+            <a:off x="364042" y="4477853"/>
+            <a:ext cx="3095253" cy="1754326"/>
           </a:xfrm>
           <a:prstGeom prst="rect">
             <a:avLst/>
           </a:prstGeom>
           <a:solidFill>
             <a:schemeClr val="accent2">
-              <a:lumMod val="40000"/>
-              <a:lumOff val="60000"/>
-            </a:schemeClr>
-          </a:solidFill>
-        </p:spPr>
-        <p:style>
-          <a:lnRef idx="2">
-            <a:schemeClr val="accent1">
-              <a:shade val="50000"/>
-            </a:schemeClr>
-          </a:lnRef>
-          <a:fillRef idx="1">
-            <a:schemeClr val="accent1"/>
-          </a:fillRef>
-          <a:effectRef idx="0">
-            <a:schemeClr val="accent1"/>
-          </a:effectRef>
-          <a:fontRef idx="minor">
-            <a:schemeClr val="lt1"/>
-          </a:fontRef>
-        </p:style>
-        <p:txBody>
-          <a:bodyPr rtlCol="0" anchor="ctr"/>
-          <a:lstStyle/>
-          <a:p>
-            <a:pPr marL="0" marR="0" lvl="0" indent="0" algn="ctr" defTabSz="914400" rtl="0" eaLnBrk="1" fontAlgn="auto" latinLnBrk="0" hangingPunct="1">
-              <a:lnSpc>
-                <a:spcPct val="100000"/>
-              </a:lnSpc>
-              <a:spcBef>
-                <a:spcPts val="0"/>
-              </a:spcBef>
-              <a:spcAft>
-                <a:spcPts val="0"/>
-              </a:spcAft>
-              <a:buClrTx/>
-              <a:buSzTx/>
-              <a:buFontTx/>
-              <a:buNone/>
-              <a:tabLst/>
-              <a:defRPr/>
-            </a:pPr>
-            <a:r>
-              <a:rPr kumimoji="0" lang="en-CA" sz="800" b="0" i="0" u="none" strike="noStrike" kern="1200" cap="none" spc="0" normalizeH="0" baseline="0" noProof="0" dirty="0">
-                <a:ln>
-                  <a:noFill/>
-                </a:ln>
-                <a:solidFill>
-                  <a:prstClr val="black"/>
-                </a:solidFill>
-                <a:effectLst/>
-                <a:uLnTx/>
-                <a:uFillTx/>
-                <a:latin typeface="Calibri" panose="020F0502020204030204"/>
-                <a:ea typeface="+mn-ea"/>
-                <a:cs typeface="+mn-cs"/>
-              </a:rPr>
-              <a:t>VP</a:t>
-            </a:r>
-          </a:p>
-        </p:txBody>
-      </p:sp>
-      <p:sp>
-        <p:nvSpPr>
-          <p:cNvPr id="88" name="TextBox 87">
-            <a:extLst>
-              <a:ext uri="{FF2B5EF4-FFF2-40B4-BE49-F238E27FC236}">
-                <a16:creationId xmlns:a16="http://schemas.microsoft.com/office/drawing/2014/main" id="{8B89DF7C-D457-480B-A2D3-DDE2884192D8}"/>
-              </a:ext>
-            </a:extLst>
-          </p:cNvPr>
-          <p:cNvSpPr txBox="1"/>
-          <p:nvPr/>
-        </p:nvSpPr>
-        <p:spPr>
-          <a:xfrm>
-            <a:off x="4831235" y="1160336"/>
-            <a:ext cx="1553630" cy="246221"/>
-          </a:xfrm>
-          <a:prstGeom prst="rect">
-            <a:avLst/>
-          </a:prstGeom>
-          <a:noFill/>
-        </p:spPr>
-        <p:txBody>
-          <a:bodyPr wrap="none" rtlCol="0">
+              <a:lumMod val="20000"/>
+              <a:lumOff val="80000"/>
+            </a:schemeClr>
+          </a:solidFill>
+        </p:spPr>
+        <p:txBody>
+          <a:bodyPr wrap="square" rtlCol="0">
             <a:spAutoFit/>
           </a:bodyPr>
           <a:lstStyle/>
           <a:p>
-            <a:pPr marL="0" marR="0" lvl="0" indent="0" algn="l" defTabSz="914400" rtl="0" eaLnBrk="1" fontAlgn="auto" latinLnBrk="0" hangingPunct="1">
-              <a:lnSpc>
-                <a:spcPct val="100000"/>
-              </a:lnSpc>
-              <a:spcBef>
-                <a:spcPts val="0"/>
-              </a:spcBef>
-              <a:spcAft>
-                <a:spcPts val="0"/>
-              </a:spcAft>
-              <a:buClrTx/>
-              <a:buSzTx/>
-              <a:buFontTx/>
-              <a:buNone/>
-              <a:tabLst/>
-              <a:defRPr/>
-            </a:pPr>
-            <a:r>
-              <a:rPr kumimoji="0" lang="en-CA" sz="1000" b="0" i="0" u="none" strike="noStrike" kern="1200" cap="none" spc="0" normalizeH="0" baseline="0" noProof="0" dirty="0">
-                <a:ln>
-                  <a:noFill/>
-                </a:ln>
-                <a:solidFill>
-                  <a:prstClr val="black"/>
-                </a:solidFill>
-                <a:effectLst/>
-                <a:uLnTx/>
-                <a:uFillTx/>
-                <a:latin typeface="Calibri" panose="020F0502020204030204"/>
-                <a:ea typeface="+mn-ea"/>
-                <a:cs typeface="+mn-cs"/>
-              </a:rPr>
-              <a:t>General Purpose Registers</a:t>
+            <a:r>
+              <a:rPr lang="en-CA" b="1" dirty="0"/>
+              <a:t>VP</a:t>
+            </a:r>
+          </a:p>
+          <a:p>
+            <a:r>
+              <a:rPr lang="en-CA" dirty="0"/>
+              <a:t>0 = byte (8 bit)</a:t>
+            </a:r>
+          </a:p>
+          <a:p>
+            <a:r>
+              <a:rPr lang="en-CA" dirty="0"/>
+              <a:t>1 = </a:t>
+            </a:r>
+            <a:r>
+              <a:rPr lang="en-CA" dirty="0" err="1"/>
+              <a:t>wyde</a:t>
+            </a:r>
+            <a:r>
+              <a:rPr lang="en-CA" dirty="0"/>
+              <a:t> (16 bit)</a:t>
+            </a:r>
+          </a:p>
+          <a:p>
+            <a:r>
+              <a:rPr lang="en-CA" dirty="0"/>
+              <a:t>2 = tetra (32 bit)</a:t>
+            </a:r>
+          </a:p>
+          <a:p>
+            <a:r>
+              <a:rPr lang="en-CA" dirty="0"/>
+              <a:t>3 = octa (64 bit)</a:t>
+            </a:r>
+          </a:p>
+          <a:p>
+            <a:r>
+              <a:rPr lang="en-CA" dirty="0"/>
+              <a:t>4 = </a:t>
+            </a:r>
+            <a:r>
+              <a:rPr lang="en-CA" dirty="0" err="1"/>
+              <a:t>hexi</a:t>
+            </a:r>
+            <a:r>
+              <a:rPr lang="en-CA" dirty="0"/>
+              <a:t> (128 bit) (reserved)</a:t>
             </a:r>
           </a:p>
         </p:txBody>
@@ -8777,7 +7764,7 @@
         </p:nvSpPr>
         <p:spPr>
           <a:xfrm>
-            <a:off x="4784992" y="1465243"/>
+            <a:off x="7272160" y="1498476"/>
             <a:ext cx="220338" cy="297455"/>
           </a:xfrm>
           <a:prstGeom prst="rect">
@@ -8858,7 +7845,7 @@
         </p:nvSpPr>
         <p:spPr>
           <a:xfrm>
-            <a:off x="5005330" y="1465242"/>
+            <a:off x="7492498" y="1498475"/>
             <a:ext cx="1090670" cy="297455"/>
           </a:xfrm>
           <a:prstGeom prst="rect">
@@ -8956,7 +7943,7 @@
         </p:nvSpPr>
         <p:spPr>
           <a:xfrm>
-            <a:off x="874002" y="1465241"/>
+            <a:off x="3361170" y="1498474"/>
             <a:ext cx="3910990" cy="297455"/>
           </a:xfrm>
           <a:prstGeom prst="rect">
@@ -9038,7 +8025,7 @@
                 <a:ea typeface="+mn-ea"/>
                 <a:cs typeface="+mn-cs"/>
               </a:rPr>
-              <a:t>32</a:t>
+              <a:t>40</a:t>
             </a:r>
           </a:p>
         </p:txBody>
@@ -9122,7 +8109,7 @@
         </p:nvSpPr>
         <p:spPr>
           <a:xfrm>
-            <a:off x="4784992" y="1955222"/>
+            <a:off x="7272160" y="1988455"/>
             <a:ext cx="3825599" cy="369332"/>
           </a:xfrm>
           <a:prstGeom prst="rect">
@@ -9187,7 +8174,7 @@
         </p:nvSpPr>
         <p:spPr>
           <a:xfrm>
-            <a:off x="5964393" y="1194016"/>
+            <a:off x="8451561" y="1227249"/>
             <a:ext cx="263214" cy="276999"/>
           </a:xfrm>
           <a:prstGeom prst="rect">
@@ -9252,7 +8239,7 @@
         </p:nvSpPr>
         <p:spPr>
           <a:xfrm>
-            <a:off x="4784992" y="1194017"/>
+            <a:off x="7272160" y="1227250"/>
             <a:ext cx="263214" cy="276999"/>
           </a:xfrm>
           <a:prstGeom prst="rect">
@@ -9317,7 +8304,7 @@
         </p:nvSpPr>
         <p:spPr>
           <a:xfrm>
-            <a:off x="772360" y="1209235"/>
+            <a:off x="3259528" y="1242468"/>
             <a:ext cx="341760" cy="276999"/>
           </a:xfrm>
           <a:prstGeom prst="rect">
@@ -9363,7 +8350,7 @@
                 <a:ea typeface="+mn-ea"/>
                 <a:cs typeface="+mn-cs"/>
               </a:rPr>
-              <a:t>39</a:t>
+              <a:t>47</a:t>
             </a:r>
           </a:p>
         </p:txBody>
@@ -9382,7 +8369,7 @@
         </p:nvSpPr>
         <p:spPr>
           <a:xfrm>
-            <a:off x="4827868" y="2836032"/>
+            <a:off x="4916597" y="4024862"/>
             <a:ext cx="220338" cy="297455"/>
           </a:xfrm>
           <a:prstGeom prst="rect">
@@ -9463,7 +8450,7 @@
         </p:nvSpPr>
         <p:spPr>
           <a:xfrm>
-            <a:off x="5048206" y="2836031"/>
+            <a:off x="5136935" y="4024861"/>
             <a:ext cx="1090670" cy="297455"/>
           </a:xfrm>
           <a:prstGeom prst="rect">
@@ -9561,7 +8548,7 @@
         </p:nvSpPr>
         <p:spPr>
           <a:xfrm>
-            <a:off x="4170523" y="2836031"/>
+            <a:off x="4259252" y="4024861"/>
             <a:ext cx="657345" cy="297453"/>
           </a:xfrm>
           <a:prstGeom prst="rect">
@@ -9640,7 +8627,7 @@
                 <a:ea typeface="+mn-ea"/>
                 <a:cs typeface="+mn-cs"/>
               </a:rPr>
-              <a:t>5</a:t>
+              <a:t>6</a:t>
             </a:r>
           </a:p>
         </p:txBody>
@@ -9659,7 +8646,7 @@
         </p:nvSpPr>
         <p:spPr>
           <a:xfrm>
-            <a:off x="3513178" y="2836028"/>
+            <a:off x="3601907" y="4024858"/>
             <a:ext cx="657345" cy="297455"/>
           </a:xfrm>
           <a:prstGeom prst="rect">
@@ -9738,7 +8725,7 @@
                 <a:ea typeface="+mn-ea"/>
                 <a:cs typeface="+mn-cs"/>
               </a:rPr>
-              <a:t>5</a:t>
+              <a:t>6</a:t>
             </a:r>
           </a:p>
         </p:txBody>
@@ -9757,8 +8744,8 @@
         </p:nvSpPr>
         <p:spPr>
           <a:xfrm>
-            <a:off x="874002" y="2836029"/>
-            <a:ext cx="2639176" cy="297455"/>
+            <a:off x="643716" y="4024859"/>
+            <a:ext cx="2958191" cy="297455"/>
           </a:xfrm>
           <a:prstGeom prst="rect">
             <a:avLst/>
@@ -9839,7 +8826,7 @@
                 <a:ea typeface="+mn-ea"/>
                 <a:cs typeface="+mn-cs"/>
               </a:rPr>
-              <a:t>22</a:t>
+              <a:t>28</a:t>
             </a:r>
           </a:p>
         </p:txBody>
@@ -9858,7 +8845,7 @@
         </p:nvSpPr>
         <p:spPr>
           <a:xfrm flipH="1">
-            <a:off x="6227605" y="2800090"/>
+            <a:off x="6231287" y="3810534"/>
             <a:ext cx="5659594" cy="646331"/>
           </a:xfrm>
           <a:prstGeom prst="rect">
@@ -9940,7 +8927,7 @@
                 <a:ea typeface="+mn-ea"/>
                 <a:cs typeface="+mn-cs"/>
               </a:rPr>
-              <a:t>SLT, SGT, SEQ, SNE</a:t>
+              <a:t>SLT, SGT, SLTU, SGTU, SEQ, SNE</a:t>
             </a:r>
           </a:p>
         </p:txBody>
@@ -9959,7 +8946,7 @@
         </p:nvSpPr>
         <p:spPr>
           <a:xfrm>
-            <a:off x="4827868" y="3575787"/>
+            <a:off x="4912287" y="5604270"/>
             <a:ext cx="220338" cy="297455"/>
           </a:xfrm>
           <a:prstGeom prst="rect">
@@ -10040,7 +9027,7 @@
         </p:nvSpPr>
         <p:spPr>
           <a:xfrm>
-            <a:off x="5048206" y="3575786"/>
+            <a:off x="5132625" y="5604269"/>
             <a:ext cx="1090670" cy="297455"/>
           </a:xfrm>
           <a:prstGeom prst="rect">
@@ -10138,7 +9125,7 @@
         </p:nvSpPr>
         <p:spPr>
           <a:xfrm>
-            <a:off x="878312" y="3575783"/>
+            <a:off x="643716" y="5598959"/>
             <a:ext cx="652705" cy="297455"/>
           </a:xfrm>
           <a:prstGeom prst="rect">
@@ -10236,8 +9223,8 @@
         </p:nvSpPr>
         <p:spPr>
           <a:xfrm>
-            <a:off x="1534393" y="3575783"/>
-            <a:ext cx="659197" cy="297455"/>
+            <a:off x="1296422" y="5604266"/>
+            <a:ext cx="981588" cy="297455"/>
           </a:xfrm>
           <a:prstGeom prst="rect">
             <a:avLst/>
@@ -10287,7 +9274,7 @@
               <a:defRPr/>
             </a:pPr>
             <a:r>
-              <a:rPr kumimoji="0" lang="en-CA" sz="1200" b="0" i="0" u="none" strike="noStrike" kern="1200" cap="none" spc="0" normalizeH="0" baseline="-25000" noProof="0" dirty="0">
+              <a:rPr kumimoji="0" lang="en-CA" sz="1200" b="0" i="0" u="none" strike="noStrike" kern="1200" cap="none" spc="0" normalizeH="0" noProof="0" dirty="0">
                 <a:ln>
                   <a:noFill/>
                 </a:ln>
@@ -10301,7 +9288,24 @@
                 <a:ea typeface="+mn-ea"/>
                 <a:cs typeface="+mn-cs"/>
               </a:rPr>
-              <a:t>~6</a:t>
+              <a:t>~</a:t>
+            </a:r>
+            <a:r>
+              <a:rPr kumimoji="0" lang="en-CA" sz="1200" b="0" i="0" u="none" strike="noStrike" kern="1200" cap="none" spc="0" normalizeH="0" baseline="-25000" noProof="0" dirty="0">
+                <a:ln>
+                  <a:noFill/>
+                </a:ln>
+                <a:solidFill>
+                  <a:prstClr val="black"/>
+                </a:solidFill>
+                <a:effectLst/>
+                <a:uLnTx/>
+                <a:uFillTx/>
+                <a:latin typeface="Calibri" panose="020F0502020204030204"/>
+                <a:ea typeface="+mn-ea"/>
+                <a:cs typeface="+mn-cs"/>
+              </a:rPr>
+              <a:t>10</a:t>
             </a:r>
           </a:p>
         </p:txBody>
@@ -10320,7 +9324,7 @@
         </p:nvSpPr>
         <p:spPr>
           <a:xfrm>
-            <a:off x="4167148" y="3575783"/>
+            <a:off x="4251567" y="5604266"/>
             <a:ext cx="657345" cy="297453"/>
           </a:xfrm>
           <a:prstGeom prst="rect">
@@ -10399,7 +9403,7 @@
                 <a:ea typeface="+mn-ea"/>
                 <a:cs typeface="+mn-cs"/>
               </a:rPr>
-              <a:t>5</a:t>
+              <a:t>6</a:t>
             </a:r>
           </a:p>
         </p:txBody>
@@ -10418,7 +9422,7 @@
         </p:nvSpPr>
         <p:spPr>
           <a:xfrm>
-            <a:off x="3506428" y="3575783"/>
+            <a:off x="3590847" y="5604266"/>
             <a:ext cx="657345" cy="297455"/>
           </a:xfrm>
           <a:prstGeom prst="rect">
@@ -10497,7 +9501,7 @@
                 <a:ea typeface="+mn-ea"/>
                 <a:cs typeface="+mn-cs"/>
               </a:rPr>
-              <a:t>5</a:t>
+              <a:t>6</a:t>
             </a:r>
           </a:p>
         </p:txBody>
@@ -10516,7 +9520,7 @@
         </p:nvSpPr>
         <p:spPr>
           <a:xfrm>
-            <a:off x="2842333" y="3575783"/>
+            <a:off x="2926752" y="5604266"/>
             <a:ext cx="657345" cy="297455"/>
           </a:xfrm>
           <a:prstGeom prst="rect">
@@ -10595,7 +9599,7 @@
                 <a:ea typeface="+mn-ea"/>
                 <a:cs typeface="+mn-cs"/>
               </a:rPr>
-              <a:t>5</a:t>
+              <a:t>6</a:t>
             </a:r>
           </a:p>
         </p:txBody>
@@ -10614,7 +9618,7 @@
         </p:nvSpPr>
         <p:spPr>
           <a:xfrm>
-            <a:off x="2188363" y="3575783"/>
+            <a:off x="2272782" y="5604266"/>
             <a:ext cx="657345" cy="297455"/>
           </a:xfrm>
           <a:prstGeom prst="rect">
@@ -10693,7 +9697,750 @@
                 <a:ea typeface="+mn-ea"/>
                 <a:cs typeface="+mn-cs"/>
               </a:rPr>
-              <a:t>5</a:t>
+              <a:t>6</a:t>
+            </a:r>
+          </a:p>
+        </p:txBody>
+      </p:sp>
+      <p:sp>
+        <p:nvSpPr>
+          <p:cNvPr id="30" name="Rectangle 29">
+            <a:extLst>
+              <a:ext uri="{FF2B5EF4-FFF2-40B4-BE49-F238E27FC236}">
+                <a16:creationId xmlns:a16="http://schemas.microsoft.com/office/drawing/2014/main" id="{57C77997-2BF4-444E-B079-7ADF85EA3F0C}"/>
+              </a:ext>
+            </a:extLst>
+          </p:cNvPr>
+          <p:cNvSpPr/>
+          <p:nvPr/>
+        </p:nvSpPr>
+        <p:spPr>
+          <a:xfrm>
+            <a:off x="1687826" y="1498472"/>
+            <a:ext cx="1673343" cy="297455"/>
+          </a:xfrm>
+          <a:prstGeom prst="rect">
+            <a:avLst/>
+          </a:prstGeom>
+          <a:solidFill>
+            <a:schemeClr val="bg2">
+              <a:lumMod val="90000"/>
+            </a:schemeClr>
+          </a:solidFill>
+        </p:spPr>
+        <p:style>
+          <a:lnRef idx="2">
+            <a:schemeClr val="accent1">
+              <a:shade val="50000"/>
+            </a:schemeClr>
+          </a:lnRef>
+          <a:fillRef idx="1">
+            <a:schemeClr val="accent1"/>
+          </a:fillRef>
+          <a:effectRef idx="0">
+            <a:schemeClr val="accent1"/>
+          </a:effectRef>
+          <a:fontRef idx="minor">
+            <a:schemeClr val="lt1"/>
+          </a:fontRef>
+        </p:style>
+        <p:txBody>
+          <a:bodyPr rtlCol="0" anchor="ctr"/>
+          <a:lstStyle/>
+          <a:p>
+            <a:pPr marL="0" marR="0" lvl="0" indent="0" algn="ctr" defTabSz="914400" rtl="0" eaLnBrk="1" fontAlgn="auto" latinLnBrk="0" hangingPunct="1">
+              <a:lnSpc>
+                <a:spcPct val="100000"/>
+              </a:lnSpc>
+              <a:spcBef>
+                <a:spcPts val="0"/>
+              </a:spcBef>
+              <a:spcAft>
+                <a:spcPts val="0"/>
+              </a:spcAft>
+              <a:buClrTx/>
+              <a:buSzTx/>
+              <a:buFontTx/>
+              <a:buNone/>
+              <a:tabLst/>
+              <a:defRPr/>
+            </a:pPr>
+            <a:r>
+              <a:rPr kumimoji="0" lang="en-CA" sz="1200" b="0" i="0" u="none" strike="noStrike" kern="1200" cap="none" spc="0" normalizeH="0" baseline="0" noProof="0" dirty="0">
+                <a:ln>
+                  <a:noFill/>
+                </a:ln>
+                <a:solidFill>
+                  <a:prstClr val="black"/>
+                </a:solidFill>
+                <a:effectLst/>
+                <a:uLnTx/>
+                <a:uFillTx/>
+                <a:latin typeface="Calibri" panose="020F0502020204030204"/>
+                <a:ea typeface="+mn-ea"/>
+                <a:cs typeface="+mn-cs"/>
+              </a:rPr>
+              <a:t>Pad</a:t>
+            </a:r>
+            <a:r>
+              <a:rPr kumimoji="0" lang="en-CA" sz="1200" b="0" i="0" u="none" strike="noStrike" kern="1200" cap="none" spc="0" normalizeH="0" baseline="-25000" noProof="0" dirty="0">
+                <a:ln>
+                  <a:noFill/>
+                </a:ln>
+                <a:solidFill>
+                  <a:prstClr val="black"/>
+                </a:solidFill>
+                <a:effectLst/>
+                <a:uLnTx/>
+                <a:uFillTx/>
+                <a:latin typeface="Calibri" panose="020F0502020204030204"/>
+                <a:ea typeface="+mn-ea"/>
+                <a:cs typeface="+mn-cs"/>
+              </a:rPr>
+              <a:t>16</a:t>
+            </a:r>
+          </a:p>
+        </p:txBody>
+      </p:sp>
+      <p:sp>
+        <p:nvSpPr>
+          <p:cNvPr id="31" name="TextBox 30">
+            <a:extLst>
+              <a:ext uri="{FF2B5EF4-FFF2-40B4-BE49-F238E27FC236}">
+                <a16:creationId xmlns:a16="http://schemas.microsoft.com/office/drawing/2014/main" id="{4C48145D-FFF3-4F09-8878-5E723EF37744}"/>
+              </a:ext>
+            </a:extLst>
+          </p:cNvPr>
+          <p:cNvSpPr txBox="1"/>
+          <p:nvPr/>
+        </p:nvSpPr>
+        <p:spPr>
+          <a:xfrm>
+            <a:off x="1628760" y="1242039"/>
+            <a:ext cx="341760" cy="276999"/>
+          </a:xfrm>
+          <a:prstGeom prst="rect">
+            <a:avLst/>
+          </a:prstGeom>
+          <a:noFill/>
+        </p:spPr>
+        <p:txBody>
+          <a:bodyPr wrap="none" rtlCol="0">
+            <a:spAutoFit/>
+          </a:bodyPr>
+          <a:lstStyle/>
+          <a:p>
+            <a:pPr marL="0" marR="0" lvl="0" indent="0" algn="l" defTabSz="914400" rtl="0" eaLnBrk="1" fontAlgn="auto" latinLnBrk="0" hangingPunct="1">
+              <a:lnSpc>
+                <a:spcPct val="100000"/>
+              </a:lnSpc>
+              <a:spcBef>
+                <a:spcPts val="0"/>
+              </a:spcBef>
+              <a:spcAft>
+                <a:spcPts val="0"/>
+              </a:spcAft>
+              <a:buClrTx/>
+              <a:buSzTx/>
+              <a:buFontTx/>
+              <a:buNone/>
+              <a:tabLst/>
+              <a:defRPr/>
+            </a:pPr>
+            <a:r>
+              <a:rPr kumimoji="0" lang="en-CA" sz="1200" b="0" i="0" u="none" strike="noStrike" kern="1200" cap="none" spc="0" normalizeH="0" baseline="0" noProof="0" dirty="0">
+                <a:ln>
+                  <a:noFill/>
+                </a:ln>
+                <a:solidFill>
+                  <a:prstClr val="black"/>
+                </a:solidFill>
+                <a:effectLst/>
+                <a:uLnTx/>
+                <a:uFillTx/>
+                <a:latin typeface="Calibri" panose="020F0502020204030204"/>
+                <a:ea typeface="+mn-ea"/>
+                <a:cs typeface="+mn-cs"/>
+              </a:rPr>
+              <a:t>63</a:t>
+            </a:r>
+          </a:p>
+        </p:txBody>
+      </p:sp>
+      <p:sp>
+        <p:nvSpPr>
+          <p:cNvPr id="20" name="TextBox 19">
+            <a:extLst>
+              <a:ext uri="{FF2B5EF4-FFF2-40B4-BE49-F238E27FC236}">
+                <a16:creationId xmlns:a16="http://schemas.microsoft.com/office/drawing/2014/main" id="{3F22D6D6-2B7A-4115-B4B2-9359C869E6B8}"/>
+              </a:ext>
+            </a:extLst>
+          </p:cNvPr>
+          <p:cNvSpPr txBox="1"/>
+          <p:nvPr/>
+        </p:nvSpPr>
+        <p:spPr>
+          <a:xfrm>
+            <a:off x="1671844" y="2369464"/>
+            <a:ext cx="8181920" cy="369332"/>
+          </a:xfrm>
+          <a:prstGeom prst="rect">
+            <a:avLst/>
+          </a:prstGeom>
+          <a:noFill/>
+        </p:spPr>
+        <p:txBody>
+          <a:bodyPr wrap="none" rtlCol="0">
+            <a:spAutoFit/>
+          </a:bodyPr>
+          <a:lstStyle/>
+          <a:p>
+            <a:r>
+              <a:rPr lang="en-CA" dirty="0"/>
+              <a:t>The pad area is not implemented in the instruction cache, but exists in main memory.</a:t>
+            </a:r>
+          </a:p>
+        </p:txBody>
+      </p:sp>
+      <p:sp>
+        <p:nvSpPr>
+          <p:cNvPr id="32" name="Rectangle 31">
+            <a:extLst>
+              <a:ext uri="{FF2B5EF4-FFF2-40B4-BE49-F238E27FC236}">
+                <a16:creationId xmlns:a16="http://schemas.microsoft.com/office/drawing/2014/main" id="{9E9B7B26-CDF5-4DB5-9995-4C04F453917F}"/>
+              </a:ext>
+            </a:extLst>
+          </p:cNvPr>
+          <p:cNvSpPr/>
+          <p:nvPr/>
+        </p:nvSpPr>
+        <p:spPr>
+          <a:xfrm>
+            <a:off x="4916597" y="4470903"/>
+            <a:ext cx="220338" cy="297455"/>
+          </a:xfrm>
+          <a:prstGeom prst="rect">
+            <a:avLst/>
+          </a:prstGeom>
+          <a:solidFill>
+            <a:srgbClr val="FFFF66"/>
+          </a:solidFill>
+        </p:spPr>
+        <p:style>
+          <a:lnRef idx="2">
+            <a:schemeClr val="accent1">
+              <a:shade val="50000"/>
+            </a:schemeClr>
+          </a:lnRef>
+          <a:fillRef idx="1">
+            <a:schemeClr val="accent1"/>
+          </a:fillRef>
+          <a:effectRef idx="0">
+            <a:schemeClr val="accent1"/>
+          </a:effectRef>
+          <a:fontRef idx="minor">
+            <a:schemeClr val="lt1"/>
+          </a:fontRef>
+        </p:style>
+        <p:txBody>
+          <a:bodyPr rtlCol="0" anchor="ctr"/>
+          <a:lstStyle/>
+          <a:p>
+            <a:pPr marL="0" marR="0" lvl="0" indent="0" algn="ctr" defTabSz="914400" rtl="0" eaLnBrk="1" fontAlgn="auto" latinLnBrk="0" hangingPunct="1">
+              <a:lnSpc>
+                <a:spcPct val="100000"/>
+              </a:lnSpc>
+              <a:spcBef>
+                <a:spcPts val="0"/>
+              </a:spcBef>
+              <a:spcAft>
+                <a:spcPts val="0"/>
+              </a:spcAft>
+              <a:buClrTx/>
+              <a:buSzTx/>
+              <a:buFontTx/>
+              <a:buNone/>
+              <a:tabLst/>
+              <a:defRPr/>
+            </a:pPr>
+            <a:r>
+              <a:rPr kumimoji="0" lang="en-CA" sz="1200" b="0" i="0" u="none" strike="noStrike" kern="1200" cap="none" spc="0" normalizeH="0" baseline="0" noProof="0" dirty="0">
+                <a:ln>
+                  <a:noFill/>
+                </a:ln>
+                <a:solidFill>
+                  <a:prstClr val="black"/>
+                </a:solidFill>
+                <a:effectLst/>
+                <a:uLnTx/>
+                <a:uFillTx/>
+                <a:latin typeface="Calibri" panose="020F0502020204030204"/>
+                <a:ea typeface="+mn-ea"/>
+                <a:cs typeface="+mn-cs"/>
+              </a:rPr>
+              <a:t>0</a:t>
+            </a:r>
+          </a:p>
+        </p:txBody>
+      </p:sp>
+      <p:sp>
+        <p:nvSpPr>
+          <p:cNvPr id="33" name="Rectangle 32">
+            <a:extLst>
+              <a:ext uri="{FF2B5EF4-FFF2-40B4-BE49-F238E27FC236}">
+                <a16:creationId xmlns:a16="http://schemas.microsoft.com/office/drawing/2014/main" id="{FED6DED1-7234-4A11-B35E-4BC4C62C575B}"/>
+              </a:ext>
+            </a:extLst>
+          </p:cNvPr>
+          <p:cNvSpPr/>
+          <p:nvPr/>
+        </p:nvSpPr>
+        <p:spPr>
+          <a:xfrm>
+            <a:off x="5136935" y="4470902"/>
+            <a:ext cx="1094352" cy="297455"/>
+          </a:xfrm>
+          <a:prstGeom prst="rect">
+            <a:avLst/>
+          </a:prstGeom>
+          <a:solidFill>
+            <a:srgbClr val="FFFF66"/>
+          </a:solidFill>
+        </p:spPr>
+        <p:style>
+          <a:lnRef idx="2">
+            <a:schemeClr val="accent1">
+              <a:shade val="50000"/>
+            </a:schemeClr>
+          </a:lnRef>
+          <a:fillRef idx="1">
+            <a:schemeClr val="accent1"/>
+          </a:fillRef>
+          <a:effectRef idx="0">
+            <a:schemeClr val="accent1"/>
+          </a:effectRef>
+          <a:fontRef idx="minor">
+            <a:schemeClr val="lt1"/>
+          </a:fontRef>
+        </p:style>
+        <p:txBody>
+          <a:bodyPr rtlCol="0" anchor="ctr"/>
+          <a:lstStyle/>
+          <a:p>
+            <a:pPr marL="0" marR="0" lvl="0" indent="0" algn="ctr" defTabSz="914400" rtl="0" eaLnBrk="1" fontAlgn="auto" latinLnBrk="0" hangingPunct="1">
+              <a:lnSpc>
+                <a:spcPct val="100000"/>
+              </a:lnSpc>
+              <a:spcBef>
+                <a:spcPts val="0"/>
+              </a:spcBef>
+              <a:spcAft>
+                <a:spcPts val="0"/>
+              </a:spcAft>
+              <a:buClrTx/>
+              <a:buSzTx/>
+              <a:buFontTx/>
+              <a:buNone/>
+              <a:tabLst/>
+              <a:defRPr/>
+            </a:pPr>
+            <a:r>
+              <a:rPr kumimoji="0" lang="en-CA" sz="1200" b="0" i="0" u="none" strike="noStrike" kern="1200" cap="none" spc="0" normalizeH="0" baseline="0" noProof="0" dirty="0">
+                <a:ln>
+                  <a:noFill/>
+                </a:ln>
+                <a:solidFill>
+                  <a:prstClr val="black"/>
+                </a:solidFill>
+                <a:effectLst/>
+                <a:uLnTx/>
+                <a:uFillTx/>
+                <a:latin typeface="Calibri" panose="020F0502020204030204"/>
+                <a:ea typeface="+mn-ea"/>
+                <a:cs typeface="+mn-cs"/>
+              </a:rPr>
+              <a:t>Opcode</a:t>
+            </a:r>
+            <a:r>
+              <a:rPr kumimoji="0" lang="en-CA" sz="1200" b="0" i="0" u="none" strike="noStrike" kern="1200" cap="none" spc="0" normalizeH="0" baseline="-25000" noProof="0" dirty="0">
+                <a:ln>
+                  <a:noFill/>
+                </a:ln>
+                <a:solidFill>
+                  <a:prstClr val="black"/>
+                </a:solidFill>
+                <a:effectLst/>
+                <a:uLnTx/>
+                <a:uFillTx/>
+                <a:latin typeface="Calibri" panose="020F0502020204030204"/>
+                <a:ea typeface="+mn-ea"/>
+                <a:cs typeface="+mn-cs"/>
+              </a:rPr>
+              <a:t>7</a:t>
+            </a:r>
+          </a:p>
+        </p:txBody>
+      </p:sp>
+      <p:sp>
+        <p:nvSpPr>
+          <p:cNvPr id="34" name="Rectangle 33">
+            <a:extLst>
+              <a:ext uri="{FF2B5EF4-FFF2-40B4-BE49-F238E27FC236}">
+                <a16:creationId xmlns:a16="http://schemas.microsoft.com/office/drawing/2014/main" id="{F9789E10-32DB-4520-A038-65584119C305}"/>
+              </a:ext>
+            </a:extLst>
+          </p:cNvPr>
+          <p:cNvSpPr/>
+          <p:nvPr/>
+        </p:nvSpPr>
+        <p:spPr>
+          <a:xfrm>
+            <a:off x="4547070" y="4470902"/>
+            <a:ext cx="369528" cy="297453"/>
+          </a:xfrm>
+          <a:prstGeom prst="rect">
+            <a:avLst/>
+          </a:prstGeom>
+          <a:solidFill>
+            <a:srgbClr val="FFCC66"/>
+          </a:solidFill>
+        </p:spPr>
+        <p:style>
+          <a:lnRef idx="2">
+            <a:schemeClr val="accent1">
+              <a:shade val="50000"/>
+            </a:schemeClr>
+          </a:lnRef>
+          <a:fillRef idx="1">
+            <a:schemeClr val="accent1"/>
+          </a:fillRef>
+          <a:effectRef idx="0">
+            <a:schemeClr val="accent1"/>
+          </a:effectRef>
+          <a:fontRef idx="minor">
+            <a:schemeClr val="lt1"/>
+          </a:fontRef>
+        </p:style>
+        <p:txBody>
+          <a:bodyPr rtlCol="0" anchor="ctr"/>
+          <a:lstStyle/>
+          <a:p>
+            <a:pPr marL="0" marR="0" lvl="0" indent="0" algn="ctr" defTabSz="914400" rtl="0" eaLnBrk="1" fontAlgn="auto" latinLnBrk="0" hangingPunct="1">
+              <a:lnSpc>
+                <a:spcPct val="100000"/>
+              </a:lnSpc>
+              <a:spcBef>
+                <a:spcPts val="0"/>
+              </a:spcBef>
+              <a:spcAft>
+                <a:spcPts val="0"/>
+              </a:spcAft>
+              <a:buClrTx/>
+              <a:buSzTx/>
+              <a:buFontTx/>
+              <a:buNone/>
+              <a:tabLst/>
+              <a:defRPr/>
+            </a:pPr>
+            <a:r>
+              <a:rPr kumimoji="0" lang="en-CA" sz="1200" b="0" i="0" u="none" strike="noStrike" kern="1200" cap="none" spc="0" normalizeH="0" baseline="0" noProof="0" dirty="0">
+                <a:ln>
+                  <a:noFill/>
+                </a:ln>
+                <a:solidFill>
+                  <a:prstClr val="black"/>
+                </a:solidFill>
+                <a:effectLst/>
+                <a:uLnTx/>
+                <a:uFillTx/>
+                <a:latin typeface="Calibri" panose="020F0502020204030204"/>
+                <a:ea typeface="+mn-ea"/>
+                <a:cs typeface="+mn-cs"/>
+              </a:rPr>
+              <a:t>Rt</a:t>
+            </a:r>
+            <a:r>
+              <a:rPr kumimoji="0" lang="en-CA" sz="1200" b="0" i="0" u="none" strike="noStrike" kern="1200" cap="none" spc="0" normalizeH="0" baseline="-25000" noProof="0" dirty="0">
+                <a:ln>
+                  <a:noFill/>
+                </a:ln>
+                <a:solidFill>
+                  <a:prstClr val="black"/>
+                </a:solidFill>
+                <a:effectLst/>
+                <a:uLnTx/>
+                <a:uFillTx/>
+                <a:latin typeface="Calibri" panose="020F0502020204030204"/>
+                <a:ea typeface="+mn-ea"/>
+                <a:cs typeface="+mn-cs"/>
+              </a:rPr>
+              <a:t>4</a:t>
+            </a:r>
+          </a:p>
+        </p:txBody>
+      </p:sp>
+      <p:sp>
+        <p:nvSpPr>
+          <p:cNvPr id="36" name="Rectangle 35">
+            <a:extLst>
+              <a:ext uri="{FF2B5EF4-FFF2-40B4-BE49-F238E27FC236}">
+                <a16:creationId xmlns:a16="http://schemas.microsoft.com/office/drawing/2014/main" id="{F308CABE-91C6-4F16-AACD-D5FD84280C11}"/>
+              </a:ext>
+            </a:extLst>
+          </p:cNvPr>
+          <p:cNvSpPr/>
+          <p:nvPr/>
+        </p:nvSpPr>
+        <p:spPr>
+          <a:xfrm>
+            <a:off x="643717" y="4470900"/>
+            <a:ext cx="3903352" cy="297455"/>
+          </a:xfrm>
+          <a:prstGeom prst="rect">
+            <a:avLst/>
+          </a:prstGeom>
+          <a:solidFill>
+            <a:schemeClr val="tx2">
+              <a:lumMod val="20000"/>
+              <a:lumOff val="80000"/>
+            </a:schemeClr>
+          </a:solidFill>
+        </p:spPr>
+        <p:style>
+          <a:lnRef idx="2">
+            <a:schemeClr val="accent1">
+              <a:shade val="50000"/>
+            </a:schemeClr>
+          </a:lnRef>
+          <a:fillRef idx="1">
+            <a:schemeClr val="accent1"/>
+          </a:fillRef>
+          <a:effectRef idx="0">
+            <a:schemeClr val="accent1"/>
+          </a:effectRef>
+          <a:fontRef idx="minor">
+            <a:schemeClr val="lt1"/>
+          </a:fontRef>
+        </p:style>
+        <p:txBody>
+          <a:bodyPr rtlCol="0" anchor="ctr"/>
+          <a:lstStyle/>
+          <a:p>
+            <a:pPr marL="0" marR="0" lvl="0" indent="0" algn="ctr" defTabSz="914400" rtl="0" eaLnBrk="1" fontAlgn="auto" latinLnBrk="0" hangingPunct="1">
+              <a:lnSpc>
+                <a:spcPct val="100000"/>
+              </a:lnSpc>
+              <a:spcBef>
+                <a:spcPts val="0"/>
+              </a:spcBef>
+              <a:spcAft>
+                <a:spcPts val="0"/>
+              </a:spcAft>
+              <a:buClrTx/>
+              <a:buSzTx/>
+              <a:buFontTx/>
+              <a:buNone/>
+              <a:tabLst/>
+              <a:defRPr/>
+            </a:pPr>
+            <a:r>
+              <a:rPr kumimoji="0" lang="en-CA" sz="1200" b="0" i="0" u="none" strike="noStrike" kern="1200" cap="none" spc="0" normalizeH="0" baseline="0" noProof="0" dirty="0">
+                <a:ln>
+                  <a:noFill/>
+                </a:ln>
+                <a:solidFill>
+                  <a:prstClr val="black"/>
+                </a:solidFill>
+                <a:effectLst/>
+                <a:uLnTx/>
+                <a:uFillTx/>
+                <a:latin typeface="Calibri" panose="020F0502020204030204"/>
+                <a:ea typeface="+mn-ea"/>
+                <a:cs typeface="+mn-cs"/>
+              </a:rPr>
+              <a:t>Constant</a:t>
+            </a:r>
+            <a:r>
+              <a:rPr kumimoji="0" lang="en-CA" sz="1200" b="0" i="0" u="none" strike="noStrike" kern="1200" cap="none" spc="0" normalizeH="0" baseline="-25000" noProof="0" dirty="0">
+                <a:ln>
+                  <a:noFill/>
+                </a:ln>
+                <a:solidFill>
+                  <a:prstClr val="black"/>
+                </a:solidFill>
+                <a:effectLst/>
+                <a:uLnTx/>
+                <a:uFillTx/>
+                <a:latin typeface="Calibri" panose="020F0502020204030204"/>
+                <a:ea typeface="+mn-ea"/>
+                <a:cs typeface="+mn-cs"/>
+              </a:rPr>
+              <a:t>36</a:t>
+            </a:r>
+          </a:p>
+        </p:txBody>
+      </p:sp>
+      <p:sp>
+        <p:nvSpPr>
+          <p:cNvPr id="21" name="TextBox 20">
+            <a:extLst>
+              <a:ext uri="{FF2B5EF4-FFF2-40B4-BE49-F238E27FC236}">
+                <a16:creationId xmlns:a16="http://schemas.microsoft.com/office/drawing/2014/main" id="{3EE480B7-570E-4C3B-B313-F113F48CD4CB}"/>
+              </a:ext>
+            </a:extLst>
+          </p:cNvPr>
+          <p:cNvSpPr txBox="1"/>
+          <p:nvPr/>
+        </p:nvSpPr>
+        <p:spPr>
+          <a:xfrm>
+            <a:off x="6309225" y="4434960"/>
+            <a:ext cx="2432269" cy="369332"/>
+          </a:xfrm>
+          <a:prstGeom prst="rect">
+            <a:avLst/>
+          </a:prstGeom>
+          <a:noFill/>
+        </p:spPr>
+        <p:txBody>
+          <a:bodyPr wrap="none" rtlCol="0">
+            <a:spAutoFit/>
+          </a:bodyPr>
+          <a:lstStyle/>
+          <a:p>
+            <a:r>
+              <a:rPr lang="en-CA" dirty="0"/>
+              <a:t>ADDS, ANDS, ORS, APCS</a:t>
+            </a:r>
+          </a:p>
+        </p:txBody>
+      </p:sp>
+      <p:sp>
+        <p:nvSpPr>
+          <p:cNvPr id="37" name="TextBox 36">
+            <a:extLst>
+              <a:ext uri="{FF2B5EF4-FFF2-40B4-BE49-F238E27FC236}">
+                <a16:creationId xmlns:a16="http://schemas.microsoft.com/office/drawing/2014/main" id="{0B5F2263-EEBF-4283-9F9C-472564AC5D09}"/>
+              </a:ext>
+            </a:extLst>
+          </p:cNvPr>
+          <p:cNvSpPr txBox="1"/>
+          <p:nvPr/>
+        </p:nvSpPr>
+        <p:spPr>
+          <a:xfrm>
+            <a:off x="579795" y="3786292"/>
+            <a:ext cx="341760" cy="276999"/>
+          </a:xfrm>
+          <a:prstGeom prst="rect">
+            <a:avLst/>
+          </a:prstGeom>
+          <a:noFill/>
+        </p:spPr>
+        <p:txBody>
+          <a:bodyPr wrap="none" rtlCol="0">
+            <a:spAutoFit/>
+          </a:bodyPr>
+          <a:lstStyle/>
+          <a:p>
+            <a:pPr marL="0" marR="0" lvl="0" indent="0" algn="l" defTabSz="914400" rtl="0" eaLnBrk="1" fontAlgn="auto" latinLnBrk="0" hangingPunct="1">
+              <a:lnSpc>
+                <a:spcPct val="100000"/>
+              </a:lnSpc>
+              <a:spcBef>
+                <a:spcPts val="0"/>
+              </a:spcBef>
+              <a:spcAft>
+                <a:spcPts val="0"/>
+              </a:spcAft>
+              <a:buClrTx/>
+              <a:buSzTx/>
+              <a:buFontTx/>
+              <a:buNone/>
+              <a:tabLst/>
+              <a:defRPr/>
+            </a:pPr>
+            <a:r>
+              <a:rPr kumimoji="0" lang="en-CA" sz="1200" b="0" i="0" u="none" strike="noStrike" kern="1200" cap="none" spc="0" normalizeH="0" baseline="0" noProof="0" dirty="0">
+                <a:ln>
+                  <a:noFill/>
+                </a:ln>
+                <a:solidFill>
+                  <a:prstClr val="black"/>
+                </a:solidFill>
+                <a:effectLst/>
+                <a:uLnTx/>
+                <a:uFillTx/>
+                <a:latin typeface="Calibri" panose="020F0502020204030204"/>
+                <a:ea typeface="+mn-ea"/>
+                <a:cs typeface="+mn-cs"/>
+              </a:rPr>
+              <a:t>47</a:t>
+            </a:r>
+          </a:p>
+        </p:txBody>
+      </p:sp>
+      <p:sp>
+        <p:nvSpPr>
+          <p:cNvPr id="38" name="TextBox 37">
+            <a:extLst>
+              <a:ext uri="{FF2B5EF4-FFF2-40B4-BE49-F238E27FC236}">
+                <a16:creationId xmlns:a16="http://schemas.microsoft.com/office/drawing/2014/main" id="{7711BDE1-2D2C-4133-A02F-23C66E3CD1ED}"/>
+              </a:ext>
+            </a:extLst>
+          </p:cNvPr>
+          <p:cNvSpPr txBox="1"/>
+          <p:nvPr/>
+        </p:nvSpPr>
+        <p:spPr>
+          <a:xfrm>
+            <a:off x="6046011" y="3796497"/>
+            <a:ext cx="263214" cy="276999"/>
+          </a:xfrm>
+          <a:prstGeom prst="rect">
+            <a:avLst/>
+          </a:prstGeom>
+          <a:noFill/>
+        </p:spPr>
+        <p:txBody>
+          <a:bodyPr wrap="none" rtlCol="0">
+            <a:spAutoFit/>
+          </a:bodyPr>
+          <a:lstStyle/>
+          <a:p>
+            <a:pPr marL="0" marR="0" lvl="0" indent="0" algn="l" defTabSz="914400" rtl="0" eaLnBrk="1" fontAlgn="auto" latinLnBrk="0" hangingPunct="1">
+              <a:lnSpc>
+                <a:spcPct val="100000"/>
+              </a:lnSpc>
+              <a:spcBef>
+                <a:spcPts val="0"/>
+              </a:spcBef>
+              <a:spcAft>
+                <a:spcPts val="0"/>
+              </a:spcAft>
+              <a:buClrTx/>
+              <a:buSzTx/>
+              <a:buFontTx/>
+              <a:buNone/>
+              <a:tabLst/>
+              <a:defRPr/>
+            </a:pPr>
+            <a:r>
+              <a:rPr kumimoji="0" lang="en-CA" sz="1200" b="0" i="0" u="none" strike="noStrike" kern="1200" cap="none" spc="0" normalizeH="0" baseline="0" noProof="0" dirty="0">
+                <a:ln>
+                  <a:noFill/>
+                </a:ln>
+                <a:solidFill>
+                  <a:prstClr val="black"/>
+                </a:solidFill>
+                <a:effectLst/>
+                <a:uLnTx/>
+                <a:uFillTx/>
+                <a:latin typeface="Calibri" panose="020F0502020204030204"/>
+                <a:ea typeface="+mn-ea"/>
+                <a:cs typeface="+mn-cs"/>
+              </a:rPr>
+              <a:t>0</a:t>
             </a:r>
           </a:p>
         </p:txBody>
@@ -10940,7 +10687,7 @@
                   <a:schemeClr val="tx1"/>
                 </a:solidFill>
               </a:rPr>
-              <a:t>5</a:t>
+              <a:t>6</a:t>
             </a:r>
           </a:p>
         </p:txBody>
@@ -11004,7 +10751,7 @@
                   <a:schemeClr val="tx1"/>
                 </a:solidFill>
               </a:rPr>
-              <a:t>5</a:t>
+              <a:t>6</a:t>
             </a:r>
           </a:p>
         </p:txBody>
@@ -11068,7 +10815,7 @@
                   <a:schemeClr val="tx1"/>
                 </a:solidFill>
               </a:rPr>
-              <a:t>5</a:t>
+              <a:t>6</a:t>
             </a:r>
           </a:p>
         </p:txBody>
@@ -11132,7 +10879,7 @@
                   <a:schemeClr val="tx1"/>
                 </a:solidFill>
               </a:rPr>
-              <a:t>5</a:t>
+              <a:t>6</a:t>
             </a:r>
           </a:p>
         </p:txBody>
@@ -11196,7 +10943,7 @@
                   <a:schemeClr val="tx1"/>
                 </a:solidFill>
               </a:rPr>
-              <a:t>3</a:t>
+              <a:t>4</a:t>
             </a:r>
           </a:p>
         </p:txBody>
@@ -11599,7 +11346,7 @@
                   <a:schemeClr val="tx1"/>
                 </a:solidFill>
               </a:rPr>
-              <a:t>5</a:t>
+              <a:t>6</a:t>
             </a:r>
           </a:p>
         </p:txBody>
@@ -11663,7 +11410,7 @@
                   <a:schemeClr val="tx1"/>
                 </a:solidFill>
               </a:rPr>
-              <a:t>5</a:t>
+              <a:t>6</a:t>
             </a:r>
           </a:p>
         </p:txBody>
@@ -11727,7 +11474,7 @@
                   <a:schemeClr val="tx1"/>
                 </a:solidFill>
               </a:rPr>
-              <a:t>5</a:t>
+              <a:t>6</a:t>
             </a:r>
           </a:p>
         </p:txBody>
@@ -11791,7 +11538,7 @@
                   <a:schemeClr val="tx1"/>
                 </a:solidFill>
               </a:rPr>
-              <a:t>5</a:t>
+              <a:t>6</a:t>
             </a:r>
           </a:p>
         </p:txBody>
@@ -11855,7 +11602,7 @@
                   <a:schemeClr val="tx1"/>
                 </a:solidFill>
               </a:rPr>
-              <a:t>3</a:t>
+              <a:t>4</a:t>
             </a:r>
           </a:p>
         </p:txBody>
@@ -13691,6 +13438,10 @@
               <a:rPr lang="en-CA" baseline="-25000" dirty="0"/>
               <a:t>2</a:t>
             </a:r>
+            <a:r>
+              <a:rPr lang="en-CA" dirty="0"/>
+              <a:t> - Format</a:t>
+            </a:r>
           </a:p>
           <a:p>
             <a:r>
@@ -13932,7 +13683,7 @@
                   <a:schemeClr val="tx1"/>
                 </a:solidFill>
               </a:rPr>
-              <a:t>5</a:t>
+              <a:t>6</a:t>
             </a:r>
           </a:p>
         </p:txBody>
@@ -13996,7 +13747,7 @@
                   <a:schemeClr val="tx1"/>
                 </a:solidFill>
               </a:rPr>
-              <a:t>5</a:t>
+              <a:t>6</a:t>
             </a:r>
           </a:p>
         </p:txBody>
@@ -14060,7 +13811,7 @@
                   <a:schemeClr val="tx1"/>
                 </a:solidFill>
               </a:rPr>
-              <a:t>5</a:t>
+              <a:t>6</a:t>
             </a:r>
           </a:p>
         </p:txBody>
@@ -14124,7 +13875,7 @@
                   <a:schemeClr val="tx1"/>
                 </a:solidFill>
               </a:rPr>
-              <a:t>5</a:t>
+              <a:t>6</a:t>
             </a:r>
           </a:p>
         </p:txBody>
@@ -14436,7 +14187,7 @@
                   <a:schemeClr val="tx1"/>
                 </a:solidFill>
               </a:rPr>
-              <a:t>5</a:t>
+              <a:t>6</a:t>
             </a:r>
           </a:p>
         </p:txBody>
@@ -14685,7 +14436,7 @@
                   <a:schemeClr val="tx1"/>
                 </a:solidFill>
               </a:rPr>
-              <a:t>5</a:t>
+              <a:t>6</a:t>
             </a:r>
           </a:p>
         </p:txBody>
@@ -14741,7 +14492,7 @@
                   <a:schemeClr val="tx1"/>
                 </a:solidFill>
               </a:rPr>
-              <a:t>Aa</a:t>
+              <a:t>Ra</a:t>
             </a:r>
             <a:r>
               <a:rPr lang="en-CA" sz="1200" baseline="-25000" dirty="0">
@@ -14749,7 +14500,7 @@
                   <a:schemeClr val="tx1"/>
                 </a:solidFill>
               </a:rPr>
-              <a:t>5</a:t>
+              <a:t>6</a:t>
             </a:r>
           </a:p>
         </p:txBody>
@@ -14936,7 +14687,7 @@
                   <a:schemeClr val="tx1"/>
                 </a:solidFill>
               </a:rPr>
-              <a:t>10</a:t>
+              <a:t>12</a:t>
             </a:r>
           </a:p>
         </p:txBody>
@@ -14955,8 +14706,8 @@
         </p:nvSpPr>
         <p:spPr>
           <a:xfrm>
-            <a:off x="685264" y="1977181"/>
-            <a:ext cx="998807" cy="297455"/>
+            <a:off x="522592" y="1977181"/>
+            <a:ext cx="1161479" cy="297455"/>
           </a:xfrm>
           <a:prstGeom prst="rect">
             <a:avLst/>
@@ -15003,7 +14754,7 @@
                   <a:schemeClr val="tx1"/>
                 </a:solidFill>
               </a:rPr>
-              <a:t>8</a:t>
+              <a:t>12</a:t>
             </a:r>
           </a:p>
         </p:txBody>
@@ -15222,7 +14973,7 @@
                   <a:schemeClr val="tx1"/>
                 </a:solidFill>
               </a:rPr>
-              <a:t>5</a:t>
+              <a:t>6</a:t>
             </a:r>
           </a:p>
         </p:txBody>
@@ -15278,7 +15029,7 @@
                   <a:schemeClr val="tx1"/>
                 </a:solidFill>
               </a:rPr>
-              <a:t>Aa</a:t>
+              <a:t>Ra</a:t>
             </a:r>
             <a:r>
               <a:rPr lang="en-CA" sz="1200" baseline="-25000" dirty="0">
@@ -15286,7 +15037,7 @@
                   <a:schemeClr val="tx1"/>
                 </a:solidFill>
               </a:rPr>
-              <a:t>5</a:t>
+              <a:t>6</a:t>
             </a:r>
           </a:p>
         </p:txBody>
@@ -15473,7 +15224,7 @@
                   <a:schemeClr val="tx1"/>
                 </a:solidFill>
               </a:rPr>
-              <a:t>5</a:t>
+              <a:t>6</a:t>
             </a:r>
           </a:p>
         </p:txBody>
@@ -15492,8 +15243,8 @@
         </p:nvSpPr>
         <p:spPr>
           <a:xfrm>
-            <a:off x="691903" y="2313352"/>
-            <a:ext cx="998807" cy="297455"/>
+            <a:off x="522593" y="2313352"/>
+            <a:ext cx="1168118" cy="297455"/>
           </a:xfrm>
           <a:prstGeom prst="rect">
             <a:avLst/>
@@ -15540,7 +15291,7 @@
                   <a:schemeClr val="tx1"/>
                 </a:solidFill>
               </a:rPr>
-              <a:t>8</a:t>
+              <a:t>12</a:t>
             </a:r>
           </a:p>
         </p:txBody>
@@ -15642,7 +15393,7 @@
                   <a:schemeClr val="tx1"/>
                 </a:solidFill>
               </a:rPr>
-              <a:t>10</a:t>
+              <a:t>12</a:t>
             </a:r>
           </a:p>
         </p:txBody>
@@ -15826,7 +15577,7 @@
                   <a:schemeClr val="tx1"/>
                 </a:solidFill>
               </a:rPr>
-              <a:t>5</a:t>
+              <a:t>6</a:t>
             </a:r>
           </a:p>
         </p:txBody>
@@ -15882,7 +15633,7 @@
                   <a:schemeClr val="tx1"/>
                 </a:solidFill>
               </a:rPr>
-              <a:t>Aa</a:t>
+              <a:t>Ra</a:t>
             </a:r>
             <a:r>
               <a:rPr lang="en-CA" sz="1200" baseline="-25000" dirty="0">
@@ -15890,7 +15641,7 @@
                   <a:schemeClr val="tx1"/>
                 </a:solidFill>
               </a:rPr>
-              <a:t>5</a:t>
+              <a:t>6</a:t>
             </a:r>
           </a:p>
         </p:txBody>
@@ -16029,8 +15780,8 @@
         </p:nvSpPr>
         <p:spPr>
           <a:xfrm>
-            <a:off x="691903" y="2638277"/>
-            <a:ext cx="996316" cy="297455"/>
+            <a:off x="520101" y="2638277"/>
+            <a:ext cx="1168118" cy="297455"/>
           </a:xfrm>
           <a:prstGeom prst="rect">
             <a:avLst/>
@@ -16077,7 +15828,7 @@
                   <a:schemeClr val="tx1"/>
                 </a:solidFill>
               </a:rPr>
-              <a:t>8</a:t>
+              <a:t>12</a:t>
             </a:r>
           </a:p>
         </p:txBody>
@@ -16176,7 +15927,7 @@
                   <a:schemeClr val="tx1"/>
                 </a:solidFill>
               </a:rPr>
-              <a:t>5</a:t>
+              <a:t>6</a:t>
             </a:r>
           </a:p>
         </p:txBody>
@@ -16626,7 +16377,7 @@
                   <a:schemeClr val="tx1"/>
                 </a:solidFill>
               </a:rPr>
-              <a:t>Aa</a:t>
+              <a:t>Ra</a:t>
             </a:r>
             <a:r>
               <a:rPr lang="en-CA" sz="1200" baseline="-25000" dirty="0">
@@ -16634,7 +16385,7 @@
                   <a:schemeClr val="tx1"/>
                 </a:solidFill>
               </a:rPr>
-              <a:t>5</a:t>
+              <a:t>6</a:t>
             </a:r>
           </a:p>
         </p:txBody>
@@ -16823,7 +16574,7 @@
                   <a:schemeClr val="tx1"/>
                 </a:solidFill>
               </a:rPr>
-              <a:t>10</a:t>
+              <a:t>12</a:t>
             </a:r>
           </a:p>
         </p:txBody>
@@ -16842,8 +16593,8 @@
         </p:nvSpPr>
         <p:spPr>
           <a:xfrm>
-            <a:off x="685264" y="3011651"/>
-            <a:ext cx="986122" cy="297455"/>
+            <a:off x="509907" y="3011651"/>
+            <a:ext cx="1161479" cy="297455"/>
           </a:xfrm>
           <a:prstGeom prst="rect">
             <a:avLst/>
@@ -16890,7 +16641,7 @@
                   <a:schemeClr val="tx1"/>
                 </a:solidFill>
               </a:rPr>
-              <a:t>8</a:t>
+              <a:t>12</a:t>
             </a:r>
           </a:p>
         </p:txBody>
@@ -17165,7 +16916,7 @@
                   <a:schemeClr val="tx1"/>
                 </a:solidFill>
               </a:rPr>
-              <a:t>Aa</a:t>
+              <a:t>Ra</a:t>
             </a:r>
             <a:r>
               <a:rPr lang="en-CA" sz="1200" baseline="-25000" dirty="0">
@@ -17173,7 +16924,7 @@
                   <a:schemeClr val="tx1"/>
                 </a:solidFill>
               </a:rPr>
-              <a:t>5</a:t>
+              <a:t>6</a:t>
             </a:r>
           </a:p>
         </p:txBody>
@@ -17362,7 +17113,7 @@
                   <a:schemeClr val="tx1"/>
                 </a:solidFill>
               </a:rPr>
-              <a:t>5</a:t>
+              <a:t>6</a:t>
             </a:r>
           </a:p>
         </p:txBody>
@@ -17381,8 +17132,8 @@
         </p:nvSpPr>
         <p:spPr>
           <a:xfrm>
-            <a:off x="691903" y="3347822"/>
-            <a:ext cx="986122" cy="297455"/>
+            <a:off x="509907" y="3347822"/>
+            <a:ext cx="1168118" cy="297455"/>
           </a:xfrm>
           <a:prstGeom prst="rect">
             <a:avLst/>
@@ -17429,7 +17180,7 @@
                   <a:schemeClr val="tx1"/>
                 </a:solidFill>
               </a:rPr>
-              <a:t>8</a:t>
+              <a:t>12</a:t>
             </a:r>
           </a:p>
         </p:txBody>
@@ -17531,7 +17282,7 @@
                   <a:schemeClr val="tx1"/>
                 </a:solidFill>
               </a:rPr>
-              <a:t>10</a:t>
+              <a:t>12</a:t>
             </a:r>
           </a:p>
         </p:txBody>
@@ -17771,7 +17522,7 @@
                   <a:schemeClr val="tx1"/>
                 </a:solidFill>
               </a:rPr>
-              <a:t>Aa</a:t>
+              <a:t>Ra</a:t>
             </a:r>
             <a:r>
               <a:rPr lang="en-CA" sz="1200" baseline="-25000" dirty="0">
@@ -17779,7 +17530,7 @@
                   <a:schemeClr val="tx1"/>
                 </a:solidFill>
               </a:rPr>
-              <a:t>5</a:t>
+              <a:t>6</a:t>
             </a:r>
           </a:p>
         </p:txBody>
@@ -17920,8 +17671,8 @@
         </p:nvSpPr>
         <p:spPr>
           <a:xfrm>
-            <a:off x="685264" y="3672747"/>
-            <a:ext cx="990270" cy="297455"/>
+            <a:off x="507416" y="3672747"/>
+            <a:ext cx="1168118" cy="297455"/>
           </a:xfrm>
           <a:prstGeom prst="rect">
             <a:avLst/>
@@ -17968,7 +17719,7 @@
                   <a:schemeClr val="tx1"/>
                 </a:solidFill>
               </a:rPr>
-              <a:t>8</a:t>
+              <a:t>12</a:t>
             </a:r>
           </a:p>
         </p:txBody>
@@ -18067,7 +17818,7 @@
                   <a:schemeClr val="tx1"/>
                 </a:solidFill>
               </a:rPr>
-              <a:t>5</a:t>
+              <a:t>6</a:t>
             </a:r>
           </a:p>
         </p:txBody>
@@ -18328,10 +18079,10 @@
       </p:sp>
       <p:sp>
         <p:nvSpPr>
-          <p:cNvPr id="121" name="Rectangle 120">
-            <a:extLst>
-              <a:ext uri="{FF2B5EF4-FFF2-40B4-BE49-F238E27FC236}">
-                <a16:creationId xmlns:a16="http://schemas.microsoft.com/office/drawing/2014/main" id="{A347FC4E-A721-46C1-BE32-D0D82BB87611}"/>
+          <p:cNvPr id="126" name="Rectangle 125">
+            <a:extLst>
+              <a:ext uri="{FF2B5EF4-FFF2-40B4-BE49-F238E27FC236}">
+                <a16:creationId xmlns:a16="http://schemas.microsoft.com/office/drawing/2014/main" id="{D503E31C-AE42-4034-9A6E-87D92243D9C2}"/>
               </a:ext>
             </a:extLst>
           </p:cNvPr>
@@ -18340,7 +18091,127 @@
         </p:nvSpPr>
         <p:spPr>
           <a:xfrm>
-            <a:off x="3327161" y="4574308"/>
+            <a:off x="4472213" y="4910481"/>
+            <a:ext cx="220338" cy="297455"/>
+          </a:xfrm>
+          <a:prstGeom prst="rect">
+            <a:avLst/>
+          </a:prstGeom>
+          <a:solidFill>
+            <a:srgbClr val="FFFF66"/>
+          </a:solidFill>
+        </p:spPr>
+        <p:style>
+          <a:lnRef idx="2">
+            <a:schemeClr val="accent1">
+              <a:shade val="50000"/>
+            </a:schemeClr>
+          </a:lnRef>
+          <a:fillRef idx="1">
+            <a:schemeClr val="accent1"/>
+          </a:fillRef>
+          <a:effectRef idx="0">
+            <a:schemeClr val="accent1"/>
+          </a:effectRef>
+          <a:fontRef idx="minor">
+            <a:schemeClr val="lt1"/>
+          </a:fontRef>
+        </p:style>
+        <p:txBody>
+          <a:bodyPr rtlCol="0" anchor="ctr"/>
+          <a:lstStyle/>
+          <a:p>
+            <a:pPr algn="ctr"/>
+            <a:r>
+              <a:rPr lang="en-CA" sz="1200" dirty="0">
+                <a:solidFill>
+                  <a:schemeClr val="tx1"/>
+                </a:solidFill>
+              </a:rPr>
+              <a:t>1</a:t>
+            </a:r>
+          </a:p>
+        </p:txBody>
+      </p:sp>
+      <p:sp>
+        <p:nvSpPr>
+          <p:cNvPr id="127" name="Rectangle 126">
+            <a:extLst>
+              <a:ext uri="{FF2B5EF4-FFF2-40B4-BE49-F238E27FC236}">
+                <a16:creationId xmlns:a16="http://schemas.microsoft.com/office/drawing/2014/main" id="{92A2A9B0-F523-4E84-A5A1-A9CD5A7E8090}"/>
+              </a:ext>
+            </a:extLst>
+          </p:cNvPr>
+          <p:cNvSpPr/>
+          <p:nvPr/>
+        </p:nvSpPr>
+        <p:spPr>
+          <a:xfrm>
+            <a:off x="4692551" y="4910480"/>
+            <a:ext cx="1090670" cy="297455"/>
+          </a:xfrm>
+          <a:prstGeom prst="rect">
+            <a:avLst/>
+          </a:prstGeom>
+          <a:solidFill>
+            <a:srgbClr val="FFFF66"/>
+          </a:solidFill>
+        </p:spPr>
+        <p:style>
+          <a:lnRef idx="2">
+            <a:schemeClr val="accent1">
+              <a:shade val="50000"/>
+            </a:schemeClr>
+          </a:lnRef>
+          <a:fillRef idx="1">
+            <a:schemeClr val="accent1"/>
+          </a:fillRef>
+          <a:effectRef idx="0">
+            <a:schemeClr val="accent1"/>
+          </a:effectRef>
+          <a:fontRef idx="minor">
+            <a:schemeClr val="lt1"/>
+          </a:fontRef>
+        </p:style>
+        <p:txBody>
+          <a:bodyPr rtlCol="0" anchor="ctr"/>
+          <a:lstStyle/>
+          <a:p>
+            <a:pPr algn="ctr"/>
+            <a:r>
+              <a:rPr lang="en-CA" sz="1200" dirty="0">
+                <a:solidFill>
+                  <a:schemeClr val="tx1"/>
+                </a:solidFill>
+              </a:rPr>
+              <a:t>71h</a:t>
+            </a:r>
+            <a:r>
+              <a:rPr lang="en-CA" sz="1200" baseline="-25000" dirty="0">
+                <a:solidFill>
+                  <a:schemeClr val="tx1"/>
+                </a:solidFill>
+              </a:rPr>
+              <a:t>7</a:t>
+            </a:r>
+          </a:p>
+        </p:txBody>
+      </p:sp>
+      <p:sp>
+        <p:nvSpPr>
+          <p:cNvPr id="128" name="Rectangle 127">
+            <a:extLst>
+              <a:ext uri="{FF2B5EF4-FFF2-40B4-BE49-F238E27FC236}">
+                <a16:creationId xmlns:a16="http://schemas.microsoft.com/office/drawing/2014/main" id="{2A3994E8-3CE7-4625-8FE2-303B08BDFA1A}"/>
+              </a:ext>
+            </a:extLst>
+          </p:cNvPr>
+          <p:cNvSpPr/>
+          <p:nvPr/>
+        </p:nvSpPr>
+        <p:spPr>
+          <a:xfrm>
+            <a:off x="3907275" y="4910480"/>
             <a:ext cx="564938" cy="297455"/>
           </a:xfrm>
           <a:prstGeom prst="rect">
@@ -18377,7 +18248,7 @@
                   <a:schemeClr val="tx1"/>
                 </a:solidFill>
               </a:rPr>
-              <a:t>Aa</a:t>
+              <a:t>Vs</a:t>
             </a:r>
             <a:r>
               <a:rPr lang="en-CA" sz="1200" baseline="-25000" dirty="0">
@@ -18392,10 +18263,10 @@
       </p:sp>
       <p:sp>
         <p:nvSpPr>
-          <p:cNvPr id="122" name="Rectangle 121">
-            <a:extLst>
-              <a:ext uri="{FF2B5EF4-FFF2-40B4-BE49-F238E27FC236}">
-                <a16:creationId xmlns:a16="http://schemas.microsoft.com/office/drawing/2014/main" id="{8B1A3EF8-AF74-489A-B9EA-F52D6392F505}"/>
+          <p:cNvPr id="135" name="Rectangle 134">
+            <a:extLst>
+              <a:ext uri="{FF2B5EF4-FFF2-40B4-BE49-F238E27FC236}">
+                <a16:creationId xmlns:a16="http://schemas.microsoft.com/office/drawing/2014/main" id="{65A51759-A5C9-4C32-A243-1477C6B9A9F3}"/>
               </a:ext>
             </a:extLst>
           </p:cNvPr>
@@ -18404,7 +18275,807 @@
         </p:nvSpPr>
         <p:spPr>
           <a:xfrm>
-            <a:off x="2016154" y="4574307"/>
+            <a:off x="4469722" y="5235406"/>
+            <a:ext cx="220338" cy="297455"/>
+          </a:xfrm>
+          <a:prstGeom prst="rect">
+            <a:avLst/>
+          </a:prstGeom>
+          <a:solidFill>
+            <a:srgbClr val="FFFF66"/>
+          </a:solidFill>
+        </p:spPr>
+        <p:style>
+          <a:lnRef idx="2">
+            <a:schemeClr val="accent1">
+              <a:shade val="50000"/>
+            </a:schemeClr>
+          </a:lnRef>
+          <a:fillRef idx="1">
+            <a:schemeClr val="accent1"/>
+          </a:fillRef>
+          <a:effectRef idx="0">
+            <a:schemeClr val="accent1"/>
+          </a:effectRef>
+          <a:fontRef idx="minor">
+            <a:schemeClr val="lt1"/>
+          </a:fontRef>
+        </p:style>
+        <p:txBody>
+          <a:bodyPr rtlCol="0" anchor="ctr"/>
+          <a:lstStyle/>
+          <a:p>
+            <a:pPr algn="ctr"/>
+            <a:r>
+              <a:rPr lang="en-CA" sz="1200" dirty="0">
+                <a:solidFill>
+                  <a:schemeClr val="tx1"/>
+                </a:solidFill>
+              </a:rPr>
+              <a:t>1</a:t>
+            </a:r>
+          </a:p>
+        </p:txBody>
+      </p:sp>
+      <p:sp>
+        <p:nvSpPr>
+          <p:cNvPr id="136" name="Rectangle 135">
+            <a:extLst>
+              <a:ext uri="{FF2B5EF4-FFF2-40B4-BE49-F238E27FC236}">
+                <a16:creationId xmlns:a16="http://schemas.microsoft.com/office/drawing/2014/main" id="{937CDFF7-8F22-442E-B82E-D242C6B09B00}"/>
+              </a:ext>
+            </a:extLst>
+          </p:cNvPr>
+          <p:cNvSpPr/>
+          <p:nvPr/>
+        </p:nvSpPr>
+        <p:spPr>
+          <a:xfrm>
+            <a:off x="4690060" y="5235405"/>
+            <a:ext cx="1090670" cy="297455"/>
+          </a:xfrm>
+          <a:prstGeom prst="rect">
+            <a:avLst/>
+          </a:prstGeom>
+          <a:solidFill>
+            <a:srgbClr val="FFFF66"/>
+          </a:solidFill>
+        </p:spPr>
+        <p:style>
+          <a:lnRef idx="2">
+            <a:schemeClr val="accent1">
+              <a:shade val="50000"/>
+            </a:schemeClr>
+          </a:lnRef>
+          <a:fillRef idx="1">
+            <a:schemeClr val="accent1"/>
+          </a:fillRef>
+          <a:effectRef idx="0">
+            <a:schemeClr val="accent1"/>
+          </a:effectRef>
+          <a:fontRef idx="minor">
+            <a:schemeClr val="lt1"/>
+          </a:fontRef>
+        </p:style>
+        <p:txBody>
+          <a:bodyPr rtlCol="0" anchor="ctr"/>
+          <a:lstStyle/>
+          <a:p>
+            <a:pPr algn="ctr"/>
+            <a:r>
+              <a:rPr lang="en-CA" sz="1200" dirty="0">
+                <a:solidFill>
+                  <a:schemeClr val="tx1"/>
+                </a:solidFill>
+              </a:rPr>
+              <a:t>72h</a:t>
+            </a:r>
+            <a:r>
+              <a:rPr lang="en-CA" sz="1200" baseline="-25000" dirty="0">
+                <a:solidFill>
+                  <a:schemeClr val="tx1"/>
+                </a:solidFill>
+              </a:rPr>
+              <a:t>7</a:t>
+            </a:r>
+          </a:p>
+        </p:txBody>
+      </p:sp>
+      <p:sp>
+        <p:nvSpPr>
+          <p:cNvPr id="137" name="Rectangle 136">
+            <a:extLst>
+              <a:ext uri="{FF2B5EF4-FFF2-40B4-BE49-F238E27FC236}">
+                <a16:creationId xmlns:a16="http://schemas.microsoft.com/office/drawing/2014/main" id="{821237FF-709A-4329-AADD-BF105C203923}"/>
+              </a:ext>
+            </a:extLst>
+          </p:cNvPr>
+          <p:cNvSpPr/>
+          <p:nvPr/>
+        </p:nvSpPr>
+        <p:spPr>
+          <a:xfrm>
+            <a:off x="3904784" y="5235405"/>
+            <a:ext cx="564938" cy="297455"/>
+          </a:xfrm>
+          <a:prstGeom prst="rect">
+            <a:avLst/>
+          </a:prstGeom>
+          <a:solidFill>
+            <a:srgbClr val="FFFF99"/>
+          </a:solidFill>
+        </p:spPr>
+        <p:style>
+          <a:lnRef idx="2">
+            <a:schemeClr val="accent1">
+              <a:shade val="50000"/>
+            </a:schemeClr>
+          </a:lnRef>
+          <a:fillRef idx="1">
+            <a:schemeClr val="accent1"/>
+          </a:fillRef>
+          <a:effectRef idx="0">
+            <a:schemeClr val="accent1"/>
+          </a:effectRef>
+          <a:fontRef idx="minor">
+            <a:schemeClr val="lt1"/>
+          </a:fontRef>
+        </p:style>
+        <p:txBody>
+          <a:bodyPr rtlCol="0" anchor="ctr"/>
+          <a:lstStyle/>
+          <a:p>
+            <a:pPr algn="ctr"/>
+            <a:r>
+              <a:rPr lang="en-CA" sz="1200" dirty="0">
+                <a:solidFill>
+                  <a:schemeClr val="tx1"/>
+                </a:solidFill>
+              </a:rPr>
+              <a:t>Vs</a:t>
+            </a:r>
+            <a:r>
+              <a:rPr lang="en-CA" sz="1200" baseline="-25000" dirty="0">
+                <a:solidFill>
+                  <a:schemeClr val="tx1"/>
+                </a:solidFill>
+              </a:rPr>
+              <a:t>5</a:t>
+            </a:r>
+          </a:p>
+        </p:txBody>
+      </p:sp>
+      <p:sp>
+        <p:nvSpPr>
+          <p:cNvPr id="143" name="Rectangle 142">
+            <a:extLst>
+              <a:ext uri="{FF2B5EF4-FFF2-40B4-BE49-F238E27FC236}">
+                <a16:creationId xmlns:a16="http://schemas.microsoft.com/office/drawing/2014/main" id="{70B56373-1765-4F8E-85F8-C0DC3B9A2E88}"/>
+              </a:ext>
+            </a:extLst>
+          </p:cNvPr>
+          <p:cNvSpPr/>
+          <p:nvPr/>
+        </p:nvSpPr>
+        <p:spPr>
+          <a:xfrm>
+            <a:off x="4452889" y="5608780"/>
+            <a:ext cx="220338" cy="297455"/>
+          </a:xfrm>
+          <a:prstGeom prst="rect">
+            <a:avLst/>
+          </a:prstGeom>
+          <a:solidFill>
+            <a:srgbClr val="FFFF66"/>
+          </a:solidFill>
+        </p:spPr>
+        <p:style>
+          <a:lnRef idx="2">
+            <a:schemeClr val="accent1">
+              <a:shade val="50000"/>
+            </a:schemeClr>
+          </a:lnRef>
+          <a:fillRef idx="1">
+            <a:schemeClr val="accent1"/>
+          </a:fillRef>
+          <a:effectRef idx="0">
+            <a:schemeClr val="accent1"/>
+          </a:effectRef>
+          <a:fontRef idx="minor">
+            <a:schemeClr val="lt1"/>
+          </a:fontRef>
+        </p:style>
+        <p:txBody>
+          <a:bodyPr rtlCol="0" anchor="ctr"/>
+          <a:lstStyle/>
+          <a:p>
+            <a:pPr algn="ctr"/>
+            <a:r>
+              <a:rPr lang="en-CA" sz="1200" dirty="0">
+                <a:solidFill>
+                  <a:schemeClr val="tx1"/>
+                </a:solidFill>
+              </a:rPr>
+              <a:t>1</a:t>
+            </a:r>
+          </a:p>
+        </p:txBody>
+      </p:sp>
+      <p:sp>
+        <p:nvSpPr>
+          <p:cNvPr id="144" name="Rectangle 143">
+            <a:extLst>
+              <a:ext uri="{FF2B5EF4-FFF2-40B4-BE49-F238E27FC236}">
+                <a16:creationId xmlns:a16="http://schemas.microsoft.com/office/drawing/2014/main" id="{96828CB1-4573-4C05-86CC-07A314836E37}"/>
+              </a:ext>
+            </a:extLst>
+          </p:cNvPr>
+          <p:cNvSpPr/>
+          <p:nvPr/>
+        </p:nvSpPr>
+        <p:spPr>
+          <a:xfrm>
+            <a:off x="4673227" y="5608779"/>
+            <a:ext cx="1090670" cy="297455"/>
+          </a:xfrm>
+          <a:prstGeom prst="rect">
+            <a:avLst/>
+          </a:prstGeom>
+          <a:solidFill>
+            <a:srgbClr val="FFFF66"/>
+          </a:solidFill>
+        </p:spPr>
+        <p:style>
+          <a:lnRef idx="2">
+            <a:schemeClr val="accent1">
+              <a:shade val="50000"/>
+            </a:schemeClr>
+          </a:lnRef>
+          <a:fillRef idx="1">
+            <a:schemeClr val="accent1"/>
+          </a:fillRef>
+          <a:effectRef idx="0">
+            <a:schemeClr val="accent1"/>
+          </a:effectRef>
+          <a:fontRef idx="minor">
+            <a:schemeClr val="lt1"/>
+          </a:fontRef>
+        </p:style>
+        <p:txBody>
+          <a:bodyPr rtlCol="0" anchor="ctr"/>
+          <a:lstStyle/>
+          <a:p>
+            <a:pPr algn="ctr"/>
+            <a:r>
+              <a:rPr lang="en-CA" sz="1200" dirty="0">
+                <a:solidFill>
+                  <a:schemeClr val="tx1"/>
+                </a:solidFill>
+              </a:rPr>
+              <a:t>74h</a:t>
+            </a:r>
+            <a:r>
+              <a:rPr lang="en-CA" sz="1200" baseline="-25000" dirty="0">
+                <a:solidFill>
+                  <a:schemeClr val="tx1"/>
+                </a:solidFill>
+              </a:rPr>
+              <a:t>7</a:t>
+            </a:r>
+          </a:p>
+        </p:txBody>
+      </p:sp>
+      <p:sp>
+        <p:nvSpPr>
+          <p:cNvPr id="145" name="Rectangle 144">
+            <a:extLst>
+              <a:ext uri="{FF2B5EF4-FFF2-40B4-BE49-F238E27FC236}">
+                <a16:creationId xmlns:a16="http://schemas.microsoft.com/office/drawing/2014/main" id="{8DCA4B3F-F4A2-421A-A37C-9C2E69C08E24}"/>
+              </a:ext>
+            </a:extLst>
+          </p:cNvPr>
+          <p:cNvSpPr/>
+          <p:nvPr/>
+        </p:nvSpPr>
+        <p:spPr>
+          <a:xfrm>
+            <a:off x="3887951" y="5608779"/>
+            <a:ext cx="564938" cy="297455"/>
+          </a:xfrm>
+          <a:prstGeom prst="rect">
+            <a:avLst/>
+          </a:prstGeom>
+          <a:solidFill>
+            <a:srgbClr val="FFFF99"/>
+          </a:solidFill>
+        </p:spPr>
+        <p:style>
+          <a:lnRef idx="2">
+            <a:schemeClr val="accent1">
+              <a:shade val="50000"/>
+            </a:schemeClr>
+          </a:lnRef>
+          <a:fillRef idx="1">
+            <a:schemeClr val="accent1"/>
+          </a:fillRef>
+          <a:effectRef idx="0">
+            <a:schemeClr val="accent1"/>
+          </a:effectRef>
+          <a:fontRef idx="minor">
+            <a:schemeClr val="lt1"/>
+          </a:fontRef>
+        </p:style>
+        <p:txBody>
+          <a:bodyPr rtlCol="0" anchor="ctr"/>
+          <a:lstStyle/>
+          <a:p>
+            <a:pPr algn="ctr"/>
+            <a:r>
+              <a:rPr lang="en-CA" sz="1200" dirty="0">
+                <a:solidFill>
+                  <a:schemeClr val="tx1"/>
+                </a:solidFill>
+              </a:rPr>
+              <a:t>Vs</a:t>
+            </a:r>
+            <a:r>
+              <a:rPr lang="en-CA" sz="1200" baseline="-25000" dirty="0">
+                <a:solidFill>
+                  <a:schemeClr val="tx1"/>
+                </a:solidFill>
+              </a:rPr>
+              <a:t>5</a:t>
+            </a:r>
+          </a:p>
+        </p:txBody>
+      </p:sp>
+      <p:sp>
+        <p:nvSpPr>
+          <p:cNvPr id="151" name="Rectangle 150">
+            <a:extLst>
+              <a:ext uri="{FF2B5EF4-FFF2-40B4-BE49-F238E27FC236}">
+                <a16:creationId xmlns:a16="http://schemas.microsoft.com/office/drawing/2014/main" id="{07CEB578-EF55-4027-8C1B-61B214762624}"/>
+              </a:ext>
+            </a:extLst>
+          </p:cNvPr>
+          <p:cNvSpPr/>
+          <p:nvPr/>
+        </p:nvSpPr>
+        <p:spPr>
+          <a:xfrm>
+            <a:off x="4459528" y="5944951"/>
+            <a:ext cx="220338" cy="297455"/>
+          </a:xfrm>
+          <a:prstGeom prst="rect">
+            <a:avLst/>
+          </a:prstGeom>
+          <a:solidFill>
+            <a:srgbClr val="FFFF66"/>
+          </a:solidFill>
+        </p:spPr>
+        <p:style>
+          <a:lnRef idx="2">
+            <a:schemeClr val="accent1">
+              <a:shade val="50000"/>
+            </a:schemeClr>
+          </a:lnRef>
+          <a:fillRef idx="1">
+            <a:schemeClr val="accent1"/>
+          </a:fillRef>
+          <a:effectRef idx="0">
+            <a:schemeClr val="accent1"/>
+          </a:effectRef>
+          <a:fontRef idx="minor">
+            <a:schemeClr val="lt1"/>
+          </a:fontRef>
+        </p:style>
+        <p:txBody>
+          <a:bodyPr rtlCol="0" anchor="ctr"/>
+          <a:lstStyle/>
+          <a:p>
+            <a:pPr algn="ctr"/>
+            <a:r>
+              <a:rPr lang="en-CA" sz="1200" dirty="0">
+                <a:solidFill>
+                  <a:schemeClr val="tx1"/>
+                </a:solidFill>
+              </a:rPr>
+              <a:t>1</a:t>
+            </a:r>
+          </a:p>
+        </p:txBody>
+      </p:sp>
+      <p:sp>
+        <p:nvSpPr>
+          <p:cNvPr id="152" name="Rectangle 151">
+            <a:extLst>
+              <a:ext uri="{FF2B5EF4-FFF2-40B4-BE49-F238E27FC236}">
+                <a16:creationId xmlns:a16="http://schemas.microsoft.com/office/drawing/2014/main" id="{DBFDC71C-7310-4126-B908-B8986C3274B8}"/>
+              </a:ext>
+            </a:extLst>
+          </p:cNvPr>
+          <p:cNvSpPr/>
+          <p:nvPr/>
+        </p:nvSpPr>
+        <p:spPr>
+          <a:xfrm>
+            <a:off x="4679866" y="5944950"/>
+            <a:ext cx="1090670" cy="297455"/>
+          </a:xfrm>
+          <a:prstGeom prst="rect">
+            <a:avLst/>
+          </a:prstGeom>
+          <a:solidFill>
+            <a:srgbClr val="FFFF66"/>
+          </a:solidFill>
+        </p:spPr>
+        <p:style>
+          <a:lnRef idx="2">
+            <a:schemeClr val="accent1">
+              <a:shade val="50000"/>
+            </a:schemeClr>
+          </a:lnRef>
+          <a:fillRef idx="1">
+            <a:schemeClr val="accent1"/>
+          </a:fillRef>
+          <a:effectRef idx="0">
+            <a:schemeClr val="accent1"/>
+          </a:effectRef>
+          <a:fontRef idx="minor">
+            <a:schemeClr val="lt1"/>
+          </a:fontRef>
+        </p:style>
+        <p:txBody>
+          <a:bodyPr rtlCol="0" anchor="ctr"/>
+          <a:lstStyle/>
+          <a:p>
+            <a:pPr algn="ctr"/>
+            <a:r>
+              <a:rPr lang="en-CA" sz="1200" dirty="0">
+                <a:solidFill>
+                  <a:schemeClr val="tx1"/>
+                </a:solidFill>
+              </a:rPr>
+              <a:t>75h</a:t>
+            </a:r>
+            <a:r>
+              <a:rPr lang="en-CA" sz="1200" baseline="-25000" dirty="0">
+                <a:solidFill>
+                  <a:schemeClr val="tx1"/>
+                </a:solidFill>
+              </a:rPr>
+              <a:t>7</a:t>
+            </a:r>
+          </a:p>
+        </p:txBody>
+      </p:sp>
+      <p:sp>
+        <p:nvSpPr>
+          <p:cNvPr id="153" name="Rectangle 152">
+            <a:extLst>
+              <a:ext uri="{FF2B5EF4-FFF2-40B4-BE49-F238E27FC236}">
+                <a16:creationId xmlns:a16="http://schemas.microsoft.com/office/drawing/2014/main" id="{693B1B94-DBF7-48C7-BE82-B0920A39CCAF}"/>
+              </a:ext>
+            </a:extLst>
+          </p:cNvPr>
+          <p:cNvSpPr/>
+          <p:nvPr/>
+        </p:nvSpPr>
+        <p:spPr>
+          <a:xfrm>
+            <a:off x="3894590" y="5944950"/>
+            <a:ext cx="564938" cy="297455"/>
+          </a:xfrm>
+          <a:prstGeom prst="rect">
+            <a:avLst/>
+          </a:prstGeom>
+          <a:solidFill>
+            <a:srgbClr val="FFFF99"/>
+          </a:solidFill>
+        </p:spPr>
+        <p:style>
+          <a:lnRef idx="2">
+            <a:schemeClr val="accent1">
+              <a:shade val="50000"/>
+            </a:schemeClr>
+          </a:lnRef>
+          <a:fillRef idx="1">
+            <a:schemeClr val="accent1"/>
+          </a:fillRef>
+          <a:effectRef idx="0">
+            <a:schemeClr val="accent1"/>
+          </a:effectRef>
+          <a:fontRef idx="minor">
+            <a:schemeClr val="lt1"/>
+          </a:fontRef>
+        </p:style>
+        <p:txBody>
+          <a:bodyPr rtlCol="0" anchor="ctr"/>
+          <a:lstStyle/>
+          <a:p>
+            <a:pPr algn="ctr"/>
+            <a:r>
+              <a:rPr lang="en-CA" sz="1200" dirty="0">
+                <a:solidFill>
+                  <a:schemeClr val="tx1"/>
+                </a:solidFill>
+              </a:rPr>
+              <a:t>Vs</a:t>
+            </a:r>
+            <a:r>
+              <a:rPr lang="en-CA" sz="1200" baseline="-25000" dirty="0">
+                <a:solidFill>
+                  <a:schemeClr val="tx1"/>
+                </a:solidFill>
+              </a:rPr>
+              <a:t>5</a:t>
+            </a:r>
+          </a:p>
+        </p:txBody>
+      </p:sp>
+      <p:sp>
+        <p:nvSpPr>
+          <p:cNvPr id="160" name="Rectangle 159">
+            <a:extLst>
+              <a:ext uri="{FF2B5EF4-FFF2-40B4-BE49-F238E27FC236}">
+                <a16:creationId xmlns:a16="http://schemas.microsoft.com/office/drawing/2014/main" id="{0178D3AD-433A-4342-A863-5953760598A8}"/>
+              </a:ext>
+            </a:extLst>
+          </p:cNvPr>
+          <p:cNvSpPr/>
+          <p:nvPr/>
+        </p:nvSpPr>
+        <p:spPr>
+          <a:xfrm>
+            <a:off x="4457037" y="6269876"/>
+            <a:ext cx="220338" cy="297455"/>
+          </a:xfrm>
+          <a:prstGeom prst="rect">
+            <a:avLst/>
+          </a:prstGeom>
+          <a:solidFill>
+            <a:srgbClr val="FFFF66"/>
+          </a:solidFill>
+        </p:spPr>
+        <p:style>
+          <a:lnRef idx="2">
+            <a:schemeClr val="accent1">
+              <a:shade val="50000"/>
+            </a:schemeClr>
+          </a:lnRef>
+          <a:fillRef idx="1">
+            <a:schemeClr val="accent1"/>
+          </a:fillRef>
+          <a:effectRef idx="0">
+            <a:schemeClr val="accent1"/>
+          </a:effectRef>
+          <a:fontRef idx="minor">
+            <a:schemeClr val="lt1"/>
+          </a:fontRef>
+        </p:style>
+        <p:txBody>
+          <a:bodyPr rtlCol="0" anchor="ctr"/>
+          <a:lstStyle/>
+          <a:p>
+            <a:pPr algn="ctr"/>
+            <a:r>
+              <a:rPr lang="en-CA" sz="1200" dirty="0">
+                <a:solidFill>
+                  <a:schemeClr val="tx1"/>
+                </a:solidFill>
+              </a:rPr>
+              <a:t>1</a:t>
+            </a:r>
+          </a:p>
+        </p:txBody>
+      </p:sp>
+      <p:sp>
+        <p:nvSpPr>
+          <p:cNvPr id="161" name="Rectangle 160">
+            <a:extLst>
+              <a:ext uri="{FF2B5EF4-FFF2-40B4-BE49-F238E27FC236}">
+                <a16:creationId xmlns:a16="http://schemas.microsoft.com/office/drawing/2014/main" id="{C01439C9-8986-4462-907D-C5C1DD7A3F5F}"/>
+              </a:ext>
+            </a:extLst>
+          </p:cNvPr>
+          <p:cNvSpPr/>
+          <p:nvPr/>
+        </p:nvSpPr>
+        <p:spPr>
+          <a:xfrm>
+            <a:off x="4677375" y="6269875"/>
+            <a:ext cx="1090670" cy="297455"/>
+          </a:xfrm>
+          <a:prstGeom prst="rect">
+            <a:avLst/>
+          </a:prstGeom>
+          <a:solidFill>
+            <a:srgbClr val="FFFF66"/>
+          </a:solidFill>
+        </p:spPr>
+        <p:style>
+          <a:lnRef idx="2">
+            <a:schemeClr val="accent1">
+              <a:shade val="50000"/>
+            </a:schemeClr>
+          </a:lnRef>
+          <a:fillRef idx="1">
+            <a:schemeClr val="accent1"/>
+          </a:fillRef>
+          <a:effectRef idx="0">
+            <a:schemeClr val="accent1"/>
+          </a:effectRef>
+          <a:fontRef idx="minor">
+            <a:schemeClr val="lt1"/>
+          </a:fontRef>
+        </p:style>
+        <p:txBody>
+          <a:bodyPr rtlCol="0" anchor="ctr"/>
+          <a:lstStyle/>
+          <a:p>
+            <a:pPr algn="ctr"/>
+            <a:r>
+              <a:rPr lang="en-CA" sz="1200" dirty="0">
+                <a:solidFill>
+                  <a:schemeClr val="tx1"/>
+                </a:solidFill>
+              </a:rPr>
+              <a:t>76h</a:t>
+            </a:r>
+            <a:r>
+              <a:rPr lang="en-CA" sz="1200" baseline="-25000" dirty="0">
+                <a:solidFill>
+                  <a:schemeClr val="tx1"/>
+                </a:solidFill>
+              </a:rPr>
+              <a:t>7</a:t>
+            </a:r>
+          </a:p>
+        </p:txBody>
+      </p:sp>
+      <p:sp>
+        <p:nvSpPr>
+          <p:cNvPr id="162" name="Rectangle 161">
+            <a:extLst>
+              <a:ext uri="{FF2B5EF4-FFF2-40B4-BE49-F238E27FC236}">
+                <a16:creationId xmlns:a16="http://schemas.microsoft.com/office/drawing/2014/main" id="{BBC428B5-A462-41EE-901F-09072923404E}"/>
+              </a:ext>
+            </a:extLst>
+          </p:cNvPr>
+          <p:cNvSpPr/>
+          <p:nvPr/>
+        </p:nvSpPr>
+        <p:spPr>
+          <a:xfrm>
+            <a:off x="3892099" y="6269875"/>
+            <a:ext cx="564938" cy="297455"/>
+          </a:xfrm>
+          <a:prstGeom prst="rect">
+            <a:avLst/>
+          </a:prstGeom>
+          <a:solidFill>
+            <a:srgbClr val="FFFF99"/>
+          </a:solidFill>
+        </p:spPr>
+        <p:style>
+          <a:lnRef idx="2">
+            <a:schemeClr val="accent1">
+              <a:shade val="50000"/>
+            </a:schemeClr>
+          </a:lnRef>
+          <a:fillRef idx="1">
+            <a:schemeClr val="accent1"/>
+          </a:fillRef>
+          <a:effectRef idx="0">
+            <a:schemeClr val="accent1"/>
+          </a:effectRef>
+          <a:fontRef idx="minor">
+            <a:schemeClr val="lt1"/>
+          </a:fontRef>
+        </p:style>
+        <p:txBody>
+          <a:bodyPr rtlCol="0" anchor="ctr"/>
+          <a:lstStyle/>
+          <a:p>
+            <a:pPr algn="ctr"/>
+            <a:r>
+              <a:rPr lang="en-CA" sz="1200" dirty="0">
+                <a:solidFill>
+                  <a:schemeClr val="tx1"/>
+                </a:solidFill>
+              </a:rPr>
+              <a:t>Vs</a:t>
+            </a:r>
+            <a:r>
+              <a:rPr lang="en-CA" sz="1200" baseline="-25000" dirty="0">
+                <a:solidFill>
+                  <a:schemeClr val="tx1"/>
+                </a:solidFill>
+              </a:rPr>
+              <a:t>5</a:t>
+            </a:r>
+          </a:p>
+        </p:txBody>
+      </p:sp>
+      <p:sp>
+        <p:nvSpPr>
+          <p:cNvPr id="168" name="Rectangle 167">
+            <a:extLst>
+              <a:ext uri="{FF2B5EF4-FFF2-40B4-BE49-F238E27FC236}">
+                <a16:creationId xmlns:a16="http://schemas.microsoft.com/office/drawing/2014/main" id="{0B56AFE5-BBE3-4B29-A69C-317031F0C59F}"/>
+              </a:ext>
+            </a:extLst>
+          </p:cNvPr>
+          <p:cNvSpPr/>
+          <p:nvPr/>
+        </p:nvSpPr>
+        <p:spPr>
+          <a:xfrm>
+            <a:off x="3326115" y="4574308"/>
+            <a:ext cx="564938" cy="297455"/>
+          </a:xfrm>
+          <a:prstGeom prst="rect">
+            <a:avLst/>
+          </a:prstGeom>
+          <a:solidFill>
+            <a:srgbClr val="FFFF99"/>
+          </a:solidFill>
+        </p:spPr>
+        <p:style>
+          <a:lnRef idx="2">
+            <a:schemeClr val="accent1">
+              <a:shade val="50000"/>
+            </a:schemeClr>
+          </a:lnRef>
+          <a:fillRef idx="1">
+            <a:schemeClr val="accent1"/>
+          </a:fillRef>
+          <a:effectRef idx="0">
+            <a:schemeClr val="accent1"/>
+          </a:effectRef>
+          <a:fontRef idx="minor">
+            <a:schemeClr val="lt1"/>
+          </a:fontRef>
+        </p:style>
+        <p:txBody>
+          <a:bodyPr rtlCol="0" anchor="ctr"/>
+          <a:lstStyle/>
+          <a:p>
+            <a:pPr algn="ctr"/>
+            <a:r>
+              <a:rPr lang="en-CA" sz="1200" dirty="0">
+                <a:solidFill>
+                  <a:schemeClr val="tx1"/>
+                </a:solidFill>
+              </a:rPr>
+              <a:t>Ra</a:t>
+            </a:r>
+            <a:r>
+              <a:rPr lang="en-CA" sz="1200" baseline="-25000" dirty="0">
+                <a:solidFill>
+                  <a:schemeClr val="tx1"/>
+                </a:solidFill>
+              </a:rPr>
+              <a:t>6</a:t>
+            </a:r>
+          </a:p>
+        </p:txBody>
+      </p:sp>
+      <p:sp>
+        <p:nvSpPr>
+          <p:cNvPr id="169" name="Rectangle 168">
+            <a:extLst>
+              <a:ext uri="{FF2B5EF4-FFF2-40B4-BE49-F238E27FC236}">
+                <a16:creationId xmlns:a16="http://schemas.microsoft.com/office/drawing/2014/main" id="{FB66554F-7D49-40A5-8CD0-59E932B1BCF7}"/>
+              </a:ext>
+            </a:extLst>
+          </p:cNvPr>
+          <p:cNvSpPr/>
+          <p:nvPr/>
+        </p:nvSpPr>
+        <p:spPr>
+          <a:xfrm>
+            <a:off x="2015108" y="4574307"/>
             <a:ext cx="159790" cy="297455"/>
           </a:xfrm>
           <a:prstGeom prst="rect">
@@ -18448,10 +19119,10 @@
       </p:sp>
       <p:sp>
         <p:nvSpPr>
-          <p:cNvPr id="123" name="Rectangle 122">
-            <a:extLst>
-              <a:ext uri="{FF2B5EF4-FFF2-40B4-BE49-F238E27FC236}">
-                <a16:creationId xmlns:a16="http://schemas.microsoft.com/office/drawing/2014/main" id="{090DA16A-AAF3-4BA2-8226-DF1B26D6D25D}"/>
+          <p:cNvPr id="170" name="Rectangle 169">
+            <a:extLst>
+              <a:ext uri="{FF2B5EF4-FFF2-40B4-BE49-F238E27FC236}">
+                <a16:creationId xmlns:a16="http://schemas.microsoft.com/office/drawing/2014/main" id="{53937E1B-D991-4A0C-A2B6-F0A92E27ACE4}"/>
               </a:ext>
             </a:extLst>
           </p:cNvPr>
@@ -18460,7 +19131,7 @@
         </p:nvSpPr>
         <p:spPr>
           <a:xfrm>
-            <a:off x="1679364" y="4574307"/>
+            <a:off x="1678318" y="4574307"/>
             <a:ext cx="344599" cy="297455"/>
           </a:xfrm>
           <a:prstGeom prst="rect">
@@ -18512,10 +19183,10 @@
       </p:sp>
       <p:sp>
         <p:nvSpPr>
-          <p:cNvPr id="124" name="Rectangle 123">
-            <a:extLst>
-              <a:ext uri="{FF2B5EF4-FFF2-40B4-BE49-F238E27FC236}">
-                <a16:creationId xmlns:a16="http://schemas.microsoft.com/office/drawing/2014/main" id="{40415F7C-49B4-4FBE-8255-EC2E97E26450}"/>
+          <p:cNvPr id="171" name="Rectangle 170">
+            <a:extLst>
+              <a:ext uri="{FF2B5EF4-FFF2-40B4-BE49-F238E27FC236}">
+                <a16:creationId xmlns:a16="http://schemas.microsoft.com/office/drawing/2014/main" id="{443AF90C-5124-4367-B307-712963079378}"/>
               </a:ext>
             </a:extLst>
           </p:cNvPr>
@@ -18524,7 +19195,7 @@
         </p:nvSpPr>
         <p:spPr>
           <a:xfrm>
-            <a:off x="2181775" y="4574307"/>
+            <a:off x="2180729" y="4574307"/>
             <a:ext cx="1160562" cy="297455"/>
           </a:xfrm>
           <a:prstGeom prst="rect">
@@ -18572,17 +19243,17 @@
                   <a:schemeClr val="tx1"/>
                 </a:solidFill>
               </a:rPr>
-              <a:t>10</a:t>
-            </a:r>
-          </a:p>
-        </p:txBody>
-      </p:sp>
-      <p:sp>
-        <p:nvSpPr>
-          <p:cNvPr id="125" name="Rectangle 124">
-            <a:extLst>
-              <a:ext uri="{FF2B5EF4-FFF2-40B4-BE49-F238E27FC236}">
-                <a16:creationId xmlns:a16="http://schemas.microsoft.com/office/drawing/2014/main" id="{59F9AEB2-95DF-4746-AE90-851B3E8BF46A}"/>
+              <a:t>12</a:t>
+            </a:r>
+          </a:p>
+        </p:txBody>
+      </p:sp>
+      <p:sp>
+        <p:nvSpPr>
+          <p:cNvPr id="172" name="Rectangle 171">
+            <a:extLst>
+              <a:ext uri="{FF2B5EF4-FFF2-40B4-BE49-F238E27FC236}">
+                <a16:creationId xmlns:a16="http://schemas.microsoft.com/office/drawing/2014/main" id="{7A744CD6-100C-4EAD-8C04-4DCEDC736056}"/>
               </a:ext>
             </a:extLst>
           </p:cNvPr>
@@ -18591,8 +19262,8 @@
         </p:nvSpPr>
         <p:spPr>
           <a:xfrm>
-            <a:off x="672579" y="4574306"/>
-            <a:ext cx="998807" cy="297455"/>
+            <a:off x="508861" y="4574306"/>
+            <a:ext cx="1161479" cy="297455"/>
           </a:xfrm>
           <a:prstGeom prst="rect">
             <a:avLst/>
@@ -18639,17 +19310,17 @@
                   <a:schemeClr val="tx1"/>
                 </a:solidFill>
               </a:rPr>
-              <a:t>8</a:t>
-            </a:r>
-          </a:p>
-        </p:txBody>
-      </p:sp>
-      <p:sp>
-        <p:nvSpPr>
-          <p:cNvPr id="126" name="Rectangle 125">
-            <a:extLst>
-              <a:ext uri="{FF2B5EF4-FFF2-40B4-BE49-F238E27FC236}">
-                <a16:creationId xmlns:a16="http://schemas.microsoft.com/office/drawing/2014/main" id="{D503E31C-AE42-4034-9A6E-87D92243D9C2}"/>
+              <a:t>12</a:t>
+            </a:r>
+          </a:p>
+        </p:txBody>
+      </p:sp>
+      <p:sp>
+        <p:nvSpPr>
+          <p:cNvPr id="173" name="Rectangle 172">
+            <a:extLst>
+              <a:ext uri="{FF2B5EF4-FFF2-40B4-BE49-F238E27FC236}">
+                <a16:creationId xmlns:a16="http://schemas.microsoft.com/office/drawing/2014/main" id="{F7DB53D1-6B5D-4F20-91BA-D7D8ABDEF4A8}"/>
               </a:ext>
             </a:extLst>
           </p:cNvPr>
@@ -18658,14 +19329,14 @@
         </p:nvSpPr>
         <p:spPr>
           <a:xfrm>
-            <a:off x="4472213" y="4910481"/>
-            <a:ext cx="220338" cy="297455"/>
-          </a:xfrm>
-          <a:prstGeom prst="rect">
-            <a:avLst/>
-          </a:prstGeom>
-          <a:solidFill>
-            <a:srgbClr val="FFFF66"/>
+            <a:off x="3332754" y="4910479"/>
+            <a:ext cx="564938" cy="297455"/>
+          </a:xfrm>
+          <a:prstGeom prst="rect">
+            <a:avLst/>
+          </a:prstGeom>
+          <a:solidFill>
+            <a:srgbClr val="FFFF99"/>
           </a:solidFill>
         </p:spPr>
         <p:style>
@@ -18695,17 +19366,25 @@
                   <a:schemeClr val="tx1"/>
                 </a:solidFill>
               </a:rPr>
-              <a:t>1</a:t>
-            </a:r>
-          </a:p>
-        </p:txBody>
-      </p:sp>
-      <p:sp>
-        <p:nvSpPr>
-          <p:cNvPr id="127" name="Rectangle 126">
-            <a:extLst>
-              <a:ext uri="{FF2B5EF4-FFF2-40B4-BE49-F238E27FC236}">
-                <a16:creationId xmlns:a16="http://schemas.microsoft.com/office/drawing/2014/main" id="{92A2A9B0-F523-4E84-A5A1-A9CD5A7E8090}"/>
+              <a:t>Ra</a:t>
+            </a:r>
+            <a:r>
+              <a:rPr lang="en-CA" sz="1200" baseline="-25000" dirty="0">
+                <a:solidFill>
+                  <a:schemeClr val="tx1"/>
+                </a:solidFill>
+              </a:rPr>
+              <a:t>6</a:t>
+            </a:r>
+          </a:p>
+        </p:txBody>
+      </p:sp>
+      <p:sp>
+        <p:nvSpPr>
+          <p:cNvPr id="174" name="Rectangle 173">
+            <a:extLst>
+              <a:ext uri="{FF2B5EF4-FFF2-40B4-BE49-F238E27FC236}">
+                <a16:creationId xmlns:a16="http://schemas.microsoft.com/office/drawing/2014/main" id="{FC2606E0-ED01-4553-95E6-7F76809E3F82}"/>
               </a:ext>
             </a:extLst>
           </p:cNvPr>
@@ -18714,14 +19393,14 @@
         </p:nvSpPr>
         <p:spPr>
           <a:xfrm>
-            <a:off x="4692551" y="4910480"/>
-            <a:ext cx="1090670" cy="297455"/>
-          </a:xfrm>
-          <a:prstGeom prst="rect">
-            <a:avLst/>
-          </a:prstGeom>
-          <a:solidFill>
-            <a:srgbClr val="FFFF66"/>
+            <a:off x="2021747" y="4910478"/>
+            <a:ext cx="159790" cy="297455"/>
+          </a:xfrm>
+          <a:prstGeom prst="rect">
+            <a:avLst/>
+          </a:prstGeom>
+          <a:solidFill>
+            <a:srgbClr val="FFFF99"/>
           </a:solidFill>
         </p:spPr>
         <p:style>
@@ -18751,25 +19430,17 @@
                   <a:schemeClr val="tx1"/>
                 </a:solidFill>
               </a:rPr>
-              <a:t>71h</a:t>
-            </a:r>
-            <a:r>
-              <a:rPr lang="en-CA" sz="1200" baseline="-25000" dirty="0">
-                <a:solidFill>
-                  <a:schemeClr val="tx1"/>
-                </a:solidFill>
-              </a:rPr>
-              <a:t>7</a:t>
-            </a:r>
-          </a:p>
-        </p:txBody>
-      </p:sp>
-      <p:sp>
-        <p:nvSpPr>
-          <p:cNvPr id="128" name="Rectangle 127">
-            <a:extLst>
-              <a:ext uri="{FF2B5EF4-FFF2-40B4-BE49-F238E27FC236}">
-                <a16:creationId xmlns:a16="http://schemas.microsoft.com/office/drawing/2014/main" id="{2A3994E8-3CE7-4625-8FE2-303B08BDFA1A}"/>
+              <a:t>z</a:t>
+            </a:r>
+          </a:p>
+        </p:txBody>
+      </p:sp>
+      <p:sp>
+        <p:nvSpPr>
+          <p:cNvPr id="175" name="Rectangle 174">
+            <a:extLst>
+              <a:ext uri="{FF2B5EF4-FFF2-40B4-BE49-F238E27FC236}">
+                <a16:creationId xmlns:a16="http://schemas.microsoft.com/office/drawing/2014/main" id="{A473CC88-B4C2-4623-AA00-14BE1CC04674}"/>
               </a:ext>
             </a:extLst>
           </p:cNvPr>
@@ -18778,8 +19449,8 @@
         </p:nvSpPr>
         <p:spPr>
           <a:xfrm>
-            <a:off x="3907275" y="4910480"/>
-            <a:ext cx="564938" cy="297455"/>
+            <a:off x="1684957" y="4910478"/>
+            <a:ext cx="344599" cy="297455"/>
           </a:xfrm>
           <a:prstGeom prst="rect">
             <a:avLst/>
@@ -18810,30 +19481,30 @@
           <a:p>
             <a:pPr algn="ctr"/>
             <a:r>
-              <a:rPr lang="en-CA" sz="1200" dirty="0">
-                <a:solidFill>
-                  <a:schemeClr val="tx1"/>
-                </a:solidFill>
-              </a:rPr>
-              <a:t>Vs</a:t>
-            </a:r>
-            <a:r>
-              <a:rPr lang="en-CA" sz="1200" baseline="-25000" dirty="0">
-                <a:solidFill>
-                  <a:schemeClr val="tx1"/>
-                </a:solidFill>
-              </a:rPr>
-              <a:t>5</a:t>
-            </a:r>
-          </a:p>
-        </p:txBody>
-      </p:sp>
-      <p:sp>
-        <p:nvSpPr>
-          <p:cNvPr id="129" name="Rectangle 128">
-            <a:extLst>
-              <a:ext uri="{FF2B5EF4-FFF2-40B4-BE49-F238E27FC236}">
-                <a16:creationId xmlns:a16="http://schemas.microsoft.com/office/drawing/2014/main" id="{9E555727-7EDB-459B-A8B4-B5A4416F279A}"/>
+              <a:rPr lang="en-CA" sz="1000" dirty="0">
+                <a:solidFill>
+                  <a:schemeClr val="tx1"/>
+                </a:solidFill>
+              </a:rPr>
+              <a:t>m</a:t>
+            </a:r>
+            <a:r>
+              <a:rPr lang="en-CA" sz="1000" baseline="-25000" dirty="0">
+                <a:solidFill>
+                  <a:schemeClr val="tx1"/>
+                </a:solidFill>
+              </a:rPr>
+              <a:t>3</a:t>
+            </a:r>
+          </a:p>
+        </p:txBody>
+      </p:sp>
+      <p:sp>
+        <p:nvSpPr>
+          <p:cNvPr id="176" name="Rectangle 175">
+            <a:extLst>
+              <a:ext uri="{FF2B5EF4-FFF2-40B4-BE49-F238E27FC236}">
+                <a16:creationId xmlns:a16="http://schemas.microsoft.com/office/drawing/2014/main" id="{1269E812-F761-43B7-AA9C-37558776E965}"/>
               </a:ext>
             </a:extLst>
           </p:cNvPr>
@@ -18842,191 +19513,7 @@
         </p:nvSpPr>
         <p:spPr>
           <a:xfrm>
-            <a:off x="3333800" y="4910479"/>
-            <a:ext cx="564938" cy="297455"/>
-          </a:xfrm>
-          <a:prstGeom prst="rect">
-            <a:avLst/>
-          </a:prstGeom>
-          <a:solidFill>
-            <a:srgbClr val="FFFF99"/>
-          </a:solidFill>
-        </p:spPr>
-        <p:style>
-          <a:lnRef idx="2">
-            <a:schemeClr val="accent1">
-              <a:shade val="50000"/>
-            </a:schemeClr>
-          </a:lnRef>
-          <a:fillRef idx="1">
-            <a:schemeClr val="accent1"/>
-          </a:fillRef>
-          <a:effectRef idx="0">
-            <a:schemeClr val="accent1"/>
-          </a:effectRef>
-          <a:fontRef idx="minor">
-            <a:schemeClr val="lt1"/>
-          </a:fontRef>
-        </p:style>
-        <p:txBody>
-          <a:bodyPr rtlCol="0" anchor="ctr"/>
-          <a:lstStyle/>
-          <a:p>
-            <a:pPr algn="ctr"/>
-            <a:r>
-              <a:rPr lang="en-CA" sz="1200" dirty="0">
-                <a:solidFill>
-                  <a:schemeClr val="tx1"/>
-                </a:solidFill>
-              </a:rPr>
-              <a:t>Aa</a:t>
-            </a:r>
-            <a:r>
-              <a:rPr lang="en-CA" sz="1200" baseline="-25000" dirty="0">
-                <a:solidFill>
-                  <a:schemeClr val="tx1"/>
-                </a:solidFill>
-              </a:rPr>
-              <a:t>5</a:t>
-            </a:r>
-          </a:p>
-        </p:txBody>
-      </p:sp>
-      <p:sp>
-        <p:nvSpPr>
-          <p:cNvPr id="130" name="Rectangle 129">
-            <a:extLst>
-              <a:ext uri="{FF2B5EF4-FFF2-40B4-BE49-F238E27FC236}">
-                <a16:creationId xmlns:a16="http://schemas.microsoft.com/office/drawing/2014/main" id="{164946A8-FB9C-4724-BA85-B48C7E25AB5D}"/>
-              </a:ext>
-            </a:extLst>
-          </p:cNvPr>
-          <p:cNvSpPr/>
-          <p:nvPr/>
-        </p:nvSpPr>
-        <p:spPr>
-          <a:xfrm>
-            <a:off x="2022793" y="4910478"/>
-            <a:ext cx="159790" cy="297455"/>
-          </a:xfrm>
-          <a:prstGeom prst="rect">
-            <a:avLst/>
-          </a:prstGeom>
-          <a:solidFill>
-            <a:srgbClr val="FFFF99"/>
-          </a:solidFill>
-        </p:spPr>
-        <p:style>
-          <a:lnRef idx="2">
-            <a:schemeClr val="accent1">
-              <a:shade val="50000"/>
-            </a:schemeClr>
-          </a:lnRef>
-          <a:fillRef idx="1">
-            <a:schemeClr val="accent1"/>
-          </a:fillRef>
-          <a:effectRef idx="0">
-            <a:schemeClr val="accent1"/>
-          </a:effectRef>
-          <a:fontRef idx="minor">
-            <a:schemeClr val="lt1"/>
-          </a:fontRef>
-        </p:style>
-        <p:txBody>
-          <a:bodyPr rtlCol="0" anchor="ctr"/>
-          <a:lstStyle/>
-          <a:p>
-            <a:pPr algn="ctr"/>
-            <a:r>
-              <a:rPr lang="en-CA" sz="1200" dirty="0">
-                <a:solidFill>
-                  <a:schemeClr val="tx1"/>
-                </a:solidFill>
-              </a:rPr>
-              <a:t>z</a:t>
-            </a:r>
-          </a:p>
-        </p:txBody>
-      </p:sp>
-      <p:sp>
-        <p:nvSpPr>
-          <p:cNvPr id="131" name="Rectangle 130">
-            <a:extLst>
-              <a:ext uri="{FF2B5EF4-FFF2-40B4-BE49-F238E27FC236}">
-                <a16:creationId xmlns:a16="http://schemas.microsoft.com/office/drawing/2014/main" id="{41EB31BD-4ADC-4F70-BCE6-67D930DABB5F}"/>
-              </a:ext>
-            </a:extLst>
-          </p:cNvPr>
-          <p:cNvSpPr/>
-          <p:nvPr/>
-        </p:nvSpPr>
-        <p:spPr>
-          <a:xfrm>
-            <a:off x="1686003" y="4910478"/>
-            <a:ext cx="344599" cy="297455"/>
-          </a:xfrm>
-          <a:prstGeom prst="rect">
-            <a:avLst/>
-          </a:prstGeom>
-          <a:solidFill>
-            <a:srgbClr val="FFFF99"/>
-          </a:solidFill>
-        </p:spPr>
-        <p:style>
-          <a:lnRef idx="2">
-            <a:schemeClr val="accent1">
-              <a:shade val="50000"/>
-            </a:schemeClr>
-          </a:lnRef>
-          <a:fillRef idx="1">
-            <a:schemeClr val="accent1"/>
-          </a:fillRef>
-          <a:effectRef idx="0">
-            <a:schemeClr val="accent1"/>
-          </a:effectRef>
-          <a:fontRef idx="minor">
-            <a:schemeClr val="lt1"/>
-          </a:fontRef>
-        </p:style>
-        <p:txBody>
-          <a:bodyPr rtlCol="0" anchor="ctr"/>
-          <a:lstStyle/>
-          <a:p>
-            <a:pPr algn="ctr"/>
-            <a:r>
-              <a:rPr lang="en-CA" sz="1000" dirty="0">
-                <a:solidFill>
-                  <a:schemeClr val="tx1"/>
-                </a:solidFill>
-              </a:rPr>
-              <a:t>m</a:t>
-            </a:r>
-            <a:r>
-              <a:rPr lang="en-CA" sz="1000" baseline="-25000" dirty="0">
-                <a:solidFill>
-                  <a:schemeClr val="tx1"/>
-                </a:solidFill>
-              </a:rPr>
-              <a:t>3</a:t>
-            </a:r>
-          </a:p>
-        </p:txBody>
-      </p:sp>
-      <p:sp>
-        <p:nvSpPr>
-          <p:cNvPr id="132" name="Rectangle 131">
-            <a:extLst>
-              <a:ext uri="{FF2B5EF4-FFF2-40B4-BE49-F238E27FC236}">
-                <a16:creationId xmlns:a16="http://schemas.microsoft.com/office/drawing/2014/main" id="{2BEF703E-DECF-4369-82E0-AA3452687DD4}"/>
-              </a:ext>
-            </a:extLst>
-          </p:cNvPr>
-          <p:cNvSpPr/>
-          <p:nvPr/>
-        </p:nvSpPr>
-        <p:spPr>
-          <a:xfrm>
-            <a:off x="2184931" y="5234512"/>
+            <a:off x="2183885" y="5234512"/>
             <a:ext cx="598701" cy="297455"/>
           </a:xfrm>
           <a:prstGeom prst="rect">
@@ -19074,17 +19561,17 @@
                   <a:schemeClr val="tx1"/>
                 </a:solidFill>
               </a:rPr>
-              <a:t>5</a:t>
-            </a:r>
-          </a:p>
-        </p:txBody>
-      </p:sp>
-      <p:sp>
-        <p:nvSpPr>
-          <p:cNvPr id="133" name="Rectangle 132">
-            <a:extLst>
-              <a:ext uri="{FF2B5EF4-FFF2-40B4-BE49-F238E27FC236}">
-                <a16:creationId xmlns:a16="http://schemas.microsoft.com/office/drawing/2014/main" id="{CA4E5E9F-621B-430C-9C44-C1F690C8D020}"/>
+              <a:t>6</a:t>
+            </a:r>
+          </a:p>
+        </p:txBody>
+      </p:sp>
+      <p:sp>
+        <p:nvSpPr>
+          <p:cNvPr id="177" name="Rectangle 176">
+            <a:extLst>
+              <a:ext uri="{FF2B5EF4-FFF2-40B4-BE49-F238E27FC236}">
+                <a16:creationId xmlns:a16="http://schemas.microsoft.com/office/drawing/2014/main" id="{D122DBB5-3A3F-47A8-AADA-6B1E68D45C3E}"/>
               </a:ext>
             </a:extLst>
           </p:cNvPr>
@@ -19093,8 +19580,8 @@
         </p:nvSpPr>
         <p:spPr>
           <a:xfrm>
-            <a:off x="679218" y="4910477"/>
-            <a:ext cx="998807" cy="297455"/>
+            <a:off x="508862" y="4910477"/>
+            <a:ext cx="1168118" cy="297455"/>
           </a:xfrm>
           <a:prstGeom prst="rect">
             <a:avLst/>
@@ -19141,17 +19628,17 @@
                   <a:schemeClr val="tx1"/>
                 </a:solidFill>
               </a:rPr>
-              <a:t>8</a:t>
-            </a:r>
-          </a:p>
-        </p:txBody>
-      </p:sp>
-      <p:sp>
-        <p:nvSpPr>
-          <p:cNvPr id="134" name="Rectangle 133">
-            <a:extLst>
-              <a:ext uri="{FF2B5EF4-FFF2-40B4-BE49-F238E27FC236}">
-                <a16:creationId xmlns:a16="http://schemas.microsoft.com/office/drawing/2014/main" id="{8EACDAAF-8E94-45A8-B0F6-F664874B6F55}"/>
+              <a:t>12</a:t>
+            </a:r>
+          </a:p>
+        </p:txBody>
+      </p:sp>
+      <p:sp>
+        <p:nvSpPr>
+          <p:cNvPr id="178" name="Rectangle 177">
+            <a:extLst>
+              <a:ext uri="{FF2B5EF4-FFF2-40B4-BE49-F238E27FC236}">
+                <a16:creationId xmlns:a16="http://schemas.microsoft.com/office/drawing/2014/main" id="{6FDFFFCA-82A3-4D14-83FA-36FFC9F6EFA7}"/>
               </a:ext>
             </a:extLst>
           </p:cNvPr>
@@ -19160,7 +19647,7 @@
         </p:nvSpPr>
         <p:spPr>
           <a:xfrm>
-            <a:off x="2189222" y="4910477"/>
+            <a:off x="2188176" y="4910477"/>
             <a:ext cx="1160562" cy="297455"/>
           </a:xfrm>
           <a:prstGeom prst="rect">
@@ -19208,17 +19695,17 @@
                   <a:schemeClr val="tx1"/>
                 </a:solidFill>
               </a:rPr>
-              <a:t>10</a:t>
-            </a:r>
-          </a:p>
-        </p:txBody>
-      </p:sp>
-      <p:sp>
-        <p:nvSpPr>
-          <p:cNvPr id="135" name="Rectangle 134">
-            <a:extLst>
-              <a:ext uri="{FF2B5EF4-FFF2-40B4-BE49-F238E27FC236}">
-                <a16:creationId xmlns:a16="http://schemas.microsoft.com/office/drawing/2014/main" id="{65A51759-A5C9-4C32-A243-1477C6B9A9F3}"/>
+              <a:t>12</a:t>
+            </a:r>
+          </a:p>
+        </p:txBody>
+      </p:sp>
+      <p:sp>
+        <p:nvSpPr>
+          <p:cNvPr id="179" name="Rectangle 178">
+            <a:extLst>
+              <a:ext uri="{FF2B5EF4-FFF2-40B4-BE49-F238E27FC236}">
+                <a16:creationId xmlns:a16="http://schemas.microsoft.com/office/drawing/2014/main" id="{5BB8781C-5708-418E-AF60-DFEA639EF708}"/>
               </a:ext>
             </a:extLst>
           </p:cNvPr>
@@ -19227,14 +19714,14 @@
         </p:nvSpPr>
         <p:spPr>
           <a:xfrm>
-            <a:off x="4469722" y="5235406"/>
-            <a:ext cx="220338" cy="297455"/>
-          </a:xfrm>
-          <a:prstGeom prst="rect">
-            <a:avLst/>
-          </a:prstGeom>
-          <a:solidFill>
-            <a:srgbClr val="FFFF66"/>
+            <a:off x="3330263" y="5235404"/>
+            <a:ext cx="564938" cy="297455"/>
+          </a:xfrm>
+          <a:prstGeom prst="rect">
+            <a:avLst/>
+          </a:prstGeom>
+          <a:solidFill>
+            <a:srgbClr val="FFFF99"/>
           </a:solidFill>
         </p:spPr>
         <p:style>
@@ -19264,17 +19751,25 @@
                   <a:schemeClr val="tx1"/>
                 </a:solidFill>
               </a:rPr>
-              <a:t>1</a:t>
-            </a:r>
-          </a:p>
-        </p:txBody>
-      </p:sp>
-      <p:sp>
-        <p:nvSpPr>
-          <p:cNvPr id="136" name="Rectangle 135">
-            <a:extLst>
-              <a:ext uri="{FF2B5EF4-FFF2-40B4-BE49-F238E27FC236}">
-                <a16:creationId xmlns:a16="http://schemas.microsoft.com/office/drawing/2014/main" id="{937CDFF7-8F22-442E-B82E-D242C6B09B00}"/>
+              <a:t>Ra</a:t>
+            </a:r>
+            <a:r>
+              <a:rPr lang="en-CA" sz="1200" baseline="-25000" dirty="0">
+                <a:solidFill>
+                  <a:schemeClr val="tx1"/>
+                </a:solidFill>
+              </a:rPr>
+              <a:t>6</a:t>
+            </a:r>
+          </a:p>
+        </p:txBody>
+      </p:sp>
+      <p:sp>
+        <p:nvSpPr>
+          <p:cNvPr id="180" name="Rectangle 179">
+            <a:extLst>
+              <a:ext uri="{FF2B5EF4-FFF2-40B4-BE49-F238E27FC236}">
+                <a16:creationId xmlns:a16="http://schemas.microsoft.com/office/drawing/2014/main" id="{6C0A56A5-A19F-41FE-AE4A-7C1BAD3096CB}"/>
               </a:ext>
             </a:extLst>
           </p:cNvPr>
@@ -19283,14 +19778,14 @@
         </p:nvSpPr>
         <p:spPr>
           <a:xfrm>
-            <a:off x="4690060" y="5235405"/>
-            <a:ext cx="1090670" cy="297455"/>
-          </a:xfrm>
-          <a:prstGeom prst="rect">
-            <a:avLst/>
-          </a:prstGeom>
-          <a:solidFill>
-            <a:srgbClr val="FFFF66"/>
+            <a:off x="2019256" y="5235403"/>
+            <a:ext cx="159790" cy="297455"/>
+          </a:xfrm>
+          <a:prstGeom prst="rect">
+            <a:avLst/>
+          </a:prstGeom>
+          <a:solidFill>
+            <a:srgbClr val="FFFF99"/>
           </a:solidFill>
         </p:spPr>
         <p:style>
@@ -19320,25 +19815,17 @@
                   <a:schemeClr val="tx1"/>
                 </a:solidFill>
               </a:rPr>
-              <a:t>72h</a:t>
-            </a:r>
-            <a:r>
-              <a:rPr lang="en-CA" sz="1200" baseline="-25000" dirty="0">
-                <a:solidFill>
-                  <a:schemeClr val="tx1"/>
-                </a:solidFill>
-              </a:rPr>
-              <a:t>7</a:t>
-            </a:r>
-          </a:p>
-        </p:txBody>
-      </p:sp>
-      <p:sp>
-        <p:nvSpPr>
-          <p:cNvPr id="137" name="Rectangle 136">
-            <a:extLst>
-              <a:ext uri="{FF2B5EF4-FFF2-40B4-BE49-F238E27FC236}">
-                <a16:creationId xmlns:a16="http://schemas.microsoft.com/office/drawing/2014/main" id="{821237FF-709A-4329-AADD-BF105C203923}"/>
+              <a:t>z</a:t>
+            </a:r>
+          </a:p>
+        </p:txBody>
+      </p:sp>
+      <p:sp>
+        <p:nvSpPr>
+          <p:cNvPr id="181" name="Rectangle 180">
+            <a:extLst>
+              <a:ext uri="{FF2B5EF4-FFF2-40B4-BE49-F238E27FC236}">
+                <a16:creationId xmlns:a16="http://schemas.microsoft.com/office/drawing/2014/main" id="{436544ED-B78A-4526-A569-D5B5CF17F77C}"/>
               </a:ext>
             </a:extLst>
           </p:cNvPr>
@@ -19347,8 +19834,8 @@
         </p:nvSpPr>
         <p:spPr>
           <a:xfrm>
-            <a:off x="3904784" y="5235405"/>
-            <a:ext cx="564938" cy="297455"/>
+            <a:off x="1682466" y="5235403"/>
+            <a:ext cx="344599" cy="297455"/>
           </a:xfrm>
           <a:prstGeom prst="rect">
             <a:avLst/>
@@ -19379,30 +19866,30 @@
           <a:p>
             <a:pPr algn="ctr"/>
             <a:r>
-              <a:rPr lang="en-CA" sz="1200" dirty="0">
-                <a:solidFill>
-                  <a:schemeClr val="tx1"/>
-                </a:solidFill>
-              </a:rPr>
-              <a:t>Vs</a:t>
-            </a:r>
-            <a:r>
-              <a:rPr lang="en-CA" sz="1200" baseline="-25000" dirty="0">
-                <a:solidFill>
-                  <a:schemeClr val="tx1"/>
-                </a:solidFill>
-              </a:rPr>
-              <a:t>5</a:t>
-            </a:r>
-          </a:p>
-        </p:txBody>
-      </p:sp>
-      <p:sp>
-        <p:nvSpPr>
-          <p:cNvPr id="138" name="Rectangle 137">
-            <a:extLst>
-              <a:ext uri="{FF2B5EF4-FFF2-40B4-BE49-F238E27FC236}">
-                <a16:creationId xmlns:a16="http://schemas.microsoft.com/office/drawing/2014/main" id="{E042F3D4-82A6-462E-A348-A861E5D3F54A}"/>
+              <a:rPr lang="en-CA" sz="1000" dirty="0">
+                <a:solidFill>
+                  <a:schemeClr val="tx1"/>
+                </a:solidFill>
+              </a:rPr>
+              <a:t>m</a:t>
+            </a:r>
+            <a:r>
+              <a:rPr lang="en-CA" sz="1000" baseline="-25000" dirty="0">
+                <a:solidFill>
+                  <a:schemeClr val="tx1"/>
+                </a:solidFill>
+              </a:rPr>
+              <a:t>3</a:t>
+            </a:r>
+          </a:p>
+        </p:txBody>
+      </p:sp>
+      <p:sp>
+        <p:nvSpPr>
+          <p:cNvPr id="182" name="Rectangle 181">
+            <a:extLst>
+              <a:ext uri="{FF2B5EF4-FFF2-40B4-BE49-F238E27FC236}">
+                <a16:creationId xmlns:a16="http://schemas.microsoft.com/office/drawing/2014/main" id="{DE8D437A-426D-4FDC-9E72-ACD5B4AAFDC0}"/>
               </a:ext>
             </a:extLst>
           </p:cNvPr>
@@ -19411,192 +19898,8 @@
         </p:nvSpPr>
         <p:spPr>
           <a:xfrm>
-            <a:off x="3331309" y="5235404"/>
-            <a:ext cx="564938" cy="297455"/>
-          </a:xfrm>
-          <a:prstGeom prst="rect">
-            <a:avLst/>
-          </a:prstGeom>
-          <a:solidFill>
-            <a:srgbClr val="FFFF99"/>
-          </a:solidFill>
-        </p:spPr>
-        <p:style>
-          <a:lnRef idx="2">
-            <a:schemeClr val="accent1">
-              <a:shade val="50000"/>
-            </a:schemeClr>
-          </a:lnRef>
-          <a:fillRef idx="1">
-            <a:schemeClr val="accent1"/>
-          </a:fillRef>
-          <a:effectRef idx="0">
-            <a:schemeClr val="accent1"/>
-          </a:effectRef>
-          <a:fontRef idx="minor">
-            <a:schemeClr val="lt1"/>
-          </a:fontRef>
-        </p:style>
-        <p:txBody>
-          <a:bodyPr rtlCol="0" anchor="ctr"/>
-          <a:lstStyle/>
-          <a:p>
-            <a:pPr algn="ctr"/>
-            <a:r>
-              <a:rPr lang="en-CA" sz="1200" dirty="0">
-                <a:solidFill>
-                  <a:schemeClr val="tx1"/>
-                </a:solidFill>
-              </a:rPr>
-              <a:t>Aa</a:t>
-            </a:r>
-            <a:r>
-              <a:rPr lang="en-CA" sz="1200" baseline="-25000" dirty="0">
-                <a:solidFill>
-                  <a:schemeClr val="tx1"/>
-                </a:solidFill>
-              </a:rPr>
-              <a:t>5</a:t>
-            </a:r>
-          </a:p>
-        </p:txBody>
-      </p:sp>
-      <p:sp>
-        <p:nvSpPr>
-          <p:cNvPr id="139" name="Rectangle 138">
-            <a:extLst>
-              <a:ext uri="{FF2B5EF4-FFF2-40B4-BE49-F238E27FC236}">
-                <a16:creationId xmlns:a16="http://schemas.microsoft.com/office/drawing/2014/main" id="{1FBAAD11-6E81-43EF-896F-2948A78E3389}"/>
-              </a:ext>
-            </a:extLst>
-          </p:cNvPr>
-          <p:cNvSpPr/>
-          <p:nvPr/>
-        </p:nvSpPr>
-        <p:spPr>
-          <a:xfrm>
-            <a:off x="2020302" y="5235403"/>
-            <a:ext cx="159790" cy="297455"/>
-          </a:xfrm>
-          <a:prstGeom prst="rect">
-            <a:avLst/>
-          </a:prstGeom>
-          <a:solidFill>
-            <a:srgbClr val="FFFF99"/>
-          </a:solidFill>
-        </p:spPr>
-        <p:style>
-          <a:lnRef idx="2">
-            <a:schemeClr val="accent1">
-              <a:shade val="50000"/>
-            </a:schemeClr>
-          </a:lnRef>
-          <a:fillRef idx="1">
-            <a:schemeClr val="accent1"/>
-          </a:fillRef>
-          <a:effectRef idx="0">
-            <a:schemeClr val="accent1"/>
-          </a:effectRef>
-          <a:fontRef idx="minor">
-            <a:schemeClr val="lt1"/>
-          </a:fontRef>
-        </p:style>
-        <p:txBody>
-          <a:bodyPr rtlCol="0" anchor="ctr"/>
-          <a:lstStyle/>
-          <a:p>
-            <a:pPr algn="ctr"/>
-            <a:r>
-              <a:rPr lang="en-CA" sz="1200" dirty="0">
-                <a:solidFill>
-                  <a:schemeClr val="tx1"/>
-                </a:solidFill>
-              </a:rPr>
-              <a:t>z</a:t>
-            </a:r>
-          </a:p>
-        </p:txBody>
-      </p:sp>
-      <p:sp>
-        <p:nvSpPr>
-          <p:cNvPr id="140" name="Rectangle 139">
-            <a:extLst>
-              <a:ext uri="{FF2B5EF4-FFF2-40B4-BE49-F238E27FC236}">
-                <a16:creationId xmlns:a16="http://schemas.microsoft.com/office/drawing/2014/main" id="{B66EC5E6-CDF7-43E9-BD9C-3C4DD0F2FA48}"/>
-              </a:ext>
-            </a:extLst>
-          </p:cNvPr>
-          <p:cNvSpPr/>
-          <p:nvPr/>
-        </p:nvSpPr>
-        <p:spPr>
-          <a:xfrm>
-            <a:off x="1683512" y="5235403"/>
-            <a:ext cx="344599" cy="297455"/>
-          </a:xfrm>
-          <a:prstGeom prst="rect">
-            <a:avLst/>
-          </a:prstGeom>
-          <a:solidFill>
-            <a:srgbClr val="FFFF99"/>
-          </a:solidFill>
-        </p:spPr>
-        <p:style>
-          <a:lnRef idx="2">
-            <a:schemeClr val="accent1">
-              <a:shade val="50000"/>
-            </a:schemeClr>
-          </a:lnRef>
-          <a:fillRef idx="1">
-            <a:schemeClr val="accent1"/>
-          </a:fillRef>
-          <a:effectRef idx="0">
-            <a:schemeClr val="accent1"/>
-          </a:effectRef>
-          <a:fontRef idx="minor">
-            <a:schemeClr val="lt1"/>
-          </a:fontRef>
-        </p:style>
-        <p:txBody>
-          <a:bodyPr rtlCol="0" anchor="ctr"/>
-          <a:lstStyle/>
-          <a:p>
-            <a:pPr algn="ctr"/>
-            <a:r>
-              <a:rPr lang="en-CA" sz="1000" dirty="0">
-                <a:solidFill>
-                  <a:schemeClr val="tx1"/>
-                </a:solidFill>
-              </a:rPr>
-              <a:t>m</a:t>
-            </a:r>
-            <a:r>
-              <a:rPr lang="en-CA" sz="1000" baseline="-25000" dirty="0">
-                <a:solidFill>
-                  <a:schemeClr val="tx1"/>
-                </a:solidFill>
-              </a:rPr>
-              <a:t>3</a:t>
-            </a:r>
-          </a:p>
-        </p:txBody>
-      </p:sp>
-      <p:sp>
-        <p:nvSpPr>
-          <p:cNvPr id="141" name="Rectangle 140">
-            <a:extLst>
-              <a:ext uri="{FF2B5EF4-FFF2-40B4-BE49-F238E27FC236}">
-                <a16:creationId xmlns:a16="http://schemas.microsoft.com/office/drawing/2014/main" id="{5DE696DF-2DC9-4291-B52C-D830B18F6FA1}"/>
-              </a:ext>
-            </a:extLst>
-          </p:cNvPr>
-          <p:cNvSpPr/>
-          <p:nvPr/>
-        </p:nvSpPr>
-        <p:spPr>
-          <a:xfrm>
-            <a:off x="679218" y="5235402"/>
-            <a:ext cx="996316" cy="297455"/>
+            <a:off x="506370" y="5235402"/>
+            <a:ext cx="1168118" cy="297455"/>
           </a:xfrm>
           <a:prstGeom prst="rect">
             <a:avLst/>
@@ -19643,17 +19946,17 @@
                   <a:schemeClr val="tx1"/>
                 </a:solidFill>
               </a:rPr>
-              <a:t>8</a:t>
-            </a:r>
-          </a:p>
-        </p:txBody>
-      </p:sp>
-      <p:sp>
-        <p:nvSpPr>
-          <p:cNvPr id="142" name="Rectangle 141">
-            <a:extLst>
-              <a:ext uri="{FF2B5EF4-FFF2-40B4-BE49-F238E27FC236}">
-                <a16:creationId xmlns:a16="http://schemas.microsoft.com/office/drawing/2014/main" id="{C3481893-F84C-4FE8-852C-772FC7D3899E}"/>
+              <a:t>12</a:t>
+            </a:r>
+          </a:p>
+        </p:txBody>
+      </p:sp>
+      <p:sp>
+        <p:nvSpPr>
+          <p:cNvPr id="183" name="Rectangle 182">
+            <a:extLst>
+              <a:ext uri="{FF2B5EF4-FFF2-40B4-BE49-F238E27FC236}">
+                <a16:creationId xmlns:a16="http://schemas.microsoft.com/office/drawing/2014/main" id="{D44A1413-EDC4-432C-9443-35CD2E55867B}"/>
               </a:ext>
             </a:extLst>
           </p:cNvPr>
@@ -19662,7 +19965,7 @@
         </p:nvSpPr>
         <p:spPr>
           <a:xfrm>
-            <a:off x="2783632" y="5234512"/>
+            <a:off x="2782586" y="5234512"/>
             <a:ext cx="564938" cy="297455"/>
           </a:xfrm>
           <a:prstGeom prst="rect">
@@ -19707,17 +20010,17 @@
                   <a:schemeClr val="tx1"/>
                 </a:solidFill>
               </a:rPr>
-              <a:t>5</a:t>
-            </a:r>
-          </a:p>
-        </p:txBody>
-      </p:sp>
-      <p:sp>
-        <p:nvSpPr>
-          <p:cNvPr id="143" name="Rectangle 142">
-            <a:extLst>
-              <a:ext uri="{FF2B5EF4-FFF2-40B4-BE49-F238E27FC236}">
-                <a16:creationId xmlns:a16="http://schemas.microsoft.com/office/drawing/2014/main" id="{70B56373-1765-4F8E-85F8-C0DC3B9A2E88}"/>
+              <a:t>6</a:t>
+            </a:r>
+          </a:p>
+        </p:txBody>
+      </p:sp>
+      <p:sp>
+        <p:nvSpPr>
+          <p:cNvPr id="184" name="Rectangle 183">
+            <a:extLst>
+              <a:ext uri="{FF2B5EF4-FFF2-40B4-BE49-F238E27FC236}">
+                <a16:creationId xmlns:a16="http://schemas.microsoft.com/office/drawing/2014/main" id="{BDFF132D-8B04-4389-9342-649429643D41}"/>
               </a:ext>
             </a:extLst>
           </p:cNvPr>
@@ -19726,14 +20029,14 @@
         </p:nvSpPr>
         <p:spPr>
           <a:xfrm>
-            <a:off x="4452889" y="5608780"/>
-            <a:ext cx="220338" cy="297455"/>
-          </a:xfrm>
-          <a:prstGeom prst="rect">
-            <a:avLst/>
-          </a:prstGeom>
-          <a:solidFill>
-            <a:srgbClr val="FFFF66"/>
+            <a:off x="3313430" y="5608778"/>
+            <a:ext cx="564938" cy="297455"/>
+          </a:xfrm>
+          <a:prstGeom prst="rect">
+            <a:avLst/>
+          </a:prstGeom>
+          <a:solidFill>
+            <a:srgbClr val="FFFF99"/>
           </a:solidFill>
         </p:spPr>
         <p:style>
@@ -19763,17 +20066,25 @@
                   <a:schemeClr val="tx1"/>
                 </a:solidFill>
               </a:rPr>
-              <a:t>1</a:t>
-            </a:r>
-          </a:p>
-        </p:txBody>
-      </p:sp>
-      <p:sp>
-        <p:nvSpPr>
-          <p:cNvPr id="144" name="Rectangle 143">
-            <a:extLst>
-              <a:ext uri="{FF2B5EF4-FFF2-40B4-BE49-F238E27FC236}">
-                <a16:creationId xmlns:a16="http://schemas.microsoft.com/office/drawing/2014/main" id="{96828CB1-4573-4C05-86CC-07A314836E37}"/>
+              <a:t>Ra</a:t>
+            </a:r>
+            <a:r>
+              <a:rPr lang="en-CA" sz="1200" baseline="-25000" dirty="0">
+                <a:solidFill>
+                  <a:schemeClr val="tx1"/>
+                </a:solidFill>
+              </a:rPr>
+              <a:t>6</a:t>
+            </a:r>
+          </a:p>
+        </p:txBody>
+      </p:sp>
+      <p:sp>
+        <p:nvSpPr>
+          <p:cNvPr id="185" name="Rectangle 184">
+            <a:extLst>
+              <a:ext uri="{FF2B5EF4-FFF2-40B4-BE49-F238E27FC236}">
+                <a16:creationId xmlns:a16="http://schemas.microsoft.com/office/drawing/2014/main" id="{A66B316C-CBE1-4511-A403-B4B184C062A9}"/>
               </a:ext>
             </a:extLst>
           </p:cNvPr>
@@ -19782,199 +20093,7 @@
         </p:nvSpPr>
         <p:spPr>
           <a:xfrm>
-            <a:off x="4673227" y="5608779"/>
-            <a:ext cx="1090670" cy="297455"/>
-          </a:xfrm>
-          <a:prstGeom prst="rect">
-            <a:avLst/>
-          </a:prstGeom>
-          <a:solidFill>
-            <a:srgbClr val="FFFF66"/>
-          </a:solidFill>
-        </p:spPr>
-        <p:style>
-          <a:lnRef idx="2">
-            <a:schemeClr val="accent1">
-              <a:shade val="50000"/>
-            </a:schemeClr>
-          </a:lnRef>
-          <a:fillRef idx="1">
-            <a:schemeClr val="accent1"/>
-          </a:fillRef>
-          <a:effectRef idx="0">
-            <a:schemeClr val="accent1"/>
-          </a:effectRef>
-          <a:fontRef idx="minor">
-            <a:schemeClr val="lt1"/>
-          </a:fontRef>
-        </p:style>
-        <p:txBody>
-          <a:bodyPr rtlCol="0" anchor="ctr"/>
-          <a:lstStyle/>
-          <a:p>
-            <a:pPr algn="ctr"/>
-            <a:r>
-              <a:rPr lang="en-CA" sz="1200" dirty="0">
-                <a:solidFill>
-                  <a:schemeClr val="tx1"/>
-                </a:solidFill>
-              </a:rPr>
-              <a:t>74h</a:t>
-            </a:r>
-            <a:r>
-              <a:rPr lang="en-CA" sz="1200" baseline="-25000" dirty="0">
-                <a:solidFill>
-                  <a:schemeClr val="tx1"/>
-                </a:solidFill>
-              </a:rPr>
-              <a:t>7</a:t>
-            </a:r>
-          </a:p>
-        </p:txBody>
-      </p:sp>
-      <p:sp>
-        <p:nvSpPr>
-          <p:cNvPr id="145" name="Rectangle 144">
-            <a:extLst>
-              <a:ext uri="{FF2B5EF4-FFF2-40B4-BE49-F238E27FC236}">
-                <a16:creationId xmlns:a16="http://schemas.microsoft.com/office/drawing/2014/main" id="{8DCA4B3F-F4A2-421A-A37C-9C2E69C08E24}"/>
-              </a:ext>
-            </a:extLst>
-          </p:cNvPr>
-          <p:cNvSpPr/>
-          <p:nvPr/>
-        </p:nvSpPr>
-        <p:spPr>
-          <a:xfrm>
-            <a:off x="3887951" y="5608779"/>
-            <a:ext cx="564938" cy="297455"/>
-          </a:xfrm>
-          <a:prstGeom prst="rect">
-            <a:avLst/>
-          </a:prstGeom>
-          <a:solidFill>
-            <a:srgbClr val="FFFF99"/>
-          </a:solidFill>
-        </p:spPr>
-        <p:style>
-          <a:lnRef idx="2">
-            <a:schemeClr val="accent1">
-              <a:shade val="50000"/>
-            </a:schemeClr>
-          </a:lnRef>
-          <a:fillRef idx="1">
-            <a:schemeClr val="accent1"/>
-          </a:fillRef>
-          <a:effectRef idx="0">
-            <a:schemeClr val="accent1"/>
-          </a:effectRef>
-          <a:fontRef idx="minor">
-            <a:schemeClr val="lt1"/>
-          </a:fontRef>
-        </p:style>
-        <p:txBody>
-          <a:bodyPr rtlCol="0" anchor="ctr"/>
-          <a:lstStyle/>
-          <a:p>
-            <a:pPr algn="ctr"/>
-            <a:r>
-              <a:rPr lang="en-CA" sz="1200" dirty="0">
-                <a:solidFill>
-                  <a:schemeClr val="tx1"/>
-                </a:solidFill>
-              </a:rPr>
-              <a:t>Vs</a:t>
-            </a:r>
-            <a:r>
-              <a:rPr lang="en-CA" sz="1200" baseline="-25000" dirty="0">
-                <a:solidFill>
-                  <a:schemeClr val="tx1"/>
-                </a:solidFill>
-              </a:rPr>
-              <a:t>5</a:t>
-            </a:r>
-          </a:p>
-        </p:txBody>
-      </p:sp>
-      <p:sp>
-        <p:nvSpPr>
-          <p:cNvPr id="146" name="Rectangle 145">
-            <a:extLst>
-              <a:ext uri="{FF2B5EF4-FFF2-40B4-BE49-F238E27FC236}">
-                <a16:creationId xmlns:a16="http://schemas.microsoft.com/office/drawing/2014/main" id="{27361195-7608-4B00-BA7C-EA2B9AF51C6B}"/>
-              </a:ext>
-            </a:extLst>
-          </p:cNvPr>
-          <p:cNvSpPr/>
-          <p:nvPr/>
-        </p:nvSpPr>
-        <p:spPr>
-          <a:xfrm>
-            <a:off x="3314476" y="5608778"/>
-            <a:ext cx="564938" cy="297455"/>
-          </a:xfrm>
-          <a:prstGeom prst="rect">
-            <a:avLst/>
-          </a:prstGeom>
-          <a:solidFill>
-            <a:srgbClr val="FFFF99"/>
-          </a:solidFill>
-        </p:spPr>
-        <p:style>
-          <a:lnRef idx="2">
-            <a:schemeClr val="accent1">
-              <a:shade val="50000"/>
-            </a:schemeClr>
-          </a:lnRef>
-          <a:fillRef idx="1">
-            <a:schemeClr val="accent1"/>
-          </a:fillRef>
-          <a:effectRef idx="0">
-            <a:schemeClr val="accent1"/>
-          </a:effectRef>
-          <a:fontRef idx="minor">
-            <a:schemeClr val="lt1"/>
-          </a:fontRef>
-        </p:style>
-        <p:txBody>
-          <a:bodyPr rtlCol="0" anchor="ctr"/>
-          <a:lstStyle/>
-          <a:p>
-            <a:pPr algn="ctr"/>
-            <a:r>
-              <a:rPr lang="en-CA" sz="1200" dirty="0">
-                <a:solidFill>
-                  <a:schemeClr val="tx1"/>
-                </a:solidFill>
-              </a:rPr>
-              <a:t>Aa</a:t>
-            </a:r>
-            <a:r>
-              <a:rPr lang="en-CA" sz="1200" baseline="-25000" dirty="0">
-                <a:solidFill>
-                  <a:schemeClr val="tx1"/>
-                </a:solidFill>
-              </a:rPr>
-              <a:t>5</a:t>
-            </a:r>
-          </a:p>
-        </p:txBody>
-      </p:sp>
-      <p:sp>
-        <p:nvSpPr>
-          <p:cNvPr id="147" name="Rectangle 146">
-            <a:extLst>
-              <a:ext uri="{FF2B5EF4-FFF2-40B4-BE49-F238E27FC236}">
-                <a16:creationId xmlns:a16="http://schemas.microsoft.com/office/drawing/2014/main" id="{91AC31BF-AFB1-4FBA-9D76-5BFB6E6353A5}"/>
-              </a:ext>
-            </a:extLst>
-          </p:cNvPr>
-          <p:cNvSpPr/>
-          <p:nvPr/>
-        </p:nvSpPr>
-        <p:spPr>
-          <a:xfrm>
-            <a:off x="2003469" y="5608777"/>
+            <a:off x="2002423" y="5608777"/>
             <a:ext cx="159790" cy="297455"/>
           </a:xfrm>
           <a:prstGeom prst="rect">
@@ -20020,10 +20139,10 @@
       </p:sp>
       <p:sp>
         <p:nvSpPr>
-          <p:cNvPr id="148" name="Rectangle 147">
-            <a:extLst>
-              <a:ext uri="{FF2B5EF4-FFF2-40B4-BE49-F238E27FC236}">
-                <a16:creationId xmlns:a16="http://schemas.microsoft.com/office/drawing/2014/main" id="{0049AECD-9BBB-4D8F-BF78-33A0EA7A55B6}"/>
+          <p:cNvPr id="186" name="Rectangle 185">
+            <a:extLst>
+              <a:ext uri="{FF2B5EF4-FFF2-40B4-BE49-F238E27FC236}">
+                <a16:creationId xmlns:a16="http://schemas.microsoft.com/office/drawing/2014/main" id="{DFE418A4-1001-49E9-A7D5-351C0D46BE7E}"/>
               </a:ext>
             </a:extLst>
           </p:cNvPr>
@@ -20032,7 +20151,7 @@
         </p:nvSpPr>
         <p:spPr>
           <a:xfrm>
-            <a:off x="1666679" y="5608777"/>
+            <a:off x="1665633" y="5608777"/>
             <a:ext cx="344599" cy="297455"/>
           </a:xfrm>
           <a:prstGeom prst="rect">
@@ -20084,10 +20203,10 @@
       </p:sp>
       <p:sp>
         <p:nvSpPr>
-          <p:cNvPr id="149" name="Rectangle 148">
-            <a:extLst>
-              <a:ext uri="{FF2B5EF4-FFF2-40B4-BE49-F238E27FC236}">
-                <a16:creationId xmlns:a16="http://schemas.microsoft.com/office/drawing/2014/main" id="{ECC40472-DB94-4004-93FC-9D08917BE905}"/>
+          <p:cNvPr id="187" name="Rectangle 186">
+            <a:extLst>
+              <a:ext uri="{FF2B5EF4-FFF2-40B4-BE49-F238E27FC236}">
+                <a16:creationId xmlns:a16="http://schemas.microsoft.com/office/drawing/2014/main" id="{F9AAF162-25E1-46C6-B0C1-BFDC4AD459A1}"/>
               </a:ext>
             </a:extLst>
           </p:cNvPr>
@@ -20096,7 +20215,7 @@
         </p:nvSpPr>
         <p:spPr>
           <a:xfrm>
-            <a:off x="2169090" y="5608777"/>
+            <a:off x="2168044" y="5608777"/>
             <a:ext cx="1160562" cy="297455"/>
           </a:xfrm>
           <a:prstGeom prst="rect">
@@ -20144,17 +20263,17 @@
                   <a:schemeClr val="tx1"/>
                 </a:solidFill>
               </a:rPr>
-              <a:t>10</a:t>
-            </a:r>
-          </a:p>
-        </p:txBody>
-      </p:sp>
-      <p:sp>
-        <p:nvSpPr>
-          <p:cNvPr id="150" name="Rectangle 149">
-            <a:extLst>
-              <a:ext uri="{FF2B5EF4-FFF2-40B4-BE49-F238E27FC236}">
-                <a16:creationId xmlns:a16="http://schemas.microsoft.com/office/drawing/2014/main" id="{53300CFD-5FCE-4486-8231-578B11AF98AA}"/>
+              <a:t>12</a:t>
+            </a:r>
+          </a:p>
+        </p:txBody>
+      </p:sp>
+      <p:sp>
+        <p:nvSpPr>
+          <p:cNvPr id="188" name="Rectangle 187">
+            <a:extLst>
+              <a:ext uri="{FF2B5EF4-FFF2-40B4-BE49-F238E27FC236}">
+                <a16:creationId xmlns:a16="http://schemas.microsoft.com/office/drawing/2014/main" id="{C6ABBD15-F3D1-4A6A-8BB8-DADF0554E2C9}"/>
               </a:ext>
             </a:extLst>
           </p:cNvPr>
@@ -20163,8 +20282,8 @@
         </p:nvSpPr>
         <p:spPr>
           <a:xfrm>
-            <a:off x="672579" y="5608776"/>
-            <a:ext cx="986122" cy="297455"/>
+            <a:off x="496176" y="5608776"/>
+            <a:ext cx="1161479" cy="297455"/>
           </a:xfrm>
           <a:prstGeom prst="rect">
             <a:avLst/>
@@ -20211,17 +20330,17 @@
                   <a:schemeClr val="tx1"/>
                 </a:solidFill>
               </a:rPr>
-              <a:t>8</a:t>
-            </a:r>
-          </a:p>
-        </p:txBody>
-      </p:sp>
-      <p:sp>
-        <p:nvSpPr>
-          <p:cNvPr id="151" name="Rectangle 150">
-            <a:extLst>
-              <a:ext uri="{FF2B5EF4-FFF2-40B4-BE49-F238E27FC236}">
-                <a16:creationId xmlns:a16="http://schemas.microsoft.com/office/drawing/2014/main" id="{07CEB578-EF55-4027-8C1B-61B214762624}"/>
+              <a:t>12</a:t>
+            </a:r>
+          </a:p>
+        </p:txBody>
+      </p:sp>
+      <p:sp>
+        <p:nvSpPr>
+          <p:cNvPr id="189" name="Rectangle 188">
+            <a:extLst>
+              <a:ext uri="{FF2B5EF4-FFF2-40B4-BE49-F238E27FC236}">
+                <a16:creationId xmlns:a16="http://schemas.microsoft.com/office/drawing/2014/main" id="{9843ACC2-43B9-4174-960B-EC1E0AEBCA4B}"/>
               </a:ext>
             </a:extLst>
           </p:cNvPr>
@@ -20230,14 +20349,14 @@
         </p:nvSpPr>
         <p:spPr>
           <a:xfrm>
-            <a:off x="4459528" y="5944951"/>
-            <a:ext cx="220338" cy="297455"/>
-          </a:xfrm>
-          <a:prstGeom prst="rect">
-            <a:avLst/>
-          </a:prstGeom>
-          <a:solidFill>
-            <a:srgbClr val="FFFF66"/>
+            <a:off x="3320069" y="5944949"/>
+            <a:ext cx="564938" cy="297455"/>
+          </a:xfrm>
+          <a:prstGeom prst="rect">
+            <a:avLst/>
+          </a:prstGeom>
+          <a:solidFill>
+            <a:srgbClr val="FFFF99"/>
           </a:solidFill>
         </p:spPr>
         <p:style>
@@ -20267,17 +20386,25 @@
                   <a:schemeClr val="tx1"/>
                 </a:solidFill>
               </a:rPr>
-              <a:t>1</a:t>
-            </a:r>
-          </a:p>
-        </p:txBody>
-      </p:sp>
-      <p:sp>
-        <p:nvSpPr>
-          <p:cNvPr id="152" name="Rectangle 151">
-            <a:extLst>
-              <a:ext uri="{FF2B5EF4-FFF2-40B4-BE49-F238E27FC236}">
-                <a16:creationId xmlns:a16="http://schemas.microsoft.com/office/drawing/2014/main" id="{DBFDC71C-7310-4126-B908-B8986C3274B8}"/>
+              <a:t>Ra</a:t>
+            </a:r>
+            <a:r>
+              <a:rPr lang="en-CA" sz="1200" baseline="-25000" dirty="0">
+                <a:solidFill>
+                  <a:schemeClr val="tx1"/>
+                </a:solidFill>
+              </a:rPr>
+              <a:t>6</a:t>
+            </a:r>
+          </a:p>
+        </p:txBody>
+      </p:sp>
+      <p:sp>
+        <p:nvSpPr>
+          <p:cNvPr id="190" name="Rectangle 189">
+            <a:extLst>
+              <a:ext uri="{FF2B5EF4-FFF2-40B4-BE49-F238E27FC236}">
+                <a16:creationId xmlns:a16="http://schemas.microsoft.com/office/drawing/2014/main" id="{7D6AB556-93BF-4099-9C26-90FAB34C0E94}"/>
               </a:ext>
             </a:extLst>
           </p:cNvPr>
@@ -20286,199 +20413,7 @@
         </p:nvSpPr>
         <p:spPr>
           <a:xfrm>
-            <a:off x="4679866" y="5944950"/>
-            <a:ext cx="1090670" cy="297455"/>
-          </a:xfrm>
-          <a:prstGeom prst="rect">
-            <a:avLst/>
-          </a:prstGeom>
-          <a:solidFill>
-            <a:srgbClr val="FFFF66"/>
-          </a:solidFill>
-        </p:spPr>
-        <p:style>
-          <a:lnRef idx="2">
-            <a:schemeClr val="accent1">
-              <a:shade val="50000"/>
-            </a:schemeClr>
-          </a:lnRef>
-          <a:fillRef idx="1">
-            <a:schemeClr val="accent1"/>
-          </a:fillRef>
-          <a:effectRef idx="0">
-            <a:schemeClr val="accent1"/>
-          </a:effectRef>
-          <a:fontRef idx="minor">
-            <a:schemeClr val="lt1"/>
-          </a:fontRef>
-        </p:style>
-        <p:txBody>
-          <a:bodyPr rtlCol="0" anchor="ctr"/>
-          <a:lstStyle/>
-          <a:p>
-            <a:pPr algn="ctr"/>
-            <a:r>
-              <a:rPr lang="en-CA" sz="1200" dirty="0">
-                <a:solidFill>
-                  <a:schemeClr val="tx1"/>
-                </a:solidFill>
-              </a:rPr>
-              <a:t>75h</a:t>
-            </a:r>
-            <a:r>
-              <a:rPr lang="en-CA" sz="1200" baseline="-25000" dirty="0">
-                <a:solidFill>
-                  <a:schemeClr val="tx1"/>
-                </a:solidFill>
-              </a:rPr>
-              <a:t>7</a:t>
-            </a:r>
-          </a:p>
-        </p:txBody>
-      </p:sp>
-      <p:sp>
-        <p:nvSpPr>
-          <p:cNvPr id="153" name="Rectangle 152">
-            <a:extLst>
-              <a:ext uri="{FF2B5EF4-FFF2-40B4-BE49-F238E27FC236}">
-                <a16:creationId xmlns:a16="http://schemas.microsoft.com/office/drawing/2014/main" id="{693B1B94-DBF7-48C7-BE82-B0920A39CCAF}"/>
-              </a:ext>
-            </a:extLst>
-          </p:cNvPr>
-          <p:cNvSpPr/>
-          <p:nvPr/>
-        </p:nvSpPr>
-        <p:spPr>
-          <a:xfrm>
-            <a:off x="3894590" y="5944950"/>
-            <a:ext cx="564938" cy="297455"/>
-          </a:xfrm>
-          <a:prstGeom prst="rect">
-            <a:avLst/>
-          </a:prstGeom>
-          <a:solidFill>
-            <a:srgbClr val="FFFF99"/>
-          </a:solidFill>
-        </p:spPr>
-        <p:style>
-          <a:lnRef idx="2">
-            <a:schemeClr val="accent1">
-              <a:shade val="50000"/>
-            </a:schemeClr>
-          </a:lnRef>
-          <a:fillRef idx="1">
-            <a:schemeClr val="accent1"/>
-          </a:fillRef>
-          <a:effectRef idx="0">
-            <a:schemeClr val="accent1"/>
-          </a:effectRef>
-          <a:fontRef idx="minor">
-            <a:schemeClr val="lt1"/>
-          </a:fontRef>
-        </p:style>
-        <p:txBody>
-          <a:bodyPr rtlCol="0" anchor="ctr"/>
-          <a:lstStyle/>
-          <a:p>
-            <a:pPr algn="ctr"/>
-            <a:r>
-              <a:rPr lang="en-CA" sz="1200" dirty="0">
-                <a:solidFill>
-                  <a:schemeClr val="tx1"/>
-                </a:solidFill>
-              </a:rPr>
-              <a:t>Vs</a:t>
-            </a:r>
-            <a:r>
-              <a:rPr lang="en-CA" sz="1200" baseline="-25000" dirty="0">
-                <a:solidFill>
-                  <a:schemeClr val="tx1"/>
-                </a:solidFill>
-              </a:rPr>
-              <a:t>5</a:t>
-            </a:r>
-          </a:p>
-        </p:txBody>
-      </p:sp>
-      <p:sp>
-        <p:nvSpPr>
-          <p:cNvPr id="154" name="Rectangle 153">
-            <a:extLst>
-              <a:ext uri="{FF2B5EF4-FFF2-40B4-BE49-F238E27FC236}">
-                <a16:creationId xmlns:a16="http://schemas.microsoft.com/office/drawing/2014/main" id="{CD990254-89D6-4ED6-B2E4-A9571E9D98FB}"/>
-              </a:ext>
-            </a:extLst>
-          </p:cNvPr>
-          <p:cNvSpPr/>
-          <p:nvPr/>
-        </p:nvSpPr>
-        <p:spPr>
-          <a:xfrm>
-            <a:off x="3321115" y="5944949"/>
-            <a:ext cx="564938" cy="297455"/>
-          </a:xfrm>
-          <a:prstGeom prst="rect">
-            <a:avLst/>
-          </a:prstGeom>
-          <a:solidFill>
-            <a:srgbClr val="FFFF99"/>
-          </a:solidFill>
-        </p:spPr>
-        <p:style>
-          <a:lnRef idx="2">
-            <a:schemeClr val="accent1">
-              <a:shade val="50000"/>
-            </a:schemeClr>
-          </a:lnRef>
-          <a:fillRef idx="1">
-            <a:schemeClr val="accent1"/>
-          </a:fillRef>
-          <a:effectRef idx="0">
-            <a:schemeClr val="accent1"/>
-          </a:effectRef>
-          <a:fontRef idx="minor">
-            <a:schemeClr val="lt1"/>
-          </a:fontRef>
-        </p:style>
-        <p:txBody>
-          <a:bodyPr rtlCol="0" anchor="ctr"/>
-          <a:lstStyle/>
-          <a:p>
-            <a:pPr algn="ctr"/>
-            <a:r>
-              <a:rPr lang="en-CA" sz="1200" dirty="0">
-                <a:solidFill>
-                  <a:schemeClr val="tx1"/>
-                </a:solidFill>
-              </a:rPr>
-              <a:t>Aa</a:t>
-            </a:r>
-            <a:r>
-              <a:rPr lang="en-CA" sz="1200" baseline="-25000" dirty="0">
-                <a:solidFill>
-                  <a:schemeClr val="tx1"/>
-                </a:solidFill>
-              </a:rPr>
-              <a:t>5</a:t>
-            </a:r>
-          </a:p>
-        </p:txBody>
-      </p:sp>
-      <p:sp>
-        <p:nvSpPr>
-          <p:cNvPr id="155" name="Rectangle 154">
-            <a:extLst>
-              <a:ext uri="{FF2B5EF4-FFF2-40B4-BE49-F238E27FC236}">
-                <a16:creationId xmlns:a16="http://schemas.microsoft.com/office/drawing/2014/main" id="{ACA8574A-710B-4315-9871-A7BDACFE0CD2}"/>
-              </a:ext>
-            </a:extLst>
-          </p:cNvPr>
-          <p:cNvSpPr/>
-          <p:nvPr/>
-        </p:nvSpPr>
-        <p:spPr>
-          <a:xfrm>
-            <a:off x="2010108" y="5944948"/>
+            <a:off x="2009062" y="5944948"/>
             <a:ext cx="159790" cy="297455"/>
           </a:xfrm>
           <a:prstGeom prst="rect">
@@ -20524,10 +20459,10 @@
       </p:sp>
       <p:sp>
         <p:nvSpPr>
-          <p:cNvPr id="156" name="Rectangle 155">
-            <a:extLst>
-              <a:ext uri="{FF2B5EF4-FFF2-40B4-BE49-F238E27FC236}">
-                <a16:creationId xmlns:a16="http://schemas.microsoft.com/office/drawing/2014/main" id="{2ECB6950-F2BD-4AED-9361-CA22A8224F80}"/>
+          <p:cNvPr id="191" name="Rectangle 190">
+            <a:extLst>
+              <a:ext uri="{FF2B5EF4-FFF2-40B4-BE49-F238E27FC236}">
+                <a16:creationId xmlns:a16="http://schemas.microsoft.com/office/drawing/2014/main" id="{02967392-E2D7-4270-AF60-9779669E90AB}"/>
               </a:ext>
             </a:extLst>
           </p:cNvPr>
@@ -20536,7 +20471,7 @@
         </p:nvSpPr>
         <p:spPr>
           <a:xfrm>
-            <a:off x="1673318" y="5944948"/>
+            <a:off x="1672272" y="5944948"/>
             <a:ext cx="344599" cy="297455"/>
           </a:xfrm>
           <a:prstGeom prst="rect">
@@ -20588,10 +20523,10 @@
       </p:sp>
       <p:sp>
         <p:nvSpPr>
-          <p:cNvPr id="157" name="Rectangle 156">
-            <a:extLst>
-              <a:ext uri="{FF2B5EF4-FFF2-40B4-BE49-F238E27FC236}">
-                <a16:creationId xmlns:a16="http://schemas.microsoft.com/office/drawing/2014/main" id="{82CF9AB4-746C-490B-8852-47D9B6809607}"/>
+          <p:cNvPr id="192" name="Rectangle 191">
+            <a:extLst>
+              <a:ext uri="{FF2B5EF4-FFF2-40B4-BE49-F238E27FC236}">
+                <a16:creationId xmlns:a16="http://schemas.microsoft.com/office/drawing/2014/main" id="{732FE0B0-5F04-4DB6-8973-24664D3E4F44}"/>
               </a:ext>
             </a:extLst>
           </p:cNvPr>
@@ -20600,7 +20535,7 @@
         </p:nvSpPr>
         <p:spPr>
           <a:xfrm>
-            <a:off x="2172246" y="6268982"/>
+            <a:off x="2171200" y="6268982"/>
             <a:ext cx="598701" cy="297455"/>
           </a:xfrm>
           <a:prstGeom prst="rect">
@@ -20648,17 +20583,17 @@
                   <a:schemeClr val="tx1"/>
                 </a:solidFill>
               </a:rPr>
-              <a:t>5</a:t>
-            </a:r>
-          </a:p>
-        </p:txBody>
-      </p:sp>
-      <p:sp>
-        <p:nvSpPr>
-          <p:cNvPr id="158" name="Rectangle 157">
-            <a:extLst>
-              <a:ext uri="{FF2B5EF4-FFF2-40B4-BE49-F238E27FC236}">
-                <a16:creationId xmlns:a16="http://schemas.microsoft.com/office/drawing/2014/main" id="{27562E84-FE4D-49FC-824A-9FE2A4BBBA8B}"/>
+              <a:t>6</a:t>
+            </a:r>
+          </a:p>
+        </p:txBody>
+      </p:sp>
+      <p:sp>
+        <p:nvSpPr>
+          <p:cNvPr id="193" name="Rectangle 192">
+            <a:extLst>
+              <a:ext uri="{FF2B5EF4-FFF2-40B4-BE49-F238E27FC236}">
+                <a16:creationId xmlns:a16="http://schemas.microsoft.com/office/drawing/2014/main" id="{3A509EEB-D74C-41BB-AFD3-4AA43B7CE11B}"/>
               </a:ext>
             </a:extLst>
           </p:cNvPr>
@@ -20667,8 +20602,8 @@
         </p:nvSpPr>
         <p:spPr>
           <a:xfrm>
-            <a:off x="679218" y="5944947"/>
-            <a:ext cx="986122" cy="297455"/>
+            <a:off x="496176" y="5944947"/>
+            <a:ext cx="1168118" cy="297455"/>
           </a:xfrm>
           <a:prstGeom prst="rect">
             <a:avLst/>
@@ -20715,17 +20650,17 @@
                   <a:schemeClr val="tx1"/>
                 </a:solidFill>
               </a:rPr>
-              <a:t>8</a:t>
-            </a:r>
-          </a:p>
-        </p:txBody>
-      </p:sp>
-      <p:sp>
-        <p:nvSpPr>
-          <p:cNvPr id="159" name="Rectangle 158">
-            <a:extLst>
-              <a:ext uri="{FF2B5EF4-FFF2-40B4-BE49-F238E27FC236}">
-                <a16:creationId xmlns:a16="http://schemas.microsoft.com/office/drawing/2014/main" id="{7F6B8F50-49ED-4D1D-9DAE-6458C5C08A6C}"/>
+              <a:t>12</a:t>
+            </a:r>
+          </a:p>
+        </p:txBody>
+      </p:sp>
+      <p:sp>
+        <p:nvSpPr>
+          <p:cNvPr id="194" name="Rectangle 193">
+            <a:extLst>
+              <a:ext uri="{FF2B5EF4-FFF2-40B4-BE49-F238E27FC236}">
+                <a16:creationId xmlns:a16="http://schemas.microsoft.com/office/drawing/2014/main" id="{663C0BB1-83F5-4D72-9588-A1A197B0999F}"/>
               </a:ext>
             </a:extLst>
           </p:cNvPr>
@@ -20734,7 +20669,7 @@
         </p:nvSpPr>
         <p:spPr>
           <a:xfrm>
-            <a:off x="2176537" y="5944947"/>
+            <a:off x="2175491" y="5944947"/>
             <a:ext cx="1160562" cy="297455"/>
           </a:xfrm>
           <a:prstGeom prst="rect">
@@ -20782,17 +20717,17 @@
                   <a:schemeClr val="tx1"/>
                 </a:solidFill>
               </a:rPr>
-              <a:t>10</a:t>
-            </a:r>
-          </a:p>
-        </p:txBody>
-      </p:sp>
-      <p:sp>
-        <p:nvSpPr>
-          <p:cNvPr id="160" name="Rectangle 159">
-            <a:extLst>
-              <a:ext uri="{FF2B5EF4-FFF2-40B4-BE49-F238E27FC236}">
-                <a16:creationId xmlns:a16="http://schemas.microsoft.com/office/drawing/2014/main" id="{0178D3AD-433A-4342-A863-5953760598A8}"/>
+              <a:t>12</a:t>
+            </a:r>
+          </a:p>
+        </p:txBody>
+      </p:sp>
+      <p:sp>
+        <p:nvSpPr>
+          <p:cNvPr id="195" name="Rectangle 194">
+            <a:extLst>
+              <a:ext uri="{FF2B5EF4-FFF2-40B4-BE49-F238E27FC236}">
+                <a16:creationId xmlns:a16="http://schemas.microsoft.com/office/drawing/2014/main" id="{8898E84F-717B-4505-A5B0-2C8F0A33C38C}"/>
               </a:ext>
             </a:extLst>
           </p:cNvPr>
@@ -20801,14 +20736,14 @@
         </p:nvSpPr>
         <p:spPr>
           <a:xfrm>
-            <a:off x="4457037" y="6269876"/>
-            <a:ext cx="220338" cy="297455"/>
-          </a:xfrm>
-          <a:prstGeom prst="rect">
-            <a:avLst/>
-          </a:prstGeom>
-          <a:solidFill>
-            <a:srgbClr val="FFFF66"/>
+            <a:off x="3317578" y="6269874"/>
+            <a:ext cx="564938" cy="297455"/>
+          </a:xfrm>
+          <a:prstGeom prst="rect">
+            <a:avLst/>
+          </a:prstGeom>
+          <a:solidFill>
+            <a:srgbClr val="FFFF99"/>
           </a:solidFill>
         </p:spPr>
         <p:style>
@@ -20838,17 +20773,25 @@
                   <a:schemeClr val="tx1"/>
                 </a:solidFill>
               </a:rPr>
-              <a:t>1</a:t>
-            </a:r>
-          </a:p>
-        </p:txBody>
-      </p:sp>
-      <p:sp>
-        <p:nvSpPr>
-          <p:cNvPr id="161" name="Rectangle 160">
-            <a:extLst>
-              <a:ext uri="{FF2B5EF4-FFF2-40B4-BE49-F238E27FC236}">
-                <a16:creationId xmlns:a16="http://schemas.microsoft.com/office/drawing/2014/main" id="{C01439C9-8986-4462-907D-C5C1DD7A3F5F}"/>
+              <a:t>Ra</a:t>
+            </a:r>
+            <a:r>
+              <a:rPr lang="en-CA" sz="1200" baseline="-25000" dirty="0">
+                <a:solidFill>
+                  <a:schemeClr val="tx1"/>
+                </a:solidFill>
+              </a:rPr>
+              <a:t>6</a:t>
+            </a:r>
+          </a:p>
+        </p:txBody>
+      </p:sp>
+      <p:sp>
+        <p:nvSpPr>
+          <p:cNvPr id="196" name="Rectangle 195">
+            <a:extLst>
+              <a:ext uri="{FF2B5EF4-FFF2-40B4-BE49-F238E27FC236}">
+                <a16:creationId xmlns:a16="http://schemas.microsoft.com/office/drawing/2014/main" id="{50B594B6-818B-4C98-8457-C962006609BE}"/>
               </a:ext>
             </a:extLst>
           </p:cNvPr>
@@ -20857,199 +20800,7 @@
         </p:nvSpPr>
         <p:spPr>
           <a:xfrm>
-            <a:off x="4677375" y="6269875"/>
-            <a:ext cx="1090670" cy="297455"/>
-          </a:xfrm>
-          <a:prstGeom prst="rect">
-            <a:avLst/>
-          </a:prstGeom>
-          <a:solidFill>
-            <a:srgbClr val="FFFF66"/>
-          </a:solidFill>
-        </p:spPr>
-        <p:style>
-          <a:lnRef idx="2">
-            <a:schemeClr val="accent1">
-              <a:shade val="50000"/>
-            </a:schemeClr>
-          </a:lnRef>
-          <a:fillRef idx="1">
-            <a:schemeClr val="accent1"/>
-          </a:fillRef>
-          <a:effectRef idx="0">
-            <a:schemeClr val="accent1"/>
-          </a:effectRef>
-          <a:fontRef idx="minor">
-            <a:schemeClr val="lt1"/>
-          </a:fontRef>
-        </p:style>
-        <p:txBody>
-          <a:bodyPr rtlCol="0" anchor="ctr"/>
-          <a:lstStyle/>
-          <a:p>
-            <a:pPr algn="ctr"/>
-            <a:r>
-              <a:rPr lang="en-CA" sz="1200" dirty="0">
-                <a:solidFill>
-                  <a:schemeClr val="tx1"/>
-                </a:solidFill>
-              </a:rPr>
-              <a:t>76h</a:t>
-            </a:r>
-            <a:r>
-              <a:rPr lang="en-CA" sz="1200" baseline="-25000" dirty="0">
-                <a:solidFill>
-                  <a:schemeClr val="tx1"/>
-                </a:solidFill>
-              </a:rPr>
-              <a:t>7</a:t>
-            </a:r>
-          </a:p>
-        </p:txBody>
-      </p:sp>
-      <p:sp>
-        <p:nvSpPr>
-          <p:cNvPr id="162" name="Rectangle 161">
-            <a:extLst>
-              <a:ext uri="{FF2B5EF4-FFF2-40B4-BE49-F238E27FC236}">
-                <a16:creationId xmlns:a16="http://schemas.microsoft.com/office/drawing/2014/main" id="{BBC428B5-A462-41EE-901F-09072923404E}"/>
-              </a:ext>
-            </a:extLst>
-          </p:cNvPr>
-          <p:cNvSpPr/>
-          <p:nvPr/>
-        </p:nvSpPr>
-        <p:spPr>
-          <a:xfrm>
-            <a:off x="3892099" y="6269875"/>
-            <a:ext cx="564938" cy="297455"/>
-          </a:xfrm>
-          <a:prstGeom prst="rect">
-            <a:avLst/>
-          </a:prstGeom>
-          <a:solidFill>
-            <a:srgbClr val="FFFF99"/>
-          </a:solidFill>
-        </p:spPr>
-        <p:style>
-          <a:lnRef idx="2">
-            <a:schemeClr val="accent1">
-              <a:shade val="50000"/>
-            </a:schemeClr>
-          </a:lnRef>
-          <a:fillRef idx="1">
-            <a:schemeClr val="accent1"/>
-          </a:fillRef>
-          <a:effectRef idx="0">
-            <a:schemeClr val="accent1"/>
-          </a:effectRef>
-          <a:fontRef idx="minor">
-            <a:schemeClr val="lt1"/>
-          </a:fontRef>
-        </p:style>
-        <p:txBody>
-          <a:bodyPr rtlCol="0" anchor="ctr"/>
-          <a:lstStyle/>
-          <a:p>
-            <a:pPr algn="ctr"/>
-            <a:r>
-              <a:rPr lang="en-CA" sz="1200" dirty="0">
-                <a:solidFill>
-                  <a:schemeClr val="tx1"/>
-                </a:solidFill>
-              </a:rPr>
-              <a:t>Vs</a:t>
-            </a:r>
-            <a:r>
-              <a:rPr lang="en-CA" sz="1200" baseline="-25000" dirty="0">
-                <a:solidFill>
-                  <a:schemeClr val="tx1"/>
-                </a:solidFill>
-              </a:rPr>
-              <a:t>5</a:t>
-            </a:r>
-          </a:p>
-        </p:txBody>
-      </p:sp>
-      <p:sp>
-        <p:nvSpPr>
-          <p:cNvPr id="163" name="Rectangle 162">
-            <a:extLst>
-              <a:ext uri="{FF2B5EF4-FFF2-40B4-BE49-F238E27FC236}">
-                <a16:creationId xmlns:a16="http://schemas.microsoft.com/office/drawing/2014/main" id="{1F41AFFF-B2E1-4905-9DBD-153421BE541C}"/>
-              </a:ext>
-            </a:extLst>
-          </p:cNvPr>
-          <p:cNvSpPr/>
-          <p:nvPr/>
-        </p:nvSpPr>
-        <p:spPr>
-          <a:xfrm>
-            <a:off x="3318624" y="6269874"/>
-            <a:ext cx="564938" cy="297455"/>
-          </a:xfrm>
-          <a:prstGeom prst="rect">
-            <a:avLst/>
-          </a:prstGeom>
-          <a:solidFill>
-            <a:srgbClr val="FFFF99"/>
-          </a:solidFill>
-        </p:spPr>
-        <p:style>
-          <a:lnRef idx="2">
-            <a:schemeClr val="accent1">
-              <a:shade val="50000"/>
-            </a:schemeClr>
-          </a:lnRef>
-          <a:fillRef idx="1">
-            <a:schemeClr val="accent1"/>
-          </a:fillRef>
-          <a:effectRef idx="0">
-            <a:schemeClr val="accent1"/>
-          </a:effectRef>
-          <a:fontRef idx="minor">
-            <a:schemeClr val="lt1"/>
-          </a:fontRef>
-        </p:style>
-        <p:txBody>
-          <a:bodyPr rtlCol="0" anchor="ctr"/>
-          <a:lstStyle/>
-          <a:p>
-            <a:pPr algn="ctr"/>
-            <a:r>
-              <a:rPr lang="en-CA" sz="1200" dirty="0">
-                <a:solidFill>
-                  <a:schemeClr val="tx1"/>
-                </a:solidFill>
-              </a:rPr>
-              <a:t>Aa</a:t>
-            </a:r>
-            <a:r>
-              <a:rPr lang="en-CA" sz="1200" baseline="-25000" dirty="0">
-                <a:solidFill>
-                  <a:schemeClr val="tx1"/>
-                </a:solidFill>
-              </a:rPr>
-              <a:t>5</a:t>
-            </a:r>
-          </a:p>
-        </p:txBody>
-      </p:sp>
-      <p:sp>
-        <p:nvSpPr>
-          <p:cNvPr id="164" name="Rectangle 163">
-            <a:extLst>
-              <a:ext uri="{FF2B5EF4-FFF2-40B4-BE49-F238E27FC236}">
-                <a16:creationId xmlns:a16="http://schemas.microsoft.com/office/drawing/2014/main" id="{7C54A5D8-4873-420F-8E4E-1A5FD0E76A0F}"/>
-              </a:ext>
-            </a:extLst>
-          </p:cNvPr>
-          <p:cNvSpPr/>
-          <p:nvPr/>
-        </p:nvSpPr>
-        <p:spPr>
-          <a:xfrm>
-            <a:off x="2007617" y="6269873"/>
+            <a:off x="2006571" y="6269873"/>
             <a:ext cx="159790" cy="297455"/>
           </a:xfrm>
           <a:prstGeom prst="rect">
@@ -21095,10 +20846,10 @@
       </p:sp>
       <p:sp>
         <p:nvSpPr>
-          <p:cNvPr id="165" name="Rectangle 164">
-            <a:extLst>
-              <a:ext uri="{FF2B5EF4-FFF2-40B4-BE49-F238E27FC236}">
-                <a16:creationId xmlns:a16="http://schemas.microsoft.com/office/drawing/2014/main" id="{A67E319B-0157-44D6-AE8D-051915BD4D18}"/>
+          <p:cNvPr id="197" name="Rectangle 196">
+            <a:extLst>
+              <a:ext uri="{FF2B5EF4-FFF2-40B4-BE49-F238E27FC236}">
+                <a16:creationId xmlns:a16="http://schemas.microsoft.com/office/drawing/2014/main" id="{B80D70AF-FF05-4525-8CFC-B91B92D10ADA}"/>
               </a:ext>
             </a:extLst>
           </p:cNvPr>
@@ -21107,7 +20858,7 @@
         </p:nvSpPr>
         <p:spPr>
           <a:xfrm>
-            <a:off x="1670827" y="6269873"/>
+            <a:off x="1669781" y="6269873"/>
             <a:ext cx="344599" cy="297455"/>
           </a:xfrm>
           <a:prstGeom prst="rect">
@@ -21159,10 +20910,10 @@
       </p:sp>
       <p:sp>
         <p:nvSpPr>
-          <p:cNvPr id="166" name="Rectangle 165">
-            <a:extLst>
-              <a:ext uri="{FF2B5EF4-FFF2-40B4-BE49-F238E27FC236}">
-                <a16:creationId xmlns:a16="http://schemas.microsoft.com/office/drawing/2014/main" id="{2C664026-B496-4AC2-973E-FF514F2592C8}"/>
+          <p:cNvPr id="198" name="Rectangle 197">
+            <a:extLst>
+              <a:ext uri="{FF2B5EF4-FFF2-40B4-BE49-F238E27FC236}">
+                <a16:creationId xmlns:a16="http://schemas.microsoft.com/office/drawing/2014/main" id="{3B2A4DC9-C99B-4506-821B-C86E652B72FE}"/>
               </a:ext>
             </a:extLst>
           </p:cNvPr>
@@ -21171,8 +20922,8 @@
         </p:nvSpPr>
         <p:spPr>
           <a:xfrm>
-            <a:off x="672579" y="6269872"/>
-            <a:ext cx="990270" cy="297455"/>
+            <a:off x="493685" y="6269872"/>
+            <a:ext cx="1168118" cy="297455"/>
           </a:xfrm>
           <a:prstGeom prst="rect">
             <a:avLst/>
@@ -21219,17 +20970,17 @@
                   <a:schemeClr val="tx1"/>
                 </a:solidFill>
               </a:rPr>
-              <a:t>8</a:t>
-            </a:r>
-          </a:p>
-        </p:txBody>
-      </p:sp>
-      <p:sp>
-        <p:nvSpPr>
-          <p:cNvPr id="167" name="Rectangle 166">
-            <a:extLst>
-              <a:ext uri="{FF2B5EF4-FFF2-40B4-BE49-F238E27FC236}">
-                <a16:creationId xmlns:a16="http://schemas.microsoft.com/office/drawing/2014/main" id="{5CFCFC09-CD00-4E1A-A2C4-7E56EF7E452C}"/>
+              <a:t>12</a:t>
+            </a:r>
+          </a:p>
+        </p:txBody>
+      </p:sp>
+      <p:sp>
+        <p:nvSpPr>
+          <p:cNvPr id="199" name="Rectangle 198">
+            <a:extLst>
+              <a:ext uri="{FF2B5EF4-FFF2-40B4-BE49-F238E27FC236}">
+                <a16:creationId xmlns:a16="http://schemas.microsoft.com/office/drawing/2014/main" id="{4B483D52-EDB3-4788-8FCA-4BA94DA76ABA}"/>
               </a:ext>
             </a:extLst>
           </p:cNvPr>
@@ -21238,7 +20989,7 @@
         </p:nvSpPr>
         <p:spPr>
           <a:xfrm>
-            <a:off x="2770947" y="6268982"/>
+            <a:off x="2769901" y="6268982"/>
             <a:ext cx="564938" cy="297455"/>
           </a:xfrm>
           <a:prstGeom prst="rect">
@@ -21283,7 +21034,7 @@
                   <a:schemeClr val="tx1"/>
                 </a:solidFill>
               </a:rPr>
-              <a:t>5</a:t>
+              <a:t>6</a:t>
             </a:r>
           </a:p>
         </p:txBody>
@@ -21355,10 +21106,10 @@
       </p:sp>
       <p:sp>
         <p:nvSpPr>
-          <p:cNvPr id="4" name="Rectangle 3">
-            <a:extLst>
-              <a:ext uri="{FF2B5EF4-FFF2-40B4-BE49-F238E27FC236}">
-                <a16:creationId xmlns:a16="http://schemas.microsoft.com/office/drawing/2014/main" id="{BB8854AD-7A48-4A6B-BE55-A8BB07020741}"/>
+          <p:cNvPr id="15" name="Rectangle 14">
+            <a:extLst>
+              <a:ext uri="{FF2B5EF4-FFF2-40B4-BE49-F238E27FC236}">
+                <a16:creationId xmlns:a16="http://schemas.microsoft.com/office/drawing/2014/main" id="{4E5AF212-E279-406F-9B1C-B31C21B7C7C7}"/>
               </a:ext>
             </a:extLst>
           </p:cNvPr>
@@ -21367,7 +21118,7 @@
         </p:nvSpPr>
         <p:spPr>
           <a:xfrm>
-            <a:off x="4589663" y="880027"/>
+            <a:off x="4489079" y="806563"/>
             <a:ext cx="220338" cy="297455"/>
           </a:xfrm>
           <a:prstGeom prst="rect">
@@ -21436,10 +21187,10 @@
       </p:sp>
       <p:sp>
         <p:nvSpPr>
-          <p:cNvPr id="5" name="Rectangle 4">
-            <a:extLst>
-              <a:ext uri="{FF2B5EF4-FFF2-40B4-BE49-F238E27FC236}">
-                <a16:creationId xmlns:a16="http://schemas.microsoft.com/office/drawing/2014/main" id="{8DFE49BE-9501-4D30-8773-2C9A9B25FEE3}"/>
+          <p:cNvPr id="16" name="Rectangle 15">
+            <a:extLst>
+              <a:ext uri="{FF2B5EF4-FFF2-40B4-BE49-F238E27FC236}">
+                <a16:creationId xmlns:a16="http://schemas.microsoft.com/office/drawing/2014/main" id="{3CC18796-95FD-400A-BFB5-C8795F2F505E}"/>
               </a:ext>
             </a:extLst>
           </p:cNvPr>
@@ -21448,7 +21199,7 @@
         </p:nvSpPr>
         <p:spPr>
           <a:xfrm>
-            <a:off x="4810001" y="880026"/>
+            <a:off x="4709417" y="806562"/>
             <a:ext cx="1090670" cy="297455"/>
           </a:xfrm>
           <a:prstGeom prst="rect">
@@ -21534,10 +21285,10 @@
       </p:sp>
       <p:sp>
         <p:nvSpPr>
-          <p:cNvPr id="6" name="Rectangle 5">
-            <a:extLst>
-              <a:ext uri="{FF2B5EF4-FFF2-40B4-BE49-F238E27FC236}">
-                <a16:creationId xmlns:a16="http://schemas.microsoft.com/office/drawing/2014/main" id="{AAC42945-6B83-465D-968C-B8D0034EC306}"/>
+          <p:cNvPr id="17" name="Rectangle 16">
+            <a:extLst>
+              <a:ext uri="{FF2B5EF4-FFF2-40B4-BE49-F238E27FC236}">
+                <a16:creationId xmlns:a16="http://schemas.microsoft.com/office/drawing/2014/main" id="{23D5E1D9-2E0D-45B2-AF36-8D1B4DFBA85C}"/>
               </a:ext>
             </a:extLst>
           </p:cNvPr>
@@ -21546,17 +21297,14 @@
         </p:nvSpPr>
         <p:spPr>
           <a:xfrm>
-            <a:off x="635797" y="880025"/>
-            <a:ext cx="3574056" cy="297455"/>
-          </a:xfrm>
-          <a:prstGeom prst="rect">
-            <a:avLst/>
-          </a:prstGeom>
-          <a:solidFill>
-            <a:schemeClr val="tx2">
-              <a:lumMod val="20000"/>
-              <a:lumOff val="80000"/>
-            </a:schemeClr>
+            <a:off x="3831734" y="806562"/>
+            <a:ext cx="657345" cy="297453"/>
+          </a:xfrm>
+          <a:prstGeom prst="rect">
+            <a:avLst/>
+          </a:prstGeom>
+          <a:solidFill>
+            <a:srgbClr val="FFCC66"/>
           </a:solidFill>
         </p:spPr>
         <p:style>
@@ -21611,7 +21359,7 @@
                 <a:ea typeface="+mn-ea"/>
                 <a:cs typeface="+mn-cs"/>
               </a:rPr>
-              <a:t>Target</a:t>
+              <a:t>Rt</a:t>
             </a:r>
             <a:r>
               <a:rPr kumimoji="0" lang="en-CA" sz="1200" b="0" i="0" u="none" strike="noStrike" kern="1200" cap="none" spc="0" normalizeH="0" baseline="-25000" noProof="0" dirty="0">
@@ -21628,17 +21376,17 @@
                 <a:ea typeface="+mn-ea"/>
                 <a:cs typeface="+mn-cs"/>
               </a:rPr>
-              <a:t>30</a:t>
-            </a:r>
-          </a:p>
-        </p:txBody>
-      </p:sp>
-      <p:sp>
-        <p:nvSpPr>
-          <p:cNvPr id="7" name="Rectangle 6">
-            <a:extLst>
-              <a:ext uri="{FF2B5EF4-FFF2-40B4-BE49-F238E27FC236}">
-                <a16:creationId xmlns:a16="http://schemas.microsoft.com/office/drawing/2014/main" id="{D4A319FF-E437-45B4-94C4-F2074781178E}"/>
+              <a:t>6</a:t>
+            </a:r>
+          </a:p>
+        </p:txBody>
+      </p:sp>
+      <p:sp>
+        <p:nvSpPr>
+          <p:cNvPr id="18" name="Rectangle 17">
+            <a:extLst>
+              <a:ext uri="{FF2B5EF4-FFF2-40B4-BE49-F238E27FC236}">
+                <a16:creationId xmlns:a16="http://schemas.microsoft.com/office/drawing/2014/main" id="{3748CE0A-CBC6-480E-BD98-029DE5409DF9}"/>
               </a:ext>
             </a:extLst>
           </p:cNvPr>
@@ -21647,14 +21395,14 @@
         </p:nvSpPr>
         <p:spPr>
           <a:xfrm>
-            <a:off x="4212080" y="880025"/>
-            <a:ext cx="375356" cy="297453"/>
-          </a:xfrm>
-          <a:prstGeom prst="rect">
-            <a:avLst/>
-          </a:prstGeom>
-          <a:solidFill>
-            <a:srgbClr val="FFCC66"/>
+            <a:off x="3174389" y="806559"/>
+            <a:ext cx="657345" cy="297455"/>
+          </a:xfrm>
+          <a:prstGeom prst="rect">
+            <a:avLst/>
+          </a:prstGeom>
+          <a:solidFill>
+            <a:srgbClr val="FFFF99"/>
           </a:solidFill>
         </p:spPr>
         <p:style>
@@ -21709,7 +21457,7 @@
                 <a:ea typeface="+mn-ea"/>
                 <a:cs typeface="+mn-cs"/>
               </a:rPr>
-              <a:t>Rt</a:t>
+              <a:t>Ra</a:t>
             </a:r>
             <a:r>
               <a:rPr kumimoji="0" lang="en-CA" sz="1200" b="0" i="0" u="none" strike="noStrike" kern="1200" cap="none" spc="0" normalizeH="0" baseline="-25000" noProof="0" dirty="0">
@@ -21726,52 +21474,17 @@
                 <a:ea typeface="+mn-ea"/>
                 <a:cs typeface="+mn-cs"/>
               </a:rPr>
-              <a:t>2</a:t>
-            </a:r>
-          </a:p>
-        </p:txBody>
-      </p:sp>
-      <p:sp>
-        <p:nvSpPr>
-          <p:cNvPr id="9" name="TextBox 8">
-            <a:extLst>
-              <a:ext uri="{FF2B5EF4-FFF2-40B4-BE49-F238E27FC236}">
-                <a16:creationId xmlns:a16="http://schemas.microsoft.com/office/drawing/2014/main" id="{E71337EB-9583-4A44-844F-7183CC8C2A8D}"/>
-              </a:ext>
-            </a:extLst>
-          </p:cNvPr>
-          <p:cNvSpPr txBox="1"/>
-          <p:nvPr/>
-        </p:nvSpPr>
-        <p:spPr>
-          <a:xfrm>
-            <a:off x="6096000" y="844085"/>
-            <a:ext cx="2841227" cy="369332"/>
-          </a:xfrm>
-          <a:prstGeom prst="rect">
-            <a:avLst/>
-          </a:prstGeom>
-          <a:noFill/>
-        </p:spPr>
-        <p:txBody>
-          <a:bodyPr wrap="none" rtlCol="0">
-            <a:spAutoFit/>
-          </a:bodyPr>
-          <a:lstStyle/>
-          <a:p>
-            <a:r>
-              <a:rPr lang="en-CA" dirty="0"/>
-              <a:t>JAL – absolute jump and link</a:t>
-            </a:r>
-          </a:p>
-        </p:txBody>
-      </p:sp>
-      <p:sp>
-        <p:nvSpPr>
-          <p:cNvPr id="10" name="Rectangle 9">
-            <a:extLst>
-              <a:ext uri="{FF2B5EF4-FFF2-40B4-BE49-F238E27FC236}">
-                <a16:creationId xmlns:a16="http://schemas.microsoft.com/office/drawing/2014/main" id="{B18EDCC3-7693-42AD-B5DC-5BDFAD91D2DF}"/>
+              <a:t>6</a:t>
+            </a:r>
+          </a:p>
+        </p:txBody>
+      </p:sp>
+      <p:sp>
+        <p:nvSpPr>
+          <p:cNvPr id="19" name="Rectangle 18">
+            <a:extLst>
+              <a:ext uri="{FF2B5EF4-FFF2-40B4-BE49-F238E27FC236}">
+                <a16:creationId xmlns:a16="http://schemas.microsoft.com/office/drawing/2014/main" id="{F200D98B-877B-4D91-A419-567F0AC70382}"/>
               </a:ext>
             </a:extLst>
           </p:cNvPr>
@@ -21780,14 +21493,17 @@
         </p:nvSpPr>
         <p:spPr>
           <a:xfrm>
-            <a:off x="4589663" y="1213420"/>
-            <a:ext cx="220338" cy="297455"/>
-          </a:xfrm>
-          <a:prstGeom prst="rect">
-            <a:avLst/>
-          </a:prstGeom>
-          <a:solidFill>
-            <a:srgbClr val="FFFF66"/>
+            <a:off x="535213" y="806560"/>
+            <a:ext cx="2639176" cy="297455"/>
+          </a:xfrm>
+          <a:prstGeom prst="rect">
+            <a:avLst/>
+          </a:prstGeom>
+          <a:solidFill>
+            <a:schemeClr val="tx2">
+              <a:lumMod val="20000"/>
+              <a:lumOff val="80000"/>
+            </a:schemeClr>
           </a:solidFill>
         </p:spPr>
         <p:style>
@@ -21842,17 +21558,123 @@
                 <a:ea typeface="+mn-ea"/>
                 <a:cs typeface="+mn-cs"/>
               </a:rPr>
-              <a:t>0</a:t>
-            </a:r>
-          </a:p>
-        </p:txBody>
-      </p:sp>
-      <p:sp>
-        <p:nvSpPr>
-          <p:cNvPr id="11" name="Rectangle 10">
-            <a:extLst>
-              <a:ext uri="{FF2B5EF4-FFF2-40B4-BE49-F238E27FC236}">
-                <a16:creationId xmlns:a16="http://schemas.microsoft.com/office/drawing/2014/main" id="{0D42BD91-DDA9-4ABE-848A-B3B3E134EF88}"/>
+              <a:t>Constant</a:t>
+            </a:r>
+            <a:r>
+              <a:rPr kumimoji="0" lang="en-CA" sz="1200" b="0" i="0" u="none" strike="noStrike" kern="1200" cap="none" spc="0" normalizeH="0" baseline="-25000" noProof="0" dirty="0">
+                <a:ln>
+                  <a:noFill/>
+                </a:ln>
+                <a:solidFill>
+                  <a:prstClr val="black"/>
+                </a:solidFill>
+                <a:effectLst/>
+                <a:uLnTx/>
+                <a:uFillTx/>
+                <a:latin typeface="Calibri" panose="020F0502020204030204"/>
+                <a:ea typeface="+mn-ea"/>
+                <a:cs typeface="+mn-cs"/>
+              </a:rPr>
+              <a:t>28</a:t>
+            </a:r>
+          </a:p>
+        </p:txBody>
+      </p:sp>
+      <p:sp>
+        <p:nvSpPr>
+          <p:cNvPr id="20" name="TextBox 19">
+            <a:extLst>
+              <a:ext uri="{FF2B5EF4-FFF2-40B4-BE49-F238E27FC236}">
+                <a16:creationId xmlns:a16="http://schemas.microsoft.com/office/drawing/2014/main" id="{ADF17373-7E59-4F1D-8FF6-C150AFB5D8AB}"/>
+              </a:ext>
+            </a:extLst>
+          </p:cNvPr>
+          <p:cNvSpPr txBox="1"/>
+          <p:nvPr/>
+        </p:nvSpPr>
+        <p:spPr>
+          <a:xfrm>
+            <a:off x="5995416" y="810768"/>
+            <a:ext cx="4926413" cy="369332"/>
+          </a:xfrm>
+          <a:prstGeom prst="rect">
+            <a:avLst/>
+          </a:prstGeom>
+          <a:noFill/>
+        </p:spPr>
+        <p:txBody>
+          <a:bodyPr wrap="none" rtlCol="0">
+            <a:spAutoFit/>
+          </a:bodyPr>
+          <a:lstStyle/>
+          <a:p>
+            <a:r>
+              <a:rPr lang="en-CA" dirty="0"/>
+              <a:t>JALR / BALR – jump and link register, Constant * 16</a:t>
+            </a:r>
+          </a:p>
+        </p:txBody>
+      </p:sp>
+      <p:sp>
+        <p:nvSpPr>
+          <p:cNvPr id="27" name="Title 1">
+            <a:extLst>
+              <a:ext uri="{FF2B5EF4-FFF2-40B4-BE49-F238E27FC236}">
+                <a16:creationId xmlns:a16="http://schemas.microsoft.com/office/drawing/2014/main" id="{7E1C0E4F-156A-4D76-9135-8EFBDBDD257A}"/>
+              </a:ext>
+            </a:extLst>
+          </p:cNvPr>
+          <p:cNvSpPr txBox="1">
+            <a:spLocks/>
+          </p:cNvSpPr>
+          <p:nvPr/>
+        </p:nvSpPr>
+        <p:spPr>
+          <a:xfrm>
+            <a:off x="97536" y="1291318"/>
+            <a:ext cx="10515600" cy="622427"/>
+          </a:xfrm>
+          <a:prstGeom prst="rect">
+            <a:avLst/>
+          </a:prstGeom>
+        </p:spPr>
+        <p:txBody>
+          <a:bodyPr vert="horz" lIns="91440" tIns="45720" rIns="91440" bIns="45720" rtlCol="0" anchor="ctr">
+            <a:normAutofit fontScale="90000" lnSpcReduction="10000"/>
+          </a:bodyPr>
+          <a:lstStyle>
+            <a:lvl1pPr algn="l" defTabSz="914400" rtl="0" eaLnBrk="1" latinLnBrk="0" hangingPunct="1">
+              <a:lnSpc>
+                <a:spcPct val="90000"/>
+              </a:lnSpc>
+              <a:spcBef>
+                <a:spcPct val="0"/>
+              </a:spcBef>
+              <a:buNone/>
+              <a:defRPr sz="4400" kern="1200">
+                <a:solidFill>
+                  <a:schemeClr val="tx1"/>
+                </a:solidFill>
+                <a:latin typeface="+mj-lt"/>
+                <a:ea typeface="+mj-ea"/>
+                <a:cs typeface="+mj-cs"/>
+              </a:defRPr>
+            </a:lvl1pPr>
+          </a:lstStyle>
+          <a:p>
+            <a:r>
+              <a:rPr lang="en-CA" dirty="0"/>
+              <a:t>Branch Instructions</a:t>
+            </a:r>
+          </a:p>
+        </p:txBody>
+      </p:sp>
+      <p:sp>
+        <p:nvSpPr>
+          <p:cNvPr id="28" name="Rectangle 27">
+            <a:extLst>
+              <a:ext uri="{FF2B5EF4-FFF2-40B4-BE49-F238E27FC236}">
+                <a16:creationId xmlns:a16="http://schemas.microsoft.com/office/drawing/2014/main" id="{9FFF5CE2-1DB6-42EF-8403-9FE3EE1E97C5}"/>
               </a:ext>
             </a:extLst>
           </p:cNvPr>
@@ -21861,8 +21683,8 @@
         </p:nvSpPr>
         <p:spPr>
           <a:xfrm>
-            <a:off x="4810001" y="1213419"/>
-            <a:ext cx="1090670" cy="297455"/>
+            <a:off x="4489079" y="1952318"/>
+            <a:ext cx="220338" cy="297455"/>
           </a:xfrm>
           <a:prstGeom prst="rect">
             <a:avLst/>
@@ -21923,34 +21745,17 @@
                 <a:ea typeface="+mn-ea"/>
                 <a:cs typeface="+mn-cs"/>
               </a:rPr>
-              <a:t>Opcode</a:t>
-            </a:r>
-            <a:r>
-              <a:rPr kumimoji="0" lang="en-CA" sz="1200" b="0" i="0" u="none" strike="noStrike" kern="1200" cap="none" spc="0" normalizeH="0" baseline="-25000" noProof="0" dirty="0">
-                <a:ln>
-                  <a:noFill/>
-                </a:ln>
-                <a:solidFill>
-                  <a:prstClr val="black"/>
-                </a:solidFill>
-                <a:effectLst/>
-                <a:uLnTx/>
-                <a:uFillTx/>
-                <a:latin typeface="Calibri" panose="020F0502020204030204"/>
-                <a:ea typeface="+mn-ea"/>
-                <a:cs typeface="+mn-cs"/>
-              </a:rPr>
-              <a:t>7</a:t>
-            </a:r>
-          </a:p>
-        </p:txBody>
-      </p:sp>
-      <p:sp>
-        <p:nvSpPr>
-          <p:cNvPr id="12" name="Rectangle 11">
-            <a:extLst>
-              <a:ext uri="{FF2B5EF4-FFF2-40B4-BE49-F238E27FC236}">
-                <a16:creationId xmlns:a16="http://schemas.microsoft.com/office/drawing/2014/main" id="{371017A8-5284-4ACC-8F08-C69C7A1B0278}"/>
+              <a:t>0</a:t>
+            </a:r>
+          </a:p>
+        </p:txBody>
+      </p:sp>
+      <p:sp>
+        <p:nvSpPr>
+          <p:cNvPr id="29" name="Rectangle 28">
+            <a:extLst>
+              <a:ext uri="{FF2B5EF4-FFF2-40B4-BE49-F238E27FC236}">
+                <a16:creationId xmlns:a16="http://schemas.microsoft.com/office/drawing/2014/main" id="{70FA7585-C2C4-4FE8-B8A1-B71ED5A1EF27}"/>
               </a:ext>
             </a:extLst>
           </p:cNvPr>
@@ -21959,17 +21764,14 @@
         </p:nvSpPr>
         <p:spPr>
           <a:xfrm>
-            <a:off x="640080" y="1213418"/>
-            <a:ext cx="3569773" cy="297455"/>
-          </a:xfrm>
-          <a:prstGeom prst="rect">
-            <a:avLst/>
-          </a:prstGeom>
-          <a:solidFill>
-            <a:schemeClr val="tx2">
-              <a:lumMod val="20000"/>
-              <a:lumOff val="80000"/>
-            </a:schemeClr>
+            <a:off x="4709417" y="1952317"/>
+            <a:ext cx="1090670" cy="297455"/>
+          </a:xfrm>
+          <a:prstGeom prst="rect">
+            <a:avLst/>
+          </a:prstGeom>
+          <a:solidFill>
+            <a:srgbClr val="FFFF66"/>
           </a:solidFill>
         </p:spPr>
         <p:style>
@@ -22024,7 +21826,7 @@
                 <a:ea typeface="+mn-ea"/>
                 <a:cs typeface="+mn-cs"/>
               </a:rPr>
-              <a:t>Target</a:t>
+              <a:t>Opcode</a:t>
             </a:r>
             <a:r>
               <a:rPr kumimoji="0" lang="en-CA" sz="1200" b="0" i="0" u="none" strike="noStrike" kern="1200" cap="none" spc="0" normalizeH="0" baseline="-25000" noProof="0" dirty="0">
@@ -22041,17 +21843,17 @@
                 <a:ea typeface="+mn-ea"/>
                 <a:cs typeface="+mn-cs"/>
               </a:rPr>
-              <a:t>30</a:t>
-            </a:r>
-          </a:p>
-        </p:txBody>
-      </p:sp>
-      <p:sp>
-        <p:nvSpPr>
-          <p:cNvPr id="13" name="Rectangle 12">
-            <a:extLst>
-              <a:ext uri="{FF2B5EF4-FFF2-40B4-BE49-F238E27FC236}">
-                <a16:creationId xmlns:a16="http://schemas.microsoft.com/office/drawing/2014/main" id="{9FCE2368-8434-49EB-A5CF-6463AF8F06F6}"/>
+              <a:t>7</a:t>
+            </a:r>
+          </a:p>
+        </p:txBody>
+      </p:sp>
+      <p:sp>
+        <p:nvSpPr>
+          <p:cNvPr id="30" name="Rectangle 29">
+            <a:extLst>
+              <a:ext uri="{FF2B5EF4-FFF2-40B4-BE49-F238E27FC236}">
+                <a16:creationId xmlns:a16="http://schemas.microsoft.com/office/drawing/2014/main" id="{1A17BF41-0E64-4ADB-882D-D06BA89183E2}"/>
               </a:ext>
             </a:extLst>
           </p:cNvPr>
@@ -22060,14 +21862,14 @@
         </p:nvSpPr>
         <p:spPr>
           <a:xfrm>
-            <a:off x="4212080" y="1213418"/>
-            <a:ext cx="375356" cy="297453"/>
-          </a:xfrm>
-          <a:prstGeom prst="rect">
-            <a:avLst/>
-          </a:prstGeom>
-          <a:solidFill>
-            <a:srgbClr val="FFCC66"/>
+            <a:off x="3831734" y="1952317"/>
+            <a:ext cx="657345" cy="297453"/>
+          </a:xfrm>
+          <a:prstGeom prst="rect">
+            <a:avLst/>
+          </a:prstGeom>
+          <a:solidFill>
+            <a:srgbClr val="FFFF66"/>
           </a:solidFill>
         </p:spPr>
         <p:style>
@@ -22122,7 +21924,7 @@
                 <a:ea typeface="+mn-ea"/>
                 <a:cs typeface="+mn-cs"/>
               </a:rPr>
-              <a:t>Rt</a:t>
+              <a:t>Cond</a:t>
             </a:r>
             <a:r>
               <a:rPr kumimoji="0" lang="en-CA" sz="1200" b="0" i="0" u="none" strike="noStrike" kern="1200" cap="none" spc="0" normalizeH="0" baseline="-25000" noProof="0" dirty="0">
@@ -22139,52 +21941,17 @@
                 <a:ea typeface="+mn-ea"/>
                 <a:cs typeface="+mn-cs"/>
               </a:rPr>
-              <a:t>2</a:t>
-            </a:r>
-          </a:p>
-        </p:txBody>
-      </p:sp>
-      <p:sp>
-        <p:nvSpPr>
-          <p:cNvPr id="14" name="TextBox 13">
-            <a:extLst>
-              <a:ext uri="{FF2B5EF4-FFF2-40B4-BE49-F238E27FC236}">
-                <a16:creationId xmlns:a16="http://schemas.microsoft.com/office/drawing/2014/main" id="{EA43A54E-F7C6-4EA0-B2B8-F6C7AACEEA6B}"/>
-              </a:ext>
-            </a:extLst>
-          </p:cNvPr>
-          <p:cNvSpPr txBox="1"/>
-          <p:nvPr/>
-        </p:nvSpPr>
-        <p:spPr>
-          <a:xfrm>
-            <a:off x="6096000" y="1177478"/>
-            <a:ext cx="3017236" cy="369332"/>
-          </a:xfrm>
-          <a:prstGeom prst="rect">
-            <a:avLst/>
-          </a:prstGeom>
-          <a:noFill/>
-        </p:spPr>
-        <p:txBody>
-          <a:bodyPr wrap="none" rtlCol="0">
-            <a:spAutoFit/>
-          </a:bodyPr>
-          <a:lstStyle/>
-          <a:p>
-            <a:r>
-              <a:rPr lang="en-CA" dirty="0"/>
-              <a:t>BAL – relative branch and link</a:t>
-            </a:r>
-          </a:p>
-        </p:txBody>
-      </p:sp>
-      <p:sp>
-        <p:nvSpPr>
-          <p:cNvPr id="15" name="Rectangle 14">
-            <a:extLst>
-              <a:ext uri="{FF2B5EF4-FFF2-40B4-BE49-F238E27FC236}">
-                <a16:creationId xmlns:a16="http://schemas.microsoft.com/office/drawing/2014/main" id="{4E5AF212-E279-406F-9B1C-B31C21B7C7C7}"/>
+              <a:t>6</a:t>
+            </a:r>
+          </a:p>
+        </p:txBody>
+      </p:sp>
+      <p:sp>
+        <p:nvSpPr>
+          <p:cNvPr id="31" name="Rectangle 30">
+            <a:extLst>
+              <a:ext uri="{FF2B5EF4-FFF2-40B4-BE49-F238E27FC236}">
+                <a16:creationId xmlns:a16="http://schemas.microsoft.com/office/drawing/2014/main" id="{95D78B55-E8BB-4672-8950-B5462BA17E5B}"/>
               </a:ext>
             </a:extLst>
           </p:cNvPr>
@@ -22193,14 +21960,14 @@
         </p:nvSpPr>
         <p:spPr>
           <a:xfrm>
-            <a:off x="4589663" y="1592947"/>
-            <a:ext cx="220338" cy="297455"/>
-          </a:xfrm>
-          <a:prstGeom prst="rect">
-            <a:avLst/>
-          </a:prstGeom>
-          <a:solidFill>
-            <a:srgbClr val="FFFF66"/>
+            <a:off x="3174389" y="1952314"/>
+            <a:ext cx="657345" cy="297455"/>
+          </a:xfrm>
+          <a:prstGeom prst="rect">
+            <a:avLst/>
+          </a:prstGeom>
+          <a:solidFill>
+            <a:srgbClr val="FFFF99"/>
           </a:solidFill>
         </p:spPr>
         <p:style>
@@ -22255,17 +22022,34 @@
                 <a:ea typeface="+mn-ea"/>
                 <a:cs typeface="+mn-cs"/>
               </a:rPr>
-              <a:t>0</a:t>
-            </a:r>
-          </a:p>
-        </p:txBody>
-      </p:sp>
-      <p:sp>
-        <p:nvSpPr>
-          <p:cNvPr id="16" name="Rectangle 15">
-            <a:extLst>
-              <a:ext uri="{FF2B5EF4-FFF2-40B4-BE49-F238E27FC236}">
-                <a16:creationId xmlns:a16="http://schemas.microsoft.com/office/drawing/2014/main" id="{3CC18796-95FD-400A-BFB5-C8795F2F505E}"/>
+              <a:t>Ra</a:t>
+            </a:r>
+            <a:r>
+              <a:rPr kumimoji="0" lang="en-CA" sz="1200" b="0" i="0" u="none" strike="noStrike" kern="1200" cap="none" spc="0" normalizeH="0" baseline="-25000" noProof="0" dirty="0">
+                <a:ln>
+                  <a:noFill/>
+                </a:ln>
+                <a:solidFill>
+                  <a:prstClr val="black"/>
+                </a:solidFill>
+                <a:effectLst/>
+                <a:uLnTx/>
+                <a:uFillTx/>
+                <a:latin typeface="Calibri" panose="020F0502020204030204"/>
+                <a:ea typeface="+mn-ea"/>
+                <a:cs typeface="+mn-cs"/>
+              </a:rPr>
+              <a:t>6</a:t>
+            </a:r>
+          </a:p>
+        </p:txBody>
+      </p:sp>
+      <p:sp>
+        <p:nvSpPr>
+          <p:cNvPr id="32" name="Rectangle 31">
+            <a:extLst>
+              <a:ext uri="{FF2B5EF4-FFF2-40B4-BE49-F238E27FC236}">
+                <a16:creationId xmlns:a16="http://schemas.microsoft.com/office/drawing/2014/main" id="{C5F0E534-98B6-4EF8-8834-8813B496C7FC}"/>
               </a:ext>
             </a:extLst>
           </p:cNvPr>
@@ -22274,14 +22058,17 @@
         </p:nvSpPr>
         <p:spPr>
           <a:xfrm>
-            <a:off x="4810001" y="1592946"/>
-            <a:ext cx="1090670" cy="297455"/>
-          </a:xfrm>
-          <a:prstGeom prst="rect">
-            <a:avLst/>
-          </a:prstGeom>
-          <a:solidFill>
-            <a:srgbClr val="FFFF66"/>
+            <a:off x="535214" y="1952315"/>
+            <a:ext cx="1324486" cy="297455"/>
+          </a:xfrm>
+          <a:prstGeom prst="rect">
+            <a:avLst/>
+          </a:prstGeom>
+          <a:solidFill>
+            <a:schemeClr val="tx2">
+              <a:lumMod val="20000"/>
+              <a:lumOff val="80000"/>
+            </a:schemeClr>
           </a:solidFill>
         </p:spPr>
         <p:style>
@@ -22336,7 +22123,7 @@
                 <a:ea typeface="+mn-ea"/>
                 <a:cs typeface="+mn-cs"/>
               </a:rPr>
-              <a:t>Opcode</a:t>
+              <a:t>Displacement</a:t>
             </a:r>
             <a:r>
               <a:rPr kumimoji="0" lang="en-CA" sz="1200" b="0" i="0" u="none" strike="noStrike" kern="1200" cap="none" spc="0" normalizeH="0" baseline="-25000" noProof="0" dirty="0">
@@ -22353,17 +22140,17 @@
                 <a:ea typeface="+mn-ea"/>
                 <a:cs typeface="+mn-cs"/>
               </a:rPr>
-              <a:t>7</a:t>
-            </a:r>
-          </a:p>
-        </p:txBody>
-      </p:sp>
-      <p:sp>
-        <p:nvSpPr>
-          <p:cNvPr id="17" name="Rectangle 16">
-            <a:extLst>
-              <a:ext uri="{FF2B5EF4-FFF2-40B4-BE49-F238E27FC236}">
-                <a16:creationId xmlns:a16="http://schemas.microsoft.com/office/drawing/2014/main" id="{23D5E1D9-2E0D-45B2-AF36-8D1B4DFBA85C}"/>
+              <a:t>16</a:t>
+            </a:r>
+          </a:p>
+        </p:txBody>
+      </p:sp>
+      <p:sp>
+        <p:nvSpPr>
+          <p:cNvPr id="33" name="Rectangle 32">
+            <a:extLst>
+              <a:ext uri="{FF2B5EF4-FFF2-40B4-BE49-F238E27FC236}">
+                <a16:creationId xmlns:a16="http://schemas.microsoft.com/office/drawing/2014/main" id="{241E3E06-00FA-40FF-8C78-8090D68C6A08}"/>
               </a:ext>
             </a:extLst>
           </p:cNvPr>
@@ -22372,14 +22159,14 @@
         </p:nvSpPr>
         <p:spPr>
           <a:xfrm>
-            <a:off x="3932318" y="1592946"/>
-            <a:ext cx="657345" cy="297453"/>
-          </a:xfrm>
-          <a:prstGeom prst="rect">
-            <a:avLst/>
-          </a:prstGeom>
-          <a:solidFill>
-            <a:srgbClr val="FFCC66"/>
+            <a:off x="2517044" y="1952314"/>
+            <a:ext cx="657345" cy="297455"/>
+          </a:xfrm>
+          <a:prstGeom prst="rect">
+            <a:avLst/>
+          </a:prstGeom>
+          <a:solidFill>
+            <a:srgbClr val="FFFF99"/>
           </a:solidFill>
         </p:spPr>
         <p:style>
@@ -22434,7 +22221,7 @@
                 <a:ea typeface="+mn-ea"/>
                 <a:cs typeface="+mn-cs"/>
               </a:rPr>
-              <a:t>Rt</a:t>
+              <a:t>Rb</a:t>
             </a:r>
             <a:r>
               <a:rPr kumimoji="0" lang="en-CA" sz="1200" b="0" i="0" u="none" strike="noStrike" kern="1200" cap="none" spc="0" normalizeH="0" baseline="-25000" noProof="0" dirty="0">
@@ -22451,17 +22238,74 @@
                 <a:ea typeface="+mn-ea"/>
                 <a:cs typeface="+mn-cs"/>
               </a:rPr>
-              <a:t>5</a:t>
-            </a:r>
-          </a:p>
-        </p:txBody>
-      </p:sp>
-      <p:sp>
-        <p:nvSpPr>
-          <p:cNvPr id="18" name="Rectangle 17">
-            <a:extLst>
-              <a:ext uri="{FF2B5EF4-FFF2-40B4-BE49-F238E27FC236}">
-                <a16:creationId xmlns:a16="http://schemas.microsoft.com/office/drawing/2014/main" id="{3748CE0A-CBC6-480E-BD98-029DE5409DF9}"/>
+              <a:t>6</a:t>
+            </a:r>
+          </a:p>
+        </p:txBody>
+      </p:sp>
+      <p:sp>
+        <p:nvSpPr>
+          <p:cNvPr id="3" name="TextBox 2">
+            <a:extLst>
+              <a:ext uri="{FF2B5EF4-FFF2-40B4-BE49-F238E27FC236}">
+                <a16:creationId xmlns:a16="http://schemas.microsoft.com/office/drawing/2014/main" id="{C10F9B5A-2D36-464A-9588-DD122EF03C55}"/>
+              </a:ext>
+            </a:extLst>
+          </p:cNvPr>
+          <p:cNvSpPr txBox="1"/>
+          <p:nvPr/>
+        </p:nvSpPr>
+        <p:spPr>
+          <a:xfrm>
+            <a:off x="5966404" y="1846215"/>
+            <a:ext cx="4724883" cy="646331"/>
+          </a:xfrm>
+          <a:prstGeom prst="rect">
+            <a:avLst/>
+          </a:prstGeom>
+          <a:noFill/>
+        </p:spPr>
+        <p:txBody>
+          <a:bodyPr wrap="none" rtlCol="0">
+            <a:spAutoFit/>
+          </a:bodyPr>
+          <a:lstStyle/>
+          <a:p>
+            <a:r>
+              <a:rPr lang="en-CA" dirty="0"/>
+              <a:t>BLT, BGE, BLTU, BGEU, BEQ, BNE, Float branches</a:t>
+            </a:r>
+          </a:p>
+          <a:p>
+            <a:r>
+              <a:rPr lang="en-CA" dirty="0"/>
+              <a:t>Branch to </a:t>
+            </a:r>
+            <a:r>
+              <a:rPr lang="en-CA" dirty="0" err="1"/>
+              <a:t>Rc</a:t>
+            </a:r>
+            <a:r>
+              <a:rPr lang="en-CA" dirty="0"/>
+              <a:t> + displacement * 8; If </a:t>
+            </a:r>
+            <a:r>
+              <a:rPr lang="en-CA" dirty="0" err="1"/>
+              <a:t>Rc</a:t>
+            </a:r>
+            <a:r>
+              <a:rPr lang="en-CA" dirty="0"/>
+              <a:t>=63 use PC</a:t>
+            </a:r>
+          </a:p>
+        </p:txBody>
+      </p:sp>
+      <p:sp>
+        <p:nvSpPr>
+          <p:cNvPr id="34" name="Rectangle 33">
+            <a:extLst>
+              <a:ext uri="{FF2B5EF4-FFF2-40B4-BE49-F238E27FC236}">
+                <a16:creationId xmlns:a16="http://schemas.microsoft.com/office/drawing/2014/main" id="{7544A963-9EFE-4ED4-98F5-230AC870FE69}"/>
               </a:ext>
             </a:extLst>
           </p:cNvPr>
@@ -22470,7 +22314,7 @@
         </p:nvSpPr>
         <p:spPr>
           <a:xfrm>
-            <a:off x="3274973" y="1592943"/>
+            <a:off x="1859699" y="1952314"/>
             <a:ext cx="657345" cy="297455"/>
           </a:xfrm>
           <a:prstGeom prst="rect">
@@ -22532,7 +22376,7 @@
                 <a:ea typeface="+mn-ea"/>
                 <a:cs typeface="+mn-cs"/>
               </a:rPr>
-              <a:t>Ra</a:t>
+              <a:t>Rc</a:t>
             </a:r>
             <a:r>
               <a:rPr kumimoji="0" lang="en-CA" sz="1200" b="0" i="0" u="none" strike="noStrike" kern="1200" cap="none" spc="0" normalizeH="0" baseline="-25000" noProof="0" dirty="0">
@@ -22549,17 +22393,17 @@
                 <a:ea typeface="+mn-ea"/>
                 <a:cs typeface="+mn-cs"/>
               </a:rPr>
-              <a:t>5</a:t>
-            </a:r>
-          </a:p>
-        </p:txBody>
-      </p:sp>
-      <p:sp>
-        <p:nvSpPr>
-          <p:cNvPr id="19" name="Rectangle 18">
-            <a:extLst>
-              <a:ext uri="{FF2B5EF4-FFF2-40B4-BE49-F238E27FC236}">
-                <a16:creationId xmlns:a16="http://schemas.microsoft.com/office/drawing/2014/main" id="{F200D98B-877B-4D91-A419-567F0AC70382}"/>
+              <a:t>6</a:t>
+            </a:r>
+          </a:p>
+        </p:txBody>
+      </p:sp>
+      <p:sp>
+        <p:nvSpPr>
+          <p:cNvPr id="35" name="Rectangle 34">
+            <a:extLst>
+              <a:ext uri="{FF2B5EF4-FFF2-40B4-BE49-F238E27FC236}">
+                <a16:creationId xmlns:a16="http://schemas.microsoft.com/office/drawing/2014/main" id="{BACCB897-CDEE-4EA6-82A7-247F0FDFD222}"/>
               </a:ext>
             </a:extLst>
           </p:cNvPr>
@@ -22568,17 +22412,14 @@
         </p:nvSpPr>
         <p:spPr>
           <a:xfrm>
-            <a:off x="635797" y="1592944"/>
-            <a:ext cx="2639176" cy="297455"/>
-          </a:xfrm>
-          <a:prstGeom prst="rect">
-            <a:avLst/>
-          </a:prstGeom>
-          <a:solidFill>
-            <a:schemeClr val="tx2">
-              <a:lumMod val="20000"/>
-              <a:lumOff val="80000"/>
-            </a:schemeClr>
+            <a:off x="4489079" y="2649885"/>
+            <a:ext cx="220338" cy="297455"/>
+          </a:xfrm>
+          <a:prstGeom prst="rect">
+            <a:avLst/>
+          </a:prstGeom>
+          <a:solidFill>
+            <a:srgbClr val="FFFF66"/>
           </a:solidFill>
         </p:spPr>
         <p:style>
@@ -22633,10 +22474,74 @@
                 <a:ea typeface="+mn-ea"/>
                 <a:cs typeface="+mn-cs"/>
               </a:rPr>
-              <a:t>Constant</a:t>
-            </a:r>
-            <a:r>
-              <a:rPr kumimoji="0" lang="en-CA" sz="1200" b="0" i="0" u="none" strike="noStrike" kern="1200" cap="none" spc="0" normalizeH="0" baseline="-25000" noProof="0" dirty="0">
+              <a:t>0</a:t>
+            </a:r>
+          </a:p>
+        </p:txBody>
+      </p:sp>
+      <p:sp>
+        <p:nvSpPr>
+          <p:cNvPr id="36" name="Rectangle 35">
+            <a:extLst>
+              <a:ext uri="{FF2B5EF4-FFF2-40B4-BE49-F238E27FC236}">
+                <a16:creationId xmlns:a16="http://schemas.microsoft.com/office/drawing/2014/main" id="{3F719559-9108-46AF-BC22-BEFE9CCD260F}"/>
+              </a:ext>
+            </a:extLst>
+          </p:cNvPr>
+          <p:cNvSpPr/>
+          <p:nvPr/>
+        </p:nvSpPr>
+        <p:spPr>
+          <a:xfrm>
+            <a:off x="4709417" y="2649884"/>
+            <a:ext cx="1090670" cy="297455"/>
+          </a:xfrm>
+          <a:prstGeom prst="rect">
+            <a:avLst/>
+          </a:prstGeom>
+          <a:solidFill>
+            <a:srgbClr val="FFFF66"/>
+          </a:solidFill>
+        </p:spPr>
+        <p:style>
+          <a:lnRef idx="2">
+            <a:schemeClr val="accent1">
+              <a:shade val="50000"/>
+            </a:schemeClr>
+          </a:lnRef>
+          <a:fillRef idx="1">
+            <a:schemeClr val="accent1"/>
+          </a:fillRef>
+          <a:effectRef idx="0">
+            <a:schemeClr val="accent1"/>
+          </a:effectRef>
+          <a:fontRef idx="minor">
+            <a:schemeClr val="lt1"/>
+          </a:fontRef>
+        </p:style>
+        <p:txBody>
+          <a:bodyPr rtlCol="0" anchor="ctr"/>
+          <a:lstStyle/>
+          <a:p>
+            <a:pPr marL="0" marR="0" lvl="0" indent="0" algn="ctr" defTabSz="914400" rtl="0" eaLnBrk="1" fontAlgn="auto" latinLnBrk="0" hangingPunct="1">
+              <a:lnSpc>
+                <a:spcPct val="100000"/>
+              </a:lnSpc>
+              <a:spcBef>
+                <a:spcPts val="0"/>
+              </a:spcBef>
+              <a:spcAft>
+                <a:spcPts val="0"/>
+              </a:spcAft>
+              <a:buClrTx/>
+              <a:buSzTx/>
+              <a:buFontTx/>
+              <a:buNone/>
+              <a:tabLst/>
+              <a:defRPr/>
+            </a:pPr>
+            <a:r>
+              <a:rPr kumimoji="0" lang="en-CA" sz="1200" b="0" i="0" u="none" strike="noStrike" kern="1200" cap="none" spc="0" normalizeH="0" baseline="0" noProof="0" dirty="0">
                 <a:ln>
                   <a:noFill/>
                 </a:ln>
@@ -22650,17 +22555,533 @@
                 <a:ea typeface="+mn-ea"/>
                 <a:cs typeface="+mn-cs"/>
               </a:rPr>
-              <a:t>22</a:t>
-            </a:r>
-          </a:p>
-        </p:txBody>
-      </p:sp>
-      <p:sp>
-        <p:nvSpPr>
-          <p:cNvPr id="20" name="TextBox 19">
-            <a:extLst>
-              <a:ext uri="{FF2B5EF4-FFF2-40B4-BE49-F238E27FC236}">
-                <a16:creationId xmlns:a16="http://schemas.microsoft.com/office/drawing/2014/main" id="{ADF17373-7E59-4F1D-8FF6-C150AFB5D8AB}"/>
+              <a:t>Opcode</a:t>
+            </a:r>
+            <a:r>
+              <a:rPr kumimoji="0" lang="en-CA" sz="1200" b="0" i="0" u="none" strike="noStrike" kern="1200" cap="none" spc="0" normalizeH="0" baseline="-25000" noProof="0" dirty="0">
+                <a:ln>
+                  <a:noFill/>
+                </a:ln>
+                <a:solidFill>
+                  <a:prstClr val="black"/>
+                </a:solidFill>
+                <a:effectLst/>
+                <a:uLnTx/>
+                <a:uFillTx/>
+                <a:latin typeface="Calibri" panose="020F0502020204030204"/>
+                <a:ea typeface="+mn-ea"/>
+                <a:cs typeface="+mn-cs"/>
+              </a:rPr>
+              <a:t>7</a:t>
+            </a:r>
+          </a:p>
+        </p:txBody>
+      </p:sp>
+      <p:sp>
+        <p:nvSpPr>
+          <p:cNvPr id="37" name="Rectangle 36">
+            <a:extLst>
+              <a:ext uri="{FF2B5EF4-FFF2-40B4-BE49-F238E27FC236}">
+                <a16:creationId xmlns:a16="http://schemas.microsoft.com/office/drawing/2014/main" id="{514F8AFA-DD22-4511-8A9B-668B37D40BCA}"/>
+              </a:ext>
+            </a:extLst>
+          </p:cNvPr>
+          <p:cNvSpPr/>
+          <p:nvPr/>
+        </p:nvSpPr>
+        <p:spPr>
+          <a:xfrm>
+            <a:off x="3831734" y="2649884"/>
+            <a:ext cx="657345" cy="297453"/>
+          </a:xfrm>
+          <a:prstGeom prst="rect">
+            <a:avLst/>
+          </a:prstGeom>
+          <a:solidFill>
+            <a:schemeClr val="accent5">
+              <a:lumMod val="20000"/>
+              <a:lumOff val="80000"/>
+            </a:schemeClr>
+          </a:solidFill>
+        </p:spPr>
+        <p:style>
+          <a:lnRef idx="2">
+            <a:schemeClr val="accent1">
+              <a:shade val="50000"/>
+            </a:schemeClr>
+          </a:lnRef>
+          <a:fillRef idx="1">
+            <a:schemeClr val="accent1"/>
+          </a:fillRef>
+          <a:effectRef idx="0">
+            <a:schemeClr val="accent1"/>
+          </a:effectRef>
+          <a:fontRef idx="minor">
+            <a:schemeClr val="lt1"/>
+          </a:fontRef>
+        </p:style>
+        <p:txBody>
+          <a:bodyPr rtlCol="0" anchor="ctr"/>
+          <a:lstStyle/>
+          <a:p>
+            <a:pPr marL="0" marR="0" lvl="0" indent="0" algn="ctr" defTabSz="914400" rtl="0" eaLnBrk="1" fontAlgn="auto" latinLnBrk="0" hangingPunct="1">
+              <a:lnSpc>
+                <a:spcPct val="100000"/>
+              </a:lnSpc>
+              <a:spcBef>
+                <a:spcPts val="0"/>
+              </a:spcBef>
+              <a:spcAft>
+                <a:spcPts val="0"/>
+              </a:spcAft>
+              <a:buClrTx/>
+              <a:buSzTx/>
+              <a:buFontTx/>
+              <a:buNone/>
+              <a:tabLst/>
+              <a:defRPr/>
+            </a:pPr>
+            <a:r>
+              <a:rPr kumimoji="0" lang="en-CA" sz="1200" b="0" i="0" u="none" strike="noStrike" kern="1200" cap="none" spc="0" normalizeH="0" baseline="0" noProof="0" dirty="0">
+                <a:ln>
+                  <a:noFill/>
+                </a:ln>
+                <a:solidFill>
+                  <a:prstClr val="black"/>
+                </a:solidFill>
+                <a:effectLst/>
+                <a:uLnTx/>
+                <a:uFillTx/>
+                <a:latin typeface="Calibri" panose="020F0502020204030204"/>
+                <a:ea typeface="+mn-ea"/>
+                <a:cs typeface="+mn-cs"/>
+              </a:rPr>
+              <a:t>Const</a:t>
+            </a:r>
+            <a:r>
+              <a:rPr kumimoji="0" lang="en-CA" sz="1200" b="0" i="0" u="none" strike="noStrike" kern="1200" cap="none" spc="0" normalizeH="0" baseline="-25000" noProof="0" dirty="0">
+                <a:ln>
+                  <a:noFill/>
+                </a:ln>
+                <a:solidFill>
+                  <a:prstClr val="black"/>
+                </a:solidFill>
+                <a:effectLst/>
+                <a:uLnTx/>
+                <a:uFillTx/>
+                <a:latin typeface="Calibri" panose="020F0502020204030204"/>
+                <a:ea typeface="+mn-ea"/>
+                <a:cs typeface="+mn-cs"/>
+              </a:rPr>
+              <a:t>6</a:t>
+            </a:r>
+          </a:p>
+        </p:txBody>
+      </p:sp>
+      <p:sp>
+        <p:nvSpPr>
+          <p:cNvPr id="38" name="Rectangle 37">
+            <a:extLst>
+              <a:ext uri="{FF2B5EF4-FFF2-40B4-BE49-F238E27FC236}">
+                <a16:creationId xmlns:a16="http://schemas.microsoft.com/office/drawing/2014/main" id="{E5510EB2-28B8-42E6-ADB3-378FCF8FD078}"/>
+              </a:ext>
+            </a:extLst>
+          </p:cNvPr>
+          <p:cNvSpPr/>
+          <p:nvPr/>
+        </p:nvSpPr>
+        <p:spPr>
+          <a:xfrm>
+            <a:off x="3174389" y="2649881"/>
+            <a:ext cx="657345" cy="297455"/>
+          </a:xfrm>
+          <a:prstGeom prst="rect">
+            <a:avLst/>
+          </a:prstGeom>
+          <a:solidFill>
+            <a:srgbClr val="FFFF99"/>
+          </a:solidFill>
+        </p:spPr>
+        <p:style>
+          <a:lnRef idx="2">
+            <a:schemeClr val="accent1">
+              <a:shade val="50000"/>
+            </a:schemeClr>
+          </a:lnRef>
+          <a:fillRef idx="1">
+            <a:schemeClr val="accent1"/>
+          </a:fillRef>
+          <a:effectRef idx="0">
+            <a:schemeClr val="accent1"/>
+          </a:effectRef>
+          <a:fontRef idx="minor">
+            <a:schemeClr val="lt1"/>
+          </a:fontRef>
+        </p:style>
+        <p:txBody>
+          <a:bodyPr rtlCol="0" anchor="ctr"/>
+          <a:lstStyle/>
+          <a:p>
+            <a:pPr marL="0" marR="0" lvl="0" indent="0" algn="ctr" defTabSz="914400" rtl="0" eaLnBrk="1" fontAlgn="auto" latinLnBrk="0" hangingPunct="1">
+              <a:lnSpc>
+                <a:spcPct val="100000"/>
+              </a:lnSpc>
+              <a:spcBef>
+                <a:spcPts val="0"/>
+              </a:spcBef>
+              <a:spcAft>
+                <a:spcPts val="0"/>
+              </a:spcAft>
+              <a:buClrTx/>
+              <a:buSzTx/>
+              <a:buFontTx/>
+              <a:buNone/>
+              <a:tabLst/>
+              <a:defRPr/>
+            </a:pPr>
+            <a:r>
+              <a:rPr kumimoji="0" lang="en-CA" sz="1200" b="0" i="0" u="none" strike="noStrike" kern="1200" cap="none" spc="0" normalizeH="0" baseline="0" noProof="0" dirty="0">
+                <a:ln>
+                  <a:noFill/>
+                </a:ln>
+                <a:solidFill>
+                  <a:prstClr val="black"/>
+                </a:solidFill>
+                <a:effectLst/>
+                <a:uLnTx/>
+                <a:uFillTx/>
+                <a:latin typeface="Calibri" panose="020F0502020204030204"/>
+                <a:ea typeface="+mn-ea"/>
+                <a:cs typeface="+mn-cs"/>
+              </a:rPr>
+              <a:t>Ra</a:t>
+            </a:r>
+            <a:r>
+              <a:rPr kumimoji="0" lang="en-CA" sz="1200" b="0" i="0" u="none" strike="noStrike" kern="1200" cap="none" spc="0" normalizeH="0" baseline="-25000" noProof="0" dirty="0">
+                <a:ln>
+                  <a:noFill/>
+                </a:ln>
+                <a:solidFill>
+                  <a:prstClr val="black"/>
+                </a:solidFill>
+                <a:effectLst/>
+                <a:uLnTx/>
+                <a:uFillTx/>
+                <a:latin typeface="Calibri" panose="020F0502020204030204"/>
+                <a:ea typeface="+mn-ea"/>
+                <a:cs typeface="+mn-cs"/>
+              </a:rPr>
+              <a:t>6</a:t>
+            </a:r>
+          </a:p>
+        </p:txBody>
+      </p:sp>
+      <p:sp>
+        <p:nvSpPr>
+          <p:cNvPr id="39" name="Rectangle 38">
+            <a:extLst>
+              <a:ext uri="{FF2B5EF4-FFF2-40B4-BE49-F238E27FC236}">
+                <a16:creationId xmlns:a16="http://schemas.microsoft.com/office/drawing/2014/main" id="{7C71583E-CB1E-4722-AA1C-D18858F9DE21}"/>
+              </a:ext>
+            </a:extLst>
+          </p:cNvPr>
+          <p:cNvSpPr/>
+          <p:nvPr/>
+        </p:nvSpPr>
+        <p:spPr>
+          <a:xfrm>
+            <a:off x="535214" y="2649882"/>
+            <a:ext cx="1324486" cy="297455"/>
+          </a:xfrm>
+          <a:prstGeom prst="rect">
+            <a:avLst/>
+          </a:prstGeom>
+          <a:solidFill>
+            <a:schemeClr val="tx2">
+              <a:lumMod val="20000"/>
+              <a:lumOff val="80000"/>
+            </a:schemeClr>
+          </a:solidFill>
+        </p:spPr>
+        <p:style>
+          <a:lnRef idx="2">
+            <a:schemeClr val="accent1">
+              <a:shade val="50000"/>
+            </a:schemeClr>
+          </a:lnRef>
+          <a:fillRef idx="1">
+            <a:schemeClr val="accent1"/>
+          </a:fillRef>
+          <a:effectRef idx="0">
+            <a:schemeClr val="accent1"/>
+          </a:effectRef>
+          <a:fontRef idx="minor">
+            <a:schemeClr val="lt1"/>
+          </a:fontRef>
+        </p:style>
+        <p:txBody>
+          <a:bodyPr rtlCol="0" anchor="ctr"/>
+          <a:lstStyle/>
+          <a:p>
+            <a:pPr marL="0" marR="0" lvl="0" indent="0" algn="ctr" defTabSz="914400" rtl="0" eaLnBrk="1" fontAlgn="auto" latinLnBrk="0" hangingPunct="1">
+              <a:lnSpc>
+                <a:spcPct val="100000"/>
+              </a:lnSpc>
+              <a:spcBef>
+                <a:spcPts val="0"/>
+              </a:spcBef>
+              <a:spcAft>
+                <a:spcPts val="0"/>
+              </a:spcAft>
+              <a:buClrTx/>
+              <a:buSzTx/>
+              <a:buFontTx/>
+              <a:buNone/>
+              <a:tabLst/>
+              <a:defRPr/>
+            </a:pPr>
+            <a:r>
+              <a:rPr kumimoji="0" lang="en-CA" sz="1200" b="0" i="0" u="none" strike="noStrike" kern="1200" cap="none" spc="0" normalizeH="0" baseline="0" noProof="0" dirty="0">
+                <a:ln>
+                  <a:noFill/>
+                </a:ln>
+                <a:solidFill>
+                  <a:prstClr val="black"/>
+                </a:solidFill>
+                <a:effectLst/>
+                <a:uLnTx/>
+                <a:uFillTx/>
+                <a:latin typeface="Calibri" panose="020F0502020204030204"/>
+                <a:ea typeface="+mn-ea"/>
+                <a:cs typeface="+mn-cs"/>
+              </a:rPr>
+              <a:t>Displacement</a:t>
+            </a:r>
+            <a:r>
+              <a:rPr kumimoji="0" lang="en-CA" sz="1200" b="0" i="0" u="none" strike="noStrike" kern="1200" cap="none" spc="0" normalizeH="0" baseline="-25000" noProof="0" dirty="0">
+                <a:ln>
+                  <a:noFill/>
+                </a:ln>
+                <a:solidFill>
+                  <a:prstClr val="black"/>
+                </a:solidFill>
+                <a:effectLst/>
+                <a:uLnTx/>
+                <a:uFillTx/>
+                <a:latin typeface="Calibri" panose="020F0502020204030204"/>
+                <a:ea typeface="+mn-ea"/>
+                <a:cs typeface="+mn-cs"/>
+              </a:rPr>
+              <a:t>16</a:t>
+            </a:r>
+          </a:p>
+        </p:txBody>
+      </p:sp>
+      <p:sp>
+        <p:nvSpPr>
+          <p:cNvPr id="40" name="Rectangle 39">
+            <a:extLst>
+              <a:ext uri="{FF2B5EF4-FFF2-40B4-BE49-F238E27FC236}">
+                <a16:creationId xmlns:a16="http://schemas.microsoft.com/office/drawing/2014/main" id="{837D5921-74DC-488E-B443-4FD6C52EE648}"/>
+              </a:ext>
+            </a:extLst>
+          </p:cNvPr>
+          <p:cNvSpPr/>
+          <p:nvPr/>
+        </p:nvSpPr>
+        <p:spPr>
+          <a:xfrm>
+            <a:off x="2517044" y="2649881"/>
+            <a:ext cx="657345" cy="297455"/>
+          </a:xfrm>
+          <a:prstGeom prst="rect">
+            <a:avLst/>
+          </a:prstGeom>
+          <a:solidFill>
+            <a:schemeClr val="accent5">
+              <a:lumMod val="20000"/>
+              <a:lumOff val="80000"/>
+            </a:schemeClr>
+          </a:solidFill>
+        </p:spPr>
+        <p:style>
+          <a:lnRef idx="2">
+            <a:schemeClr val="accent1">
+              <a:shade val="50000"/>
+            </a:schemeClr>
+          </a:lnRef>
+          <a:fillRef idx="1">
+            <a:schemeClr val="accent1"/>
+          </a:fillRef>
+          <a:effectRef idx="0">
+            <a:schemeClr val="accent1"/>
+          </a:effectRef>
+          <a:fontRef idx="minor">
+            <a:schemeClr val="lt1"/>
+          </a:fontRef>
+        </p:style>
+        <p:txBody>
+          <a:bodyPr rtlCol="0" anchor="ctr"/>
+          <a:lstStyle/>
+          <a:p>
+            <a:pPr marL="0" marR="0" lvl="0" indent="0" algn="ctr" defTabSz="914400" rtl="0" eaLnBrk="1" fontAlgn="auto" latinLnBrk="0" hangingPunct="1">
+              <a:lnSpc>
+                <a:spcPct val="100000"/>
+              </a:lnSpc>
+              <a:spcBef>
+                <a:spcPts val="0"/>
+              </a:spcBef>
+              <a:spcAft>
+                <a:spcPts val="0"/>
+              </a:spcAft>
+              <a:buClrTx/>
+              <a:buSzTx/>
+              <a:buFontTx/>
+              <a:buNone/>
+              <a:tabLst/>
+              <a:defRPr/>
+            </a:pPr>
+            <a:r>
+              <a:rPr kumimoji="0" lang="en-CA" sz="1200" b="0" i="0" u="none" strike="noStrike" kern="1200" cap="none" spc="0" normalizeH="0" baseline="0" noProof="0" dirty="0">
+                <a:ln>
+                  <a:noFill/>
+                </a:ln>
+                <a:solidFill>
+                  <a:prstClr val="black"/>
+                </a:solidFill>
+                <a:effectLst/>
+                <a:uLnTx/>
+                <a:uFillTx/>
+                <a:latin typeface="Calibri" panose="020F0502020204030204"/>
+                <a:ea typeface="+mn-ea"/>
+                <a:cs typeface="+mn-cs"/>
+              </a:rPr>
+              <a:t>Const</a:t>
+            </a:r>
+            <a:r>
+              <a:rPr kumimoji="0" lang="en-CA" sz="1200" b="0" i="0" u="none" strike="noStrike" kern="1200" cap="none" spc="0" normalizeH="0" baseline="-25000" noProof="0" dirty="0">
+                <a:ln>
+                  <a:noFill/>
+                </a:ln>
+                <a:solidFill>
+                  <a:prstClr val="black"/>
+                </a:solidFill>
+                <a:effectLst/>
+                <a:uLnTx/>
+                <a:uFillTx/>
+                <a:latin typeface="Calibri" panose="020F0502020204030204"/>
+                <a:ea typeface="+mn-ea"/>
+                <a:cs typeface="+mn-cs"/>
+              </a:rPr>
+              <a:t>6</a:t>
+            </a:r>
+          </a:p>
+        </p:txBody>
+      </p:sp>
+      <p:sp>
+        <p:nvSpPr>
+          <p:cNvPr id="41" name="Rectangle 40">
+            <a:extLst>
+              <a:ext uri="{FF2B5EF4-FFF2-40B4-BE49-F238E27FC236}">
+                <a16:creationId xmlns:a16="http://schemas.microsoft.com/office/drawing/2014/main" id="{56FC0091-5917-49DE-A724-4109618FA9E2}"/>
+              </a:ext>
+            </a:extLst>
+          </p:cNvPr>
+          <p:cNvSpPr/>
+          <p:nvPr/>
+        </p:nvSpPr>
+        <p:spPr>
+          <a:xfrm>
+            <a:off x="1859699" y="2649881"/>
+            <a:ext cx="657345" cy="297455"/>
+          </a:xfrm>
+          <a:prstGeom prst="rect">
+            <a:avLst/>
+          </a:prstGeom>
+          <a:solidFill>
+            <a:srgbClr val="FFFF99"/>
+          </a:solidFill>
+        </p:spPr>
+        <p:style>
+          <a:lnRef idx="2">
+            <a:schemeClr val="accent1">
+              <a:shade val="50000"/>
+            </a:schemeClr>
+          </a:lnRef>
+          <a:fillRef idx="1">
+            <a:schemeClr val="accent1"/>
+          </a:fillRef>
+          <a:effectRef idx="0">
+            <a:schemeClr val="accent1"/>
+          </a:effectRef>
+          <a:fontRef idx="minor">
+            <a:schemeClr val="lt1"/>
+          </a:fontRef>
+        </p:style>
+        <p:txBody>
+          <a:bodyPr rtlCol="0" anchor="ctr"/>
+          <a:lstStyle/>
+          <a:p>
+            <a:pPr marL="0" marR="0" lvl="0" indent="0" algn="ctr" defTabSz="914400" rtl="0" eaLnBrk="1" fontAlgn="auto" latinLnBrk="0" hangingPunct="1">
+              <a:lnSpc>
+                <a:spcPct val="100000"/>
+              </a:lnSpc>
+              <a:spcBef>
+                <a:spcPts val="0"/>
+              </a:spcBef>
+              <a:spcAft>
+                <a:spcPts val="0"/>
+              </a:spcAft>
+              <a:buClrTx/>
+              <a:buSzTx/>
+              <a:buFontTx/>
+              <a:buNone/>
+              <a:tabLst/>
+              <a:defRPr/>
+            </a:pPr>
+            <a:r>
+              <a:rPr kumimoji="0" lang="en-CA" sz="1200" b="0" i="0" u="none" strike="noStrike" kern="1200" cap="none" spc="0" normalizeH="0" baseline="0" noProof="0" dirty="0">
+                <a:ln>
+                  <a:noFill/>
+                </a:ln>
+                <a:solidFill>
+                  <a:prstClr val="black"/>
+                </a:solidFill>
+                <a:effectLst/>
+                <a:uLnTx/>
+                <a:uFillTx/>
+                <a:latin typeface="Calibri" panose="020F0502020204030204"/>
+                <a:ea typeface="+mn-ea"/>
+                <a:cs typeface="+mn-cs"/>
+              </a:rPr>
+              <a:t>Rc</a:t>
+            </a:r>
+            <a:r>
+              <a:rPr kumimoji="0" lang="en-CA" sz="1200" b="0" i="0" u="none" strike="noStrike" kern="1200" cap="none" spc="0" normalizeH="0" baseline="-25000" noProof="0" dirty="0">
+                <a:ln>
+                  <a:noFill/>
+                </a:ln>
+                <a:solidFill>
+                  <a:prstClr val="black"/>
+                </a:solidFill>
+                <a:effectLst/>
+                <a:uLnTx/>
+                <a:uFillTx/>
+                <a:latin typeface="Calibri" panose="020F0502020204030204"/>
+                <a:ea typeface="+mn-ea"/>
+                <a:cs typeface="+mn-cs"/>
+              </a:rPr>
+              <a:t>6</a:t>
+            </a:r>
+          </a:p>
+        </p:txBody>
+      </p:sp>
+      <p:sp>
+        <p:nvSpPr>
+          <p:cNvPr id="8" name="TextBox 7">
+            <a:extLst>
+              <a:ext uri="{FF2B5EF4-FFF2-40B4-BE49-F238E27FC236}">
+                <a16:creationId xmlns:a16="http://schemas.microsoft.com/office/drawing/2014/main" id="{7E56813E-0753-4949-B87B-15F2A4F1B119}"/>
               </a:ext>
             </a:extLst>
           </p:cNvPr>
@@ -22669,8 +23090,8 @@
         </p:nvSpPr>
         <p:spPr>
           <a:xfrm>
-            <a:off x="6096000" y="1597152"/>
-            <a:ext cx="2870466" cy="369332"/>
+            <a:off x="5966404" y="2630956"/>
+            <a:ext cx="631520" cy="369332"/>
           </a:xfrm>
           <a:prstGeom prst="rect">
             <a:avLst/>
@@ -22685,7 +23106,7 @@
           <a:p>
             <a:r>
               <a:rPr lang="en-CA" dirty="0"/>
-              <a:t>JALR – jump and link register</a:t>
+              <a:t>BEQI</a:t>
             </a:r>
           </a:p>
         </p:txBody>
